--- a/Presentation - AI.pptx
+++ b/Presentation - AI.pptx
@@ -1,42 +1,42 @@
 
 <file path=ppt/presentation.xml><?xml version="1.0" encoding="utf-8"?>
-<p:presentation xmlns:a="http://schemas.openxmlformats.org/drawingml/2006/main" xmlns:r="http://schemas.openxmlformats.org/officeDocument/2006/relationships" xmlns:p="http://schemas.openxmlformats.org/presentationml/2006/main" saveSubsetFonts="1" embedTrueTypeFonts="true">
+<p:presentation xmlns:a="http://schemas.openxmlformats.org/drawingml/2006/main" xmlns:r="http://schemas.openxmlformats.org/officeDocument/2006/relationships" xmlns:p="http://schemas.openxmlformats.org/presentationml/2006/main" embedTrueTypeFonts="1" saveSubsetFonts="1">
   <p:sldMasterIdLst>
     <p:sldMasterId id="2147483648" r:id="rId1"/>
   </p:sldMasterIdLst>
   <p:sldIdLst>
-    <p:sldId id="256" r:id="rId6"/>
-    <p:sldId id="257" r:id="rId7"/>
-    <p:sldId id="258" r:id="rId8"/>
-    <p:sldId id="259" r:id="rId9"/>
-    <p:sldId id="260" r:id="rId10"/>
-    <p:sldId id="261" r:id="rId11"/>
-    <p:sldId id="262" r:id="rId12"/>
-    <p:sldId id="263" r:id="rId13"/>
-    <p:sldId id="264" r:id="rId14"/>
-    <p:sldId id="265" r:id="rId15"/>
-    <p:sldId id="266" r:id="rId16"/>
-    <p:sldId id="267" r:id="rId17"/>
-    <p:sldId id="268" r:id="rId18"/>
+    <p:sldId id="256" r:id="rId2"/>
+    <p:sldId id="257" r:id="rId3"/>
+    <p:sldId id="258" r:id="rId4"/>
+    <p:sldId id="259" r:id="rId5"/>
+    <p:sldId id="260" r:id="rId6"/>
+    <p:sldId id="261" r:id="rId7"/>
+    <p:sldId id="262" r:id="rId8"/>
+    <p:sldId id="263" r:id="rId9"/>
+    <p:sldId id="264" r:id="rId10"/>
+    <p:sldId id="265" r:id="rId11"/>
+    <p:sldId id="266" r:id="rId12"/>
+    <p:sldId id="267" r:id="rId13"/>
+    <p:sldId id="268" r:id="rId14"/>
   </p:sldIdLst>
   <p:sldSz cx="18288000" cy="10287000"/>
   <p:notesSz cx="6858000" cy="9144000"/>
   <p:embeddedFontLst>
     <p:embeddedFont>
-      <p:font typeface="Proxima Nova" charset="1" panose="02000506030000020004"/>
-      <p:regular r:id="rId19"/>
+      <p:font typeface="Proxima Nova" panose="020B0604020202020204" charset="0"/>
+      <p:regular r:id="rId15"/>
     </p:embeddedFont>
     <p:embeddedFont>
-      <p:font typeface="The Seasons" charset="1" panose="00000000000000000000"/>
-      <p:regular r:id="rId20"/>
+      <p:font typeface="Proxima Nova Bold" panose="020B0604020202020204" charset="0"/>
+      <p:regular r:id="rId16"/>
     </p:embeddedFont>
     <p:embeddedFont>
-      <p:font typeface="The Seasons Bold" charset="1" panose="00000000000000000000"/>
-      <p:regular r:id="rId21"/>
+      <p:font typeface="The Seasons" panose="020B0604020202020204" charset="0"/>
+      <p:regular r:id="rId17"/>
     </p:embeddedFont>
     <p:embeddedFont>
-      <p:font typeface="Proxima Nova Bold" charset="1" panose="02000506030000020004"/>
-      <p:regular r:id="rId22"/>
+      <p:font typeface="The Seasons Bold" panose="020B0604020202020204" charset="0"/>
+      <p:regular r:id="rId18"/>
     </p:embeddedFont>
   </p:embeddedFontLst>
   <p:defaultTextStyle>
@@ -134,6 +134,22 @@
       </a:defRPr>
     </a:lvl9pPr>
   </p:defaultTextStyle>
+  <p:extLst>
+    <p:ext uri="{EFAFB233-063F-42B5-8137-9DF3F51BA10A}">
+      <p15:sldGuideLst xmlns:p15="http://schemas.microsoft.com/office/powerpoint/2012/main">
+        <p15:guide id="1" orient="horz" pos="2160">
+          <p15:clr>
+            <a:srgbClr val="A4A3A4"/>
+          </p15:clr>
+        </p15:guide>
+        <p15:guide id="2" pos="2880">
+          <p15:clr>
+            <a:srgbClr val="A4A3A4"/>
+          </p15:clr>
+        </p15:guide>
+      </p15:sldGuideLst>
+    </p:ext>
+  </p:extLst>
 </p:presentation>
 </file>
 
@@ -175,10 +191,9 @@
           <a:lstStyle/>
           <a:p>
             <a:r>
-              <a:rPr lang="en-US" smtClean="0"/>
+              <a:rPr lang="en-US"/>
               <a:t>Click to edit Master title style</a:t>
             </a:r>
-            <a:endParaRPr lang="en-US"/>
           </a:p>
         </p:txBody>
       </p:sp>
@@ -294,10 +309,9 @@
           </a:lstStyle>
           <a:p>
             <a:r>
-              <a:rPr lang="en-US" smtClean="0"/>
+              <a:rPr lang="en-US"/>
               <a:t>Click to edit Master subtitle style</a:t>
             </a:r>
-            <a:endParaRPr lang="en-US"/>
           </a:p>
         </p:txBody>
       </p:sp>
@@ -319,7 +333,7 @@
             <a:fld id="{1D8BD707-D9CF-40AE-B4C6-C98DA3205C09}" type="datetimeFigureOut">
               <a:rPr lang="en-US" smtClean="0"/>
               <a:pPr/>
-              <a:t>8/1/2011</a:t>
+              <a:t>10/19/2025</a:t>
             </a:fld>
             <a:endParaRPr lang="en-US"/>
           </a:p>
@@ -409,10 +423,9 @@
           <a:lstStyle/>
           <a:p>
             <a:r>
-              <a:rPr lang="en-US" smtClean="0"/>
+              <a:rPr lang="en-US"/>
               <a:t>Click to edit Master title style</a:t>
             </a:r>
-            <a:endParaRPr lang="en-US"/>
           </a:p>
         </p:txBody>
       </p:sp>
@@ -433,38 +446,37 @@
           <a:p>
             <a:pPr lvl="0"/>
             <a:r>
-              <a:rPr lang="en-US" smtClean="0"/>
+              <a:rPr lang="en-US"/>
               <a:t>Click to edit Master text styles</a:t>
             </a:r>
           </a:p>
           <a:p>
             <a:pPr lvl="1"/>
             <a:r>
-              <a:rPr lang="en-US" smtClean="0"/>
+              <a:rPr lang="en-US"/>
               <a:t>Second level</a:t>
             </a:r>
           </a:p>
           <a:p>
             <a:pPr lvl="2"/>
             <a:r>
-              <a:rPr lang="en-US" smtClean="0"/>
+              <a:rPr lang="en-US"/>
               <a:t>Third level</a:t>
             </a:r>
           </a:p>
           <a:p>
             <a:pPr lvl="3"/>
             <a:r>
-              <a:rPr lang="en-US" smtClean="0"/>
+              <a:rPr lang="en-US"/>
               <a:t>Fourth level</a:t>
             </a:r>
           </a:p>
           <a:p>
             <a:pPr lvl="4"/>
             <a:r>
-              <a:rPr lang="en-US" smtClean="0"/>
+              <a:rPr lang="en-US"/>
               <a:t>Fifth level</a:t>
             </a:r>
-            <a:endParaRPr lang="en-US"/>
           </a:p>
         </p:txBody>
       </p:sp>
@@ -486,7 +498,7 @@
             <a:fld id="{1D8BD707-D9CF-40AE-B4C6-C98DA3205C09}" type="datetimeFigureOut">
               <a:rPr lang="en-US" smtClean="0"/>
               <a:pPr/>
-              <a:t>8/1/2011</a:t>
+              <a:t>10/19/2025</a:t>
             </a:fld>
             <a:endParaRPr lang="en-US"/>
           </a:p>
@@ -581,10 +593,9 @@
           <a:lstStyle/>
           <a:p>
             <a:r>
-              <a:rPr lang="en-US" smtClean="0"/>
+              <a:rPr lang="en-US"/>
               <a:t>Click to edit Master title style</a:t>
             </a:r>
-            <a:endParaRPr lang="en-US"/>
           </a:p>
         </p:txBody>
       </p:sp>
@@ -610,38 +621,37 @@
           <a:p>
             <a:pPr lvl="0"/>
             <a:r>
-              <a:rPr lang="en-US" smtClean="0"/>
+              <a:rPr lang="en-US"/>
               <a:t>Click to edit Master text styles</a:t>
             </a:r>
           </a:p>
           <a:p>
             <a:pPr lvl="1"/>
             <a:r>
-              <a:rPr lang="en-US" smtClean="0"/>
+              <a:rPr lang="en-US"/>
               <a:t>Second level</a:t>
             </a:r>
           </a:p>
           <a:p>
             <a:pPr lvl="2"/>
             <a:r>
-              <a:rPr lang="en-US" smtClean="0"/>
+              <a:rPr lang="en-US"/>
               <a:t>Third level</a:t>
             </a:r>
           </a:p>
           <a:p>
             <a:pPr lvl="3"/>
             <a:r>
-              <a:rPr lang="en-US" smtClean="0"/>
+              <a:rPr lang="en-US"/>
               <a:t>Fourth level</a:t>
             </a:r>
           </a:p>
           <a:p>
             <a:pPr lvl="4"/>
             <a:r>
-              <a:rPr lang="en-US" smtClean="0"/>
+              <a:rPr lang="en-US"/>
               <a:t>Fifth level</a:t>
             </a:r>
-            <a:endParaRPr lang="en-US"/>
           </a:p>
         </p:txBody>
       </p:sp>
@@ -663,7 +673,7 @@
             <a:fld id="{1D8BD707-D9CF-40AE-B4C6-C98DA3205C09}" type="datetimeFigureOut">
               <a:rPr lang="en-US" smtClean="0"/>
               <a:pPr/>
-              <a:t>8/1/2011</a:t>
+              <a:t>10/19/2025</a:t>
             </a:fld>
             <a:endParaRPr lang="en-US"/>
           </a:p>
@@ -753,10 +763,9 @@
           <a:lstStyle/>
           <a:p>
             <a:r>
-              <a:rPr lang="en-US" smtClean="0"/>
+              <a:rPr lang="en-US"/>
               <a:t>Click to edit Master title style</a:t>
             </a:r>
-            <a:endParaRPr lang="en-US"/>
           </a:p>
         </p:txBody>
       </p:sp>
@@ -777,38 +786,37 @@
           <a:p>
             <a:pPr lvl="0"/>
             <a:r>
-              <a:rPr lang="en-US" smtClean="0"/>
+              <a:rPr lang="en-US"/>
               <a:t>Click to edit Master text styles</a:t>
             </a:r>
           </a:p>
           <a:p>
             <a:pPr lvl="1"/>
             <a:r>
-              <a:rPr lang="en-US" smtClean="0"/>
+              <a:rPr lang="en-US"/>
               <a:t>Second level</a:t>
             </a:r>
           </a:p>
           <a:p>
             <a:pPr lvl="2"/>
             <a:r>
-              <a:rPr lang="en-US" smtClean="0"/>
+              <a:rPr lang="en-US"/>
               <a:t>Third level</a:t>
             </a:r>
           </a:p>
           <a:p>
             <a:pPr lvl="3"/>
             <a:r>
-              <a:rPr lang="en-US" smtClean="0"/>
+              <a:rPr lang="en-US"/>
               <a:t>Fourth level</a:t>
             </a:r>
           </a:p>
           <a:p>
             <a:pPr lvl="4"/>
             <a:r>
-              <a:rPr lang="en-US" smtClean="0"/>
+              <a:rPr lang="en-US"/>
               <a:t>Fifth level</a:t>
             </a:r>
-            <a:endParaRPr lang="en-US"/>
           </a:p>
         </p:txBody>
       </p:sp>
@@ -830,7 +838,7 @@
             <a:fld id="{1D8BD707-D9CF-40AE-B4C6-C98DA3205C09}" type="datetimeFigureOut">
               <a:rPr lang="en-US" smtClean="0"/>
               <a:pPr/>
-              <a:t>8/1/2011</a:t>
+              <a:t>10/19/2025</a:t>
             </a:fld>
             <a:endParaRPr lang="en-US"/>
           </a:p>
@@ -929,10 +937,9 @@
           </a:lstStyle>
           <a:p>
             <a:r>
-              <a:rPr lang="en-US" smtClean="0"/>
+              <a:rPr lang="en-US"/>
               <a:t>Click to edit Master title style</a:t>
             </a:r>
-            <a:endParaRPr lang="en-US"/>
           </a:p>
         </p:txBody>
       </p:sp>
@@ -1049,7 +1056,7 @@
           <a:p>
             <a:pPr lvl="0"/>
             <a:r>
-              <a:rPr lang="en-US" smtClean="0"/>
+              <a:rPr lang="en-US"/>
               <a:t>Click to edit Master text styles</a:t>
             </a:r>
           </a:p>
@@ -1073,7 +1080,7 @@
             <a:fld id="{1D8BD707-D9CF-40AE-B4C6-C98DA3205C09}" type="datetimeFigureOut">
               <a:rPr lang="en-US" smtClean="0"/>
               <a:pPr/>
-              <a:t>8/1/2011</a:t>
+              <a:t>10/19/2025</a:t>
             </a:fld>
             <a:endParaRPr lang="en-US"/>
           </a:p>
@@ -1163,10 +1170,9 @@
           <a:lstStyle/>
           <a:p>
             <a:r>
-              <a:rPr lang="en-US" smtClean="0"/>
+              <a:rPr lang="en-US"/>
               <a:t>Click to edit Master title style</a:t>
             </a:r>
-            <a:endParaRPr lang="en-US"/>
           </a:p>
         </p:txBody>
       </p:sp>
@@ -1220,38 +1226,37 @@
           <a:p>
             <a:pPr lvl="0"/>
             <a:r>
-              <a:rPr lang="en-US" smtClean="0"/>
+              <a:rPr lang="en-US"/>
               <a:t>Click to edit Master text styles</a:t>
             </a:r>
           </a:p>
           <a:p>
             <a:pPr lvl="1"/>
             <a:r>
-              <a:rPr lang="en-US" smtClean="0"/>
+              <a:rPr lang="en-US"/>
               <a:t>Second level</a:t>
             </a:r>
           </a:p>
           <a:p>
             <a:pPr lvl="2"/>
             <a:r>
-              <a:rPr lang="en-US" smtClean="0"/>
+              <a:rPr lang="en-US"/>
               <a:t>Third level</a:t>
             </a:r>
           </a:p>
           <a:p>
             <a:pPr lvl="3"/>
             <a:r>
-              <a:rPr lang="en-US" smtClean="0"/>
+              <a:rPr lang="en-US"/>
               <a:t>Fourth level</a:t>
             </a:r>
           </a:p>
           <a:p>
             <a:pPr lvl="4"/>
             <a:r>
-              <a:rPr lang="en-US" smtClean="0"/>
+              <a:rPr lang="en-US"/>
               <a:t>Fifth level</a:t>
             </a:r>
-            <a:endParaRPr lang="en-US"/>
           </a:p>
         </p:txBody>
       </p:sp>
@@ -1305,38 +1310,37 @@
           <a:p>
             <a:pPr lvl="0"/>
             <a:r>
-              <a:rPr lang="en-US" smtClean="0"/>
+              <a:rPr lang="en-US"/>
               <a:t>Click to edit Master text styles</a:t>
             </a:r>
           </a:p>
           <a:p>
             <a:pPr lvl="1"/>
             <a:r>
-              <a:rPr lang="en-US" smtClean="0"/>
+              <a:rPr lang="en-US"/>
               <a:t>Second level</a:t>
             </a:r>
           </a:p>
           <a:p>
             <a:pPr lvl="2"/>
             <a:r>
-              <a:rPr lang="en-US" smtClean="0"/>
+              <a:rPr lang="en-US"/>
               <a:t>Third level</a:t>
             </a:r>
           </a:p>
           <a:p>
             <a:pPr lvl="3"/>
             <a:r>
-              <a:rPr lang="en-US" smtClean="0"/>
+              <a:rPr lang="en-US"/>
               <a:t>Fourth level</a:t>
             </a:r>
           </a:p>
           <a:p>
             <a:pPr lvl="4"/>
             <a:r>
-              <a:rPr lang="en-US" smtClean="0"/>
+              <a:rPr lang="en-US"/>
               <a:t>Fifth level</a:t>
             </a:r>
-            <a:endParaRPr lang="en-US"/>
           </a:p>
         </p:txBody>
       </p:sp>
@@ -1358,7 +1362,7 @@
             <a:fld id="{1D8BD707-D9CF-40AE-B4C6-C98DA3205C09}" type="datetimeFigureOut">
               <a:rPr lang="en-US" smtClean="0"/>
               <a:pPr/>
-              <a:t>8/1/2011</a:t>
+              <a:t>10/19/2025</a:t>
             </a:fld>
             <a:endParaRPr lang="en-US"/>
           </a:p>
@@ -1452,10 +1456,9 @@
           </a:lstStyle>
           <a:p>
             <a:r>
-              <a:rPr lang="en-US" smtClean="0"/>
+              <a:rPr lang="en-US"/>
               <a:t>Click to edit Master title style</a:t>
             </a:r>
-            <a:endParaRPr lang="en-US"/>
           </a:p>
         </p:txBody>
       </p:sp>
@@ -1518,7 +1521,7 @@
           <a:p>
             <a:pPr lvl="0"/>
             <a:r>
-              <a:rPr lang="en-US" smtClean="0"/>
+              <a:rPr lang="en-US"/>
               <a:t>Click to edit Master text styles</a:t>
             </a:r>
           </a:p>
@@ -1574,38 +1577,37 @@
           <a:p>
             <a:pPr lvl="0"/>
             <a:r>
-              <a:rPr lang="en-US" smtClean="0"/>
+              <a:rPr lang="en-US"/>
               <a:t>Click to edit Master text styles</a:t>
             </a:r>
           </a:p>
           <a:p>
             <a:pPr lvl="1"/>
             <a:r>
-              <a:rPr lang="en-US" smtClean="0"/>
+              <a:rPr lang="en-US"/>
               <a:t>Second level</a:t>
             </a:r>
           </a:p>
           <a:p>
             <a:pPr lvl="2"/>
             <a:r>
-              <a:rPr lang="en-US" smtClean="0"/>
+              <a:rPr lang="en-US"/>
               <a:t>Third level</a:t>
             </a:r>
           </a:p>
           <a:p>
             <a:pPr lvl="3"/>
             <a:r>
-              <a:rPr lang="en-US" smtClean="0"/>
+              <a:rPr lang="en-US"/>
               <a:t>Fourth level</a:t>
             </a:r>
           </a:p>
           <a:p>
             <a:pPr lvl="4"/>
             <a:r>
-              <a:rPr lang="en-US" smtClean="0"/>
+              <a:rPr lang="en-US"/>
               <a:t>Fifth level</a:t>
             </a:r>
-            <a:endParaRPr lang="en-US"/>
           </a:p>
         </p:txBody>
       </p:sp>
@@ -1668,7 +1670,7 @@
           <a:p>
             <a:pPr lvl="0"/>
             <a:r>
-              <a:rPr lang="en-US" smtClean="0"/>
+              <a:rPr lang="en-US"/>
               <a:t>Click to edit Master text styles</a:t>
             </a:r>
           </a:p>
@@ -1724,38 +1726,37 @@
           <a:p>
             <a:pPr lvl="0"/>
             <a:r>
-              <a:rPr lang="en-US" smtClean="0"/>
+              <a:rPr lang="en-US"/>
               <a:t>Click to edit Master text styles</a:t>
             </a:r>
           </a:p>
           <a:p>
             <a:pPr lvl="1"/>
             <a:r>
-              <a:rPr lang="en-US" smtClean="0"/>
+              <a:rPr lang="en-US"/>
               <a:t>Second level</a:t>
             </a:r>
           </a:p>
           <a:p>
             <a:pPr lvl="2"/>
             <a:r>
-              <a:rPr lang="en-US" smtClean="0"/>
+              <a:rPr lang="en-US"/>
               <a:t>Third level</a:t>
             </a:r>
           </a:p>
           <a:p>
             <a:pPr lvl="3"/>
             <a:r>
-              <a:rPr lang="en-US" smtClean="0"/>
+              <a:rPr lang="en-US"/>
               <a:t>Fourth level</a:t>
             </a:r>
           </a:p>
           <a:p>
             <a:pPr lvl="4"/>
             <a:r>
-              <a:rPr lang="en-US" smtClean="0"/>
+              <a:rPr lang="en-US"/>
               <a:t>Fifth level</a:t>
             </a:r>
-            <a:endParaRPr lang="en-US"/>
           </a:p>
         </p:txBody>
       </p:sp>
@@ -1777,7 +1778,7 @@
             <a:fld id="{1D8BD707-D9CF-40AE-B4C6-C98DA3205C09}" type="datetimeFigureOut">
               <a:rPr lang="en-US" smtClean="0"/>
               <a:pPr/>
-              <a:t>8/1/2011</a:t>
+              <a:t>10/19/2025</a:t>
             </a:fld>
             <a:endParaRPr lang="en-US"/>
           </a:p>
@@ -1867,10 +1868,9 @@
           <a:lstStyle/>
           <a:p>
             <a:r>
-              <a:rPr lang="en-US" smtClean="0"/>
+              <a:rPr lang="en-US"/>
               <a:t>Click to edit Master title style</a:t>
             </a:r>
-            <a:endParaRPr lang="en-US"/>
           </a:p>
         </p:txBody>
       </p:sp>
@@ -1892,7 +1892,7 @@
             <a:fld id="{1D8BD707-D9CF-40AE-B4C6-C98DA3205C09}" type="datetimeFigureOut">
               <a:rPr lang="en-US" smtClean="0"/>
               <a:pPr/>
-              <a:t>8/1/2011</a:t>
+              <a:t>10/19/2025</a:t>
             </a:fld>
             <a:endParaRPr lang="en-US"/>
           </a:p>
@@ -1984,7 +1984,7 @@
             <a:fld id="{1D8BD707-D9CF-40AE-B4C6-C98DA3205C09}" type="datetimeFigureOut">
               <a:rPr lang="en-US" smtClean="0"/>
               <a:pPr/>
-              <a:t>8/1/2011</a:t>
+              <a:t>10/19/2025</a:t>
             </a:fld>
             <a:endParaRPr lang="en-US"/>
           </a:p>
@@ -2083,10 +2083,9 @@
           </a:lstStyle>
           <a:p>
             <a:r>
-              <a:rPr lang="en-US" smtClean="0"/>
+              <a:rPr lang="en-US"/>
               <a:t>Click to edit Master title style</a:t>
             </a:r>
-            <a:endParaRPr lang="en-US"/>
           </a:p>
         </p:txBody>
       </p:sp>
@@ -2140,38 +2139,37 @@
           <a:p>
             <a:pPr lvl="0"/>
             <a:r>
-              <a:rPr lang="en-US" smtClean="0"/>
+              <a:rPr lang="en-US"/>
               <a:t>Click to edit Master text styles</a:t>
             </a:r>
           </a:p>
           <a:p>
             <a:pPr lvl="1"/>
             <a:r>
-              <a:rPr lang="en-US" smtClean="0"/>
+              <a:rPr lang="en-US"/>
               <a:t>Second level</a:t>
             </a:r>
           </a:p>
           <a:p>
             <a:pPr lvl="2"/>
             <a:r>
-              <a:rPr lang="en-US" smtClean="0"/>
+              <a:rPr lang="en-US"/>
               <a:t>Third level</a:t>
             </a:r>
           </a:p>
           <a:p>
             <a:pPr lvl="3"/>
             <a:r>
-              <a:rPr lang="en-US" smtClean="0"/>
+              <a:rPr lang="en-US"/>
               <a:t>Fourth level</a:t>
             </a:r>
           </a:p>
           <a:p>
             <a:pPr lvl="4"/>
             <a:r>
-              <a:rPr lang="en-US" smtClean="0"/>
+              <a:rPr lang="en-US"/>
               <a:t>Fifth level</a:t>
             </a:r>
-            <a:endParaRPr lang="en-US"/>
           </a:p>
         </p:txBody>
       </p:sp>
@@ -2234,7 +2232,7 @@
           <a:p>
             <a:pPr lvl="0"/>
             <a:r>
-              <a:rPr lang="en-US" smtClean="0"/>
+              <a:rPr lang="en-US"/>
               <a:t>Click to edit Master text styles</a:t>
             </a:r>
           </a:p>
@@ -2258,7 +2256,7 @@
             <a:fld id="{1D8BD707-D9CF-40AE-B4C6-C98DA3205C09}" type="datetimeFigureOut">
               <a:rPr lang="en-US" smtClean="0"/>
               <a:pPr/>
-              <a:t>8/1/2011</a:t>
+              <a:t>10/19/2025</a:t>
             </a:fld>
             <a:endParaRPr lang="en-US"/>
           </a:p>
@@ -2357,10 +2355,9 @@
           </a:lstStyle>
           <a:p>
             <a:r>
-              <a:rPr lang="en-US" smtClean="0"/>
+              <a:rPr lang="en-US"/>
               <a:t>Click to edit Master title style</a:t>
             </a:r>
-            <a:endParaRPr lang="en-US"/>
           </a:p>
         </p:txBody>
       </p:sp>
@@ -2484,7 +2481,7 @@
           <a:p>
             <a:pPr lvl="0"/>
             <a:r>
-              <a:rPr lang="en-US" smtClean="0"/>
+              <a:rPr lang="en-US"/>
               <a:t>Click to edit Master text styles</a:t>
             </a:r>
           </a:p>
@@ -2508,7 +2505,7 @@
             <a:fld id="{1D8BD707-D9CF-40AE-B4C6-C98DA3205C09}" type="datetimeFigureOut">
               <a:rPr lang="en-US" smtClean="0"/>
               <a:pPr/>
-              <a:t>8/1/2011</a:t>
+              <a:t>10/19/2025</a:t>
             </a:fld>
             <a:endParaRPr lang="en-US"/>
           </a:p>
@@ -2613,10 +2610,9 @@
           <a:lstStyle/>
           <a:p>
             <a:r>
-              <a:rPr lang="en-US" smtClean="0"/>
+              <a:rPr lang="en-US"/>
               <a:t>Click to edit Master title style</a:t>
             </a:r>
-            <a:endParaRPr lang="en-US"/>
           </a:p>
         </p:txBody>
       </p:sp>
@@ -2647,38 +2643,37 @@
           <a:p>
             <a:pPr lvl="0"/>
             <a:r>
-              <a:rPr lang="en-US" smtClean="0"/>
+              <a:rPr lang="en-US"/>
               <a:t>Click to edit Master text styles</a:t>
             </a:r>
           </a:p>
           <a:p>
             <a:pPr lvl="1"/>
             <a:r>
-              <a:rPr lang="en-US" smtClean="0"/>
+              <a:rPr lang="en-US"/>
               <a:t>Second level</a:t>
             </a:r>
           </a:p>
           <a:p>
             <a:pPr lvl="2"/>
             <a:r>
-              <a:rPr lang="en-US" smtClean="0"/>
+              <a:rPr lang="en-US"/>
               <a:t>Third level</a:t>
             </a:r>
           </a:p>
           <a:p>
             <a:pPr lvl="3"/>
             <a:r>
-              <a:rPr lang="en-US" smtClean="0"/>
+              <a:rPr lang="en-US"/>
               <a:t>Fourth level</a:t>
             </a:r>
           </a:p>
           <a:p>
             <a:pPr lvl="4"/>
             <a:r>
-              <a:rPr lang="en-US" smtClean="0"/>
+              <a:rPr lang="en-US"/>
               <a:t>Fifth level</a:t>
             </a:r>
-            <a:endParaRPr lang="en-US"/>
           </a:p>
         </p:txBody>
       </p:sp>
@@ -2718,7 +2713,7 @@
             <a:fld id="{1D8BD707-D9CF-40AE-B4C6-C98DA3205C09}" type="datetimeFigureOut">
               <a:rPr lang="en-US" smtClean="0"/>
               <a:pPr/>
-              <a:t>8/1/2011</a:t>
+              <a:t>10/19/2025</a:t>
             </a:fld>
             <a:endParaRPr lang="en-US"/>
           </a:p>
@@ -3073,13 +3068,14 @@
 </file>
 
 <file path=ppt/slides/slide1.xml><?xml version="1.0" encoding="utf-8"?>
-<p:sld xmlns:p="http://schemas.openxmlformats.org/presentationml/2006/main" xmlns:a="http://schemas.openxmlformats.org/drawingml/2006/main" xmlns:r="http://schemas.openxmlformats.org/officeDocument/2006/relationships">
+<p:sld xmlns:a="http://schemas.openxmlformats.org/drawingml/2006/main" xmlns:r="http://schemas.openxmlformats.org/officeDocument/2006/relationships" xmlns:p="http://schemas.openxmlformats.org/presentationml/2006/main">
   <p:cSld>
     <p:bg>
       <p:bgPr>
         <a:solidFill>
           <a:srgbClr val="004D40"/>
         </a:solidFill>
+        <a:effectLst/>
       </p:bgPr>
     </p:bg>
     <p:spTree>
@@ -3098,12 +3094,12 @@
       </p:grpSpPr>
       <p:grpSp>
         <p:nvGrpSpPr>
-          <p:cNvPr name="Group 2" id="2"/>
+          <p:cNvPr id="2" name="Group 2"/>
           <p:cNvGrpSpPr/>
           <p:nvPr/>
         </p:nvGrpSpPr>
         <p:grpSpPr>
-          <a:xfrm rot="0">
+          <a:xfrm>
             <a:off x="5410186" y="1562100"/>
             <a:ext cx="7467627" cy="8058150"/>
             <a:chOff x="0" y="0"/>
@@ -3112,12 +3108,12 @@
         </p:grpSpPr>
         <p:sp>
           <p:nvSpPr>
-            <p:cNvPr name="Freeform 3" id="3"/>
+            <p:cNvPr id="3" name="Freeform 3"/>
             <p:cNvSpPr/>
             <p:nvPr/>
           </p:nvSpPr>
           <p:spPr>
-            <a:xfrm flipH="false" flipV="false" rot="0">
+            <a:xfrm>
               <a:off x="0" y="0"/>
               <a:ext cx="660400" cy="712623"/>
             </a:xfrm>
@@ -3126,9 +3122,9 @@
               <a:gdLst/>
               <a:ahLst/>
               <a:cxnLst/>
-              <a:rect r="r" b="b" t="t" l="l"/>
+              <a:rect l="l" t="t" r="r" b="b"/>
               <a:pathLst>
-                <a:path h="712623" w="660400">
+                <a:path w="660400" h="712623">
                   <a:moveTo>
                     <a:pt x="220252" y="19070"/>
                   </a:moveTo>
@@ -3173,20 +3169,27 @@
             <a:blipFill>
               <a:blip r:embed="rId2"/>
               <a:stretch>
-                <a:fillRect l="0" t="-92" r="0" b="-92"/>
+                <a:fillRect t="-92" b="-92"/>
               </a:stretch>
             </a:blipFill>
           </p:spPr>
+          <p:txBody>
+            <a:bodyPr/>
+            <a:lstStyle/>
+            <a:p>
+              <a:endParaRPr lang="en-ZA"/>
+            </a:p>
+          </p:txBody>
         </p:sp>
       </p:grpSp>
       <p:sp>
         <p:nvSpPr>
-          <p:cNvPr name="TextBox 4" id="4"/>
-          <p:cNvSpPr txBox="true"/>
+          <p:cNvPr id="4" name="TextBox 4"/>
+          <p:cNvSpPr txBox="1"/>
           <p:nvPr/>
         </p:nvSpPr>
         <p:spPr>
-          <a:xfrm rot="0">
+          <a:xfrm>
             <a:off x="2105025" y="695325"/>
             <a:ext cx="14077950" cy="387540"/>
           </a:xfrm>
@@ -3195,12 +3198,12 @@
           </a:prstGeom>
         </p:spPr>
         <p:txBody>
-          <a:bodyPr anchor="t" rtlCol="false" tIns="0" lIns="0" bIns="0" rIns="0">
+          <a:bodyPr lIns="0" tIns="0" rIns="0" bIns="0" rtlCol="0" anchor="t">
             <a:spAutoFit/>
           </a:bodyPr>
           <a:lstStyle/>
           <a:p>
-            <a:pPr algn="ctr" marL="0" indent="0" lvl="0">
+            <a:pPr marL="0" lvl="0" indent="0" algn="ctr">
               <a:lnSpc>
                 <a:spcPts val="3041"/>
               </a:lnSpc>
@@ -3222,12 +3225,12 @@
       </p:sp>
       <p:sp>
         <p:nvSpPr>
-          <p:cNvPr name="TextBox 5" id="5"/>
-          <p:cNvSpPr txBox="true"/>
+          <p:cNvPr id="5" name="TextBox 5"/>
+          <p:cNvSpPr txBox="1"/>
           <p:nvPr/>
         </p:nvSpPr>
         <p:spPr>
-          <a:xfrm rot="0">
+          <a:xfrm>
             <a:off x="666750" y="4025901"/>
             <a:ext cx="4314825" cy="2301872"/>
           </a:xfrm>
@@ -3236,12 +3239,12 @@
           </a:prstGeom>
         </p:spPr>
         <p:txBody>
-          <a:bodyPr anchor="t" rtlCol="false" tIns="0" lIns="0" bIns="0" rIns="0">
+          <a:bodyPr lIns="0" tIns="0" rIns="0" bIns="0" rtlCol="0" anchor="t">
             <a:spAutoFit/>
           </a:bodyPr>
           <a:lstStyle/>
           <a:p>
-            <a:pPr algn="ctr" marL="0" indent="0" lvl="0">
+            <a:pPr marL="0" lvl="0" indent="0" algn="ctr">
               <a:lnSpc>
                 <a:spcPts val="8499"/>
               </a:lnSpc>
@@ -3250,7 +3253,7 @@
               </a:spcBef>
             </a:pPr>
             <a:r>
-              <a:rPr lang="en-US" sz="8499" spc="84" strike="noStrike" u="none">
+              <a:rPr lang="en-US" sz="8499" u="none" strike="noStrike" spc="84">
                 <a:solidFill>
                   <a:srgbClr val="C6F7E2"/>
                 </a:solidFill>
@@ -3263,7 +3266,7 @@
             </a:r>
           </a:p>
           <a:p>
-            <a:pPr algn="ctr" marL="0" indent="0" lvl="0">
+            <a:pPr marL="0" lvl="0" indent="0" algn="ctr">
               <a:lnSpc>
                 <a:spcPts val="8499"/>
               </a:lnSpc>
@@ -3272,7 +3275,7 @@
               </a:spcBef>
             </a:pPr>
             <a:r>
-              <a:rPr lang="en-US" sz="8499" spc="84" strike="noStrike" u="none">
+              <a:rPr lang="en-US" sz="8499" u="none" strike="noStrike" spc="84">
                 <a:solidFill>
                   <a:srgbClr val="C6F7E2"/>
                 </a:solidFill>
@@ -3288,7 +3291,7 @@
       </p:sp>
       <p:sp>
         <p:nvSpPr>
-          <p:cNvPr name="AutoShape 6" id="6"/>
+          <p:cNvPr id="6" name="AutoShape 6"/>
           <p:cNvSpPr/>
           <p:nvPr/>
         </p:nvSpPr>
@@ -3300,15 +3303,22 @@
           <a:prstGeom prst="line">
             <a:avLst/>
           </a:prstGeom>
-          <a:ln cap="flat" w="28575">
+          <a:ln w="28575" cap="flat">
             <a:solidFill>
               <a:srgbClr val="A7D7CC"/>
             </a:solidFill>
             <a:prstDash val="solid"/>
-            <a:headEnd type="none" len="sm" w="sm"/>
-            <a:tailEnd type="none" len="sm" w="sm"/>
+            <a:headEnd type="none" w="sm" len="sm"/>
+            <a:tailEnd type="none" w="sm" len="sm"/>
           </a:ln>
         </p:spPr>
+        <p:txBody>
+          <a:bodyPr/>
+          <a:lstStyle/>
+          <a:p>
+            <a:endParaRPr lang="en-ZA"/>
+          </a:p>
+        </p:txBody>
       </p:sp>
     </p:spTree>
   </p:cSld>
@@ -3319,13 +3329,14 @@
 </file>
 
 <file path=ppt/slides/slide10.xml><?xml version="1.0" encoding="utf-8"?>
-<p:sld xmlns:p="http://schemas.openxmlformats.org/presentationml/2006/main" xmlns:a="http://schemas.openxmlformats.org/drawingml/2006/main" xmlns:r="http://schemas.openxmlformats.org/officeDocument/2006/relationships">
+<p:sld xmlns:a="http://schemas.openxmlformats.org/drawingml/2006/main" xmlns:r="http://schemas.openxmlformats.org/officeDocument/2006/relationships" xmlns:p="http://schemas.openxmlformats.org/presentationml/2006/main">
   <p:cSld>
     <p:bg>
       <p:bgPr>
         <a:solidFill>
           <a:srgbClr val="C6F7E2"/>
         </a:solidFill>
+        <a:effectLst/>
       </p:bgPr>
     </p:bg>
     <p:spTree>
@@ -3342,77 +3353,14 @@
           <a:chExt cx="0" cy="0"/>
         </a:xfrm>
       </p:grpSpPr>
-      <p:grpSp>
-        <p:nvGrpSpPr>
-          <p:cNvPr name="Group 2" id="2"/>
-          <p:cNvGrpSpPr/>
+      <p:sp>
+        <p:nvSpPr>
+          <p:cNvPr id="4" name="TextBox 4"/>
+          <p:cNvSpPr txBox="1"/>
           <p:nvPr/>
-        </p:nvGrpSpPr>
-        <p:grpSpPr>
-          <a:xfrm rot="0">
-            <a:off x="666750" y="3352800"/>
-            <a:ext cx="5448300" cy="5372100"/>
-            <a:chOff x="0" y="0"/>
-            <a:chExt cx="1015061" cy="1000864"/>
-          </a:xfrm>
-        </p:grpSpPr>
-        <p:sp>
-          <p:nvSpPr>
-            <p:cNvPr name="Freeform 3" id="3"/>
-            <p:cNvSpPr/>
-            <p:nvPr/>
-          </p:nvSpPr>
-          <p:spPr>
-            <a:xfrm flipH="false" flipV="false" rot="0">
-              <a:off x="0" y="0"/>
-              <a:ext cx="1015061" cy="1000864"/>
-            </a:xfrm>
-            <a:custGeom>
-              <a:avLst/>
-              <a:gdLst/>
-              <a:ahLst/>
-              <a:cxnLst/>
-              <a:rect r="r" b="b" t="t" l="l"/>
-              <a:pathLst>
-                <a:path h="1000864" w="1015061">
-                  <a:moveTo>
-                    <a:pt x="0" y="0"/>
-                  </a:moveTo>
-                  <a:lnTo>
-                    <a:pt x="1015061" y="0"/>
-                  </a:lnTo>
-                  <a:lnTo>
-                    <a:pt x="1015061" y="1000864"/>
-                  </a:lnTo>
-                  <a:lnTo>
-                    <a:pt x="0" y="1000864"/>
-                  </a:lnTo>
-                  <a:close/>
-                </a:path>
-              </a:pathLst>
-            </a:custGeom>
-            <a:blipFill>
-              <a:blip r:embed="rId2"/>
-              <a:stretch>
-                <a:fillRect l="-178" t="0" r="-178" b="0"/>
-              </a:stretch>
-            </a:blipFill>
-            <a:ln cap="sq">
-              <a:noFill/>
-              <a:prstDash val="solid"/>
-              <a:miter/>
-            </a:ln>
-          </p:spPr>
-        </p:sp>
-      </p:grpSp>
-      <p:sp>
-        <p:nvSpPr>
-          <p:cNvPr name="TextBox 4" id="4"/>
-          <p:cNvSpPr txBox="true"/>
-          <p:nvPr/>
         </p:nvSpPr>
         <p:spPr>
-          <a:xfrm rot="0">
+          <a:xfrm>
             <a:off x="666750" y="714375"/>
             <a:ext cx="16954500" cy="1165229"/>
           </a:xfrm>
@@ -3421,18 +3369,18 @@
           </a:prstGeom>
         </p:spPr>
         <p:txBody>
-          <a:bodyPr anchor="t" rtlCol="false" tIns="0" lIns="0" bIns="0" rIns="0">
+          <a:bodyPr lIns="0" tIns="0" rIns="0" bIns="0" rtlCol="0" anchor="t">
             <a:spAutoFit/>
           </a:bodyPr>
           <a:lstStyle/>
           <a:p>
-            <a:pPr algn="l" marL="0" indent="0" lvl="0">
+            <a:pPr marL="0" lvl="0" indent="0" algn="l">
               <a:lnSpc>
                 <a:spcPts val="8000"/>
               </a:lnSpc>
             </a:pPr>
             <a:r>
-              <a:rPr lang="en-US" sz="8000" spc="-80" strike="noStrike" u="none">
+              <a:rPr lang="en-US" sz="8000" u="none" strike="noStrike" spc="-80" dirty="0">
                 <a:solidFill>
                   <a:srgbClr val="00796B"/>
                 </a:solidFill>
@@ -3448,46 +3396,46 @@
       </p:sp>
       <p:grpSp>
         <p:nvGrpSpPr>
-          <p:cNvPr name="Group 5" id="5"/>
+          <p:cNvPr id="5" name="Group 5"/>
           <p:cNvGrpSpPr/>
           <p:nvPr/>
         </p:nvGrpSpPr>
         <p:grpSpPr>
-          <a:xfrm rot="0">
-            <a:off x="6419850" y="3352800"/>
-            <a:ext cx="4314825" cy="1626870"/>
-            <a:chOff x="0" y="0"/>
-            <a:chExt cx="5753100" cy="2169160"/>
+          <a:xfrm>
+            <a:off x="6903952" y="3345656"/>
+            <a:ext cx="4691320" cy="1640160"/>
+            <a:chOff x="645469" y="-9525"/>
+            <a:chExt cx="6255093" cy="2186880"/>
           </a:xfrm>
         </p:grpSpPr>
         <p:sp>
           <p:nvSpPr>
-            <p:cNvPr name="TextBox 6" id="6"/>
-            <p:cNvSpPr txBox="true"/>
+            <p:cNvPr id="6" name="TextBox 6"/>
+            <p:cNvSpPr txBox="1"/>
             <p:nvPr/>
           </p:nvSpPr>
           <p:spPr>
-            <a:xfrm rot="0">
-              <a:off x="0" y="-9525"/>
-              <a:ext cx="5753100" cy="743585"/>
+            <a:xfrm>
+              <a:off x="645469" y="-9525"/>
+              <a:ext cx="6255093" cy="683948"/>
             </a:xfrm>
             <a:prstGeom prst="rect">
               <a:avLst/>
             </a:prstGeom>
           </p:spPr>
           <p:txBody>
-            <a:bodyPr anchor="t" rtlCol="false" tIns="0" lIns="0" bIns="0" rIns="0">
+            <a:bodyPr wrap="square" lIns="0" tIns="0" rIns="0" bIns="0" rtlCol="0" anchor="t">
               <a:spAutoFit/>
             </a:bodyPr>
             <a:lstStyle/>
             <a:p>
-              <a:pPr algn="l" marL="0" indent="0" lvl="0">
+              <a:pPr marL="0" lvl="0" indent="0" algn="l">
                 <a:lnSpc>
                   <a:spcPts val="3960"/>
                 </a:lnSpc>
               </a:pPr>
               <a:r>
-                <a:rPr lang="en-US" b="true" sz="3600">
+                <a:rPr lang="en-US" sz="3600" b="1" dirty="0">
                   <a:solidFill>
                     <a:srgbClr val="004D40"/>
                   </a:solidFill>
@@ -3503,26 +3451,26 @@
         </p:sp>
         <p:sp>
           <p:nvSpPr>
-            <p:cNvPr name="TextBox 7" id="7"/>
-            <p:cNvSpPr txBox="true"/>
+            <p:cNvPr id="7" name="TextBox 7"/>
+            <p:cNvSpPr txBox="1"/>
             <p:nvPr/>
           </p:nvSpPr>
           <p:spPr>
-            <a:xfrm rot="0">
-              <a:off x="0" y="1149350"/>
-              <a:ext cx="5753100" cy="1019810"/>
+            <a:xfrm>
+              <a:off x="645469" y="1157544"/>
+              <a:ext cx="5753100" cy="1019811"/>
             </a:xfrm>
             <a:prstGeom prst="rect">
               <a:avLst/>
             </a:prstGeom>
           </p:spPr>
           <p:txBody>
-            <a:bodyPr anchor="t" rtlCol="false" tIns="0" lIns="0" bIns="0" rIns="0">
+            <a:bodyPr lIns="0" tIns="0" rIns="0" bIns="0" rtlCol="0" anchor="t">
               <a:spAutoFit/>
             </a:bodyPr>
             <a:lstStyle/>
             <a:p>
-              <a:pPr algn="l" marL="0" indent="0" lvl="0">
+              <a:pPr marL="0" lvl="0" indent="0" algn="l">
                 <a:lnSpc>
                   <a:spcPts val="3120"/>
                 </a:lnSpc>
@@ -3531,7 +3479,7 @@
                 </a:spcBef>
               </a:pPr>
               <a:r>
-                <a:rPr lang="en-US" sz="2400">
+                <a:rPr lang="en-US" sz="2400" dirty="0">
                   <a:solidFill>
                     <a:srgbClr val="004D40"/>
                   </a:solidFill>
@@ -3548,7 +3496,7 @@
       </p:grpSp>
       <p:sp>
         <p:nvSpPr>
-          <p:cNvPr name="AutoShape 8" id="8"/>
+          <p:cNvPr id="8" name="AutoShape 8"/>
           <p:cNvSpPr/>
           <p:nvPr/>
         </p:nvSpPr>
@@ -3560,16 +3508,95 @@
           <a:prstGeom prst="line">
             <a:avLst/>
           </a:prstGeom>
-          <a:ln cap="flat" w="28575">
+          <a:ln w="28575" cap="flat">
             <a:solidFill>
               <a:srgbClr val="004D40"/>
             </a:solidFill>
             <a:prstDash val="solid"/>
-            <a:headEnd type="none" len="sm" w="sm"/>
-            <a:tailEnd type="none" len="sm" w="sm"/>
+            <a:headEnd type="none" w="sm" len="sm"/>
+            <a:tailEnd type="none" w="sm" len="sm"/>
           </a:ln>
         </p:spPr>
-      </p:sp>
+        <p:txBody>
+          <a:bodyPr/>
+          <a:lstStyle/>
+          <a:p>
+            <a:endParaRPr lang="en-ZA"/>
+          </a:p>
+        </p:txBody>
+      </p:sp>
+      <p:pic>
+        <p:nvPicPr>
+          <p:cNvPr id="10" name="Picture 9" descr="A graph showing the difference between unemployment and unemployment&#10;&#10;AI-generated content may be incorrect.">
+            <a:extLst>
+              <a:ext uri="{FF2B5EF4-FFF2-40B4-BE49-F238E27FC236}">
+                <a16:creationId xmlns:a16="http://schemas.microsoft.com/office/drawing/2014/main" id="{BE61EDF0-846B-AE97-4872-3157CAD14FD6}"/>
+              </a:ext>
+            </a:extLst>
+          </p:cNvPr>
+          <p:cNvPicPr>
+            <a:picLocks noChangeAspect="1"/>
+          </p:cNvPicPr>
+          <p:nvPr/>
+        </p:nvPicPr>
+        <p:blipFill>
+          <a:blip r:embed="rId2">
+            <a:extLst>
+              <a:ext uri="{28A0092B-C50C-407E-A947-70E740481C1C}">
+                <a14:useLocalDpi xmlns:a14="http://schemas.microsoft.com/office/drawing/2010/main" val="0"/>
+              </a:ext>
+            </a:extLst>
+          </a:blip>
+          <a:stretch>
+            <a:fillRect/>
+          </a:stretch>
+        </p:blipFill>
+        <p:spPr>
+          <a:xfrm>
+            <a:off x="152400" y="2843112"/>
+            <a:ext cx="6540330" cy="4273118"/>
+          </a:xfrm>
+          <a:prstGeom prst="rect">
+            <a:avLst/>
+          </a:prstGeom>
+        </p:spPr>
+      </p:pic>
+      <p:pic>
+        <p:nvPicPr>
+          <p:cNvPr id="12" name="Picture 11" descr="A graph showing the results of a jobless job&#10;&#10;AI-generated content may be incorrect.">
+            <a:extLst>
+              <a:ext uri="{FF2B5EF4-FFF2-40B4-BE49-F238E27FC236}">
+                <a16:creationId xmlns:a16="http://schemas.microsoft.com/office/drawing/2014/main" id="{D1BE6DA0-070A-373E-AAAA-FD0E44C9268F}"/>
+              </a:ext>
+            </a:extLst>
+          </p:cNvPr>
+          <p:cNvPicPr>
+            <a:picLocks noChangeAspect="1"/>
+          </p:cNvPicPr>
+          <p:nvPr/>
+        </p:nvPicPr>
+        <p:blipFill>
+          <a:blip r:embed="rId3">
+            <a:extLst>
+              <a:ext uri="{28A0092B-C50C-407E-A947-70E740481C1C}">
+                <a14:useLocalDpi xmlns:a14="http://schemas.microsoft.com/office/drawing/2010/main" val="0"/>
+              </a:ext>
+            </a:extLst>
+          </a:blip>
+          <a:stretch>
+            <a:fillRect/>
+          </a:stretch>
+        </p:blipFill>
+        <p:spPr>
+          <a:xfrm>
+            <a:off x="11221235" y="2854589"/>
+            <a:ext cx="6528129" cy="4250163"/>
+          </a:xfrm>
+          <a:prstGeom prst="rect">
+            <a:avLst/>
+          </a:prstGeom>
+        </p:spPr>
+      </p:pic>
     </p:spTree>
   </p:cSld>
   <p:clrMapOvr>
@@ -3579,13 +3606,14 @@
 </file>
 
 <file path=ppt/slides/slide11.xml><?xml version="1.0" encoding="utf-8"?>
-<p:sld xmlns:p="http://schemas.openxmlformats.org/presentationml/2006/main" xmlns:a="http://schemas.openxmlformats.org/drawingml/2006/main">
+<p:sld xmlns:a="http://schemas.openxmlformats.org/drawingml/2006/main" xmlns:r="http://schemas.openxmlformats.org/officeDocument/2006/relationships" xmlns:p="http://schemas.openxmlformats.org/presentationml/2006/main">
   <p:cSld>
     <p:bg>
       <p:bgPr>
         <a:solidFill>
           <a:srgbClr val="004D40"/>
         </a:solidFill>
+        <a:effectLst/>
       </p:bgPr>
     </p:bg>
     <p:spTree>
@@ -3604,7 +3632,7 @@
       </p:grpSpPr>
       <p:sp>
         <p:nvSpPr>
-          <p:cNvPr name="AutoShape 2" id="2"/>
+          <p:cNvPr id="2" name="AutoShape 2"/>
           <p:cNvSpPr/>
           <p:nvPr/>
         </p:nvSpPr>
@@ -3616,24 +3644,31 @@
           <a:prstGeom prst="line">
             <a:avLst/>
           </a:prstGeom>
-          <a:ln cap="flat" w="28575">
+          <a:ln w="28575" cap="flat">
             <a:solidFill>
               <a:srgbClr val="C6F7E2"/>
             </a:solidFill>
             <a:prstDash val="solid"/>
-            <a:headEnd type="none" len="sm" w="sm"/>
-            <a:tailEnd type="none" len="sm" w="sm"/>
+            <a:headEnd type="none" w="sm" len="sm"/>
+            <a:tailEnd type="none" w="sm" len="sm"/>
           </a:ln>
         </p:spPr>
+        <p:txBody>
+          <a:bodyPr/>
+          <a:lstStyle/>
+          <a:p>
+            <a:endParaRPr lang="en-ZA"/>
+          </a:p>
+        </p:txBody>
       </p:sp>
       <p:grpSp>
         <p:nvGrpSpPr>
-          <p:cNvPr name="Group 3" id="3"/>
+          <p:cNvPr id="3" name="Group 3"/>
           <p:cNvGrpSpPr/>
           <p:nvPr/>
         </p:nvGrpSpPr>
         <p:grpSpPr>
-          <a:xfrm rot="0">
+          <a:xfrm>
             <a:off x="666750" y="6953250"/>
             <a:ext cx="7191375" cy="1771650"/>
             <a:chOff x="0" y="0"/>
@@ -3642,12 +3677,12 @@
         </p:grpSpPr>
         <p:sp>
           <p:nvSpPr>
-            <p:cNvPr name="TextBox 4" id="4"/>
-            <p:cNvSpPr txBox="true"/>
+            <p:cNvPr id="4" name="TextBox 4"/>
+            <p:cNvSpPr txBox="1"/>
             <p:nvPr/>
           </p:nvSpPr>
           <p:spPr>
-            <a:xfrm rot="0">
+            <a:xfrm>
               <a:off x="0" y="-9525"/>
               <a:ext cx="9588500" cy="743585"/>
             </a:xfrm>
@@ -3656,18 +3691,18 @@
             </a:prstGeom>
           </p:spPr>
           <p:txBody>
-            <a:bodyPr anchor="t" rtlCol="false" tIns="0" lIns="0" bIns="0" rIns="0">
+            <a:bodyPr lIns="0" tIns="0" rIns="0" bIns="0" rtlCol="0" anchor="t">
               <a:spAutoFit/>
             </a:bodyPr>
             <a:lstStyle/>
             <a:p>
-              <a:pPr algn="l" marL="0" indent="0" lvl="0">
+              <a:pPr marL="0" lvl="0" indent="0" algn="l">
                 <a:lnSpc>
                   <a:spcPts val="3960"/>
                 </a:lnSpc>
               </a:pPr>
               <a:r>
-                <a:rPr lang="en-US" b="true" sz="3600">
+                <a:rPr lang="en-US" sz="3600" b="1">
                   <a:solidFill>
                     <a:srgbClr val="A7D7CC"/>
                   </a:solidFill>
@@ -3683,12 +3718,12 @@
         </p:sp>
         <p:sp>
           <p:nvSpPr>
-            <p:cNvPr name="TextBox 5" id="5"/>
-            <p:cNvSpPr txBox="true"/>
+            <p:cNvPr id="5" name="TextBox 5"/>
+            <p:cNvSpPr txBox="1"/>
             <p:nvPr/>
           </p:nvSpPr>
           <p:spPr>
-            <a:xfrm rot="0">
+            <a:xfrm>
               <a:off x="6033" y="1342390"/>
               <a:ext cx="9582467" cy="1019810"/>
             </a:xfrm>
@@ -3697,12 +3732,12 @@
             </a:prstGeom>
           </p:spPr>
           <p:txBody>
-            <a:bodyPr anchor="t" rtlCol="false" tIns="0" lIns="0" bIns="0" rIns="0">
+            <a:bodyPr lIns="0" tIns="0" rIns="0" bIns="0" rtlCol="0" anchor="t">
               <a:spAutoFit/>
             </a:bodyPr>
             <a:lstStyle/>
             <a:p>
-              <a:pPr algn="l" marL="0" indent="0" lvl="0">
+              <a:pPr marL="0" lvl="0" indent="0" algn="l">
                 <a:lnSpc>
                   <a:spcPts val="3120"/>
                 </a:lnSpc>
@@ -3711,7 +3746,7 @@
                 </a:spcBef>
               </a:pPr>
               <a:r>
-                <a:rPr lang="en-US" sz="2400" strike="noStrike" u="none">
+                <a:rPr lang="en-US" sz="2400" u="none" strike="noStrike">
                   <a:solidFill>
                     <a:srgbClr val="A7D7CC"/>
                   </a:solidFill>
@@ -3728,12 +3763,12 @@
       </p:grpSp>
       <p:grpSp>
         <p:nvGrpSpPr>
-          <p:cNvPr name="Group 6" id="6"/>
+          <p:cNvPr id="6" name="Group 6"/>
           <p:cNvGrpSpPr/>
           <p:nvPr/>
         </p:nvGrpSpPr>
         <p:grpSpPr>
-          <a:xfrm rot="0">
+          <a:xfrm>
             <a:off x="9296400" y="6953250"/>
             <a:ext cx="7191375" cy="1771650"/>
             <a:chOff x="0" y="0"/>
@@ -3742,12 +3777,12 @@
         </p:grpSpPr>
         <p:sp>
           <p:nvSpPr>
-            <p:cNvPr name="TextBox 7" id="7"/>
-            <p:cNvSpPr txBox="true"/>
+            <p:cNvPr id="7" name="TextBox 7"/>
+            <p:cNvSpPr txBox="1"/>
             <p:nvPr/>
           </p:nvSpPr>
           <p:spPr>
-            <a:xfrm rot="0">
+            <a:xfrm>
               <a:off x="0" y="-9525"/>
               <a:ext cx="9588500" cy="743585"/>
             </a:xfrm>
@@ -3756,18 +3791,18 @@
             </a:prstGeom>
           </p:spPr>
           <p:txBody>
-            <a:bodyPr anchor="t" rtlCol="false" tIns="0" lIns="0" bIns="0" rIns="0">
+            <a:bodyPr lIns="0" tIns="0" rIns="0" bIns="0" rtlCol="0" anchor="t">
               <a:spAutoFit/>
             </a:bodyPr>
             <a:lstStyle/>
             <a:p>
-              <a:pPr algn="l" marL="0" indent="0" lvl="0">
+              <a:pPr marL="0" lvl="0" indent="0" algn="l">
                 <a:lnSpc>
                   <a:spcPts val="3960"/>
                 </a:lnSpc>
               </a:pPr>
               <a:r>
-                <a:rPr lang="en-US" b="true" sz="3600">
+                <a:rPr lang="en-US" sz="3600" b="1">
                   <a:solidFill>
                     <a:srgbClr val="A7D7CC"/>
                   </a:solidFill>
@@ -3783,12 +3818,12 @@
         </p:sp>
         <p:sp>
           <p:nvSpPr>
-            <p:cNvPr name="TextBox 8" id="8"/>
-            <p:cNvSpPr txBox="true"/>
+            <p:cNvPr id="8" name="TextBox 8"/>
+            <p:cNvSpPr txBox="1"/>
             <p:nvPr/>
           </p:nvSpPr>
           <p:spPr>
-            <a:xfrm rot="0">
+            <a:xfrm>
               <a:off x="6033" y="1342390"/>
               <a:ext cx="9582467" cy="1019810"/>
             </a:xfrm>
@@ -3797,12 +3832,12 @@
             </a:prstGeom>
           </p:spPr>
           <p:txBody>
-            <a:bodyPr anchor="t" rtlCol="false" tIns="0" lIns="0" bIns="0" rIns="0">
+            <a:bodyPr lIns="0" tIns="0" rIns="0" bIns="0" rtlCol="0" anchor="t">
               <a:spAutoFit/>
             </a:bodyPr>
             <a:lstStyle/>
             <a:p>
-              <a:pPr algn="l" marL="0" indent="0" lvl="0">
+              <a:pPr marL="0" lvl="0" indent="0" algn="l">
                 <a:lnSpc>
                   <a:spcPts val="3120"/>
                 </a:lnSpc>
@@ -3811,7 +3846,7 @@
                 </a:spcBef>
               </a:pPr>
               <a:r>
-                <a:rPr lang="en-US" sz="2400" strike="noStrike" u="none">
+                <a:rPr lang="en-US" sz="2400" u="none" strike="noStrike">
                   <a:solidFill>
                     <a:srgbClr val="A7D7CC"/>
                   </a:solidFill>
@@ -3828,12 +3863,12 @@
       </p:grpSp>
       <p:grpSp>
         <p:nvGrpSpPr>
-          <p:cNvPr name="Group 9" id="9"/>
+          <p:cNvPr id="9" name="Group 9"/>
           <p:cNvGrpSpPr/>
           <p:nvPr/>
         </p:nvGrpSpPr>
         <p:grpSpPr>
-          <a:xfrm rot="0">
+          <a:xfrm>
             <a:off x="666750" y="666750"/>
             <a:ext cx="16954500" cy="2341245"/>
             <a:chOff x="0" y="0"/>
@@ -3842,12 +3877,12 @@
         </p:grpSpPr>
         <p:sp>
           <p:nvSpPr>
-            <p:cNvPr name="TextBox 10" id="10"/>
-            <p:cNvSpPr txBox="true"/>
+            <p:cNvPr id="10" name="TextBox 10"/>
+            <p:cNvSpPr txBox="1"/>
             <p:nvPr/>
           </p:nvSpPr>
           <p:spPr>
-            <a:xfrm rot="0">
+            <a:xfrm>
               <a:off x="0" y="47625"/>
               <a:ext cx="22606000" cy="1569514"/>
             </a:xfrm>
@@ -3856,12 +3891,12 @@
             </a:prstGeom>
           </p:spPr>
           <p:txBody>
-            <a:bodyPr anchor="t" rtlCol="false" tIns="0" lIns="0" bIns="0" rIns="0">
+            <a:bodyPr lIns="0" tIns="0" rIns="0" bIns="0" rtlCol="0" anchor="t">
               <a:spAutoFit/>
             </a:bodyPr>
             <a:lstStyle/>
             <a:p>
-              <a:pPr algn="l" marL="0" indent="0" lvl="0">
+              <a:pPr marL="0" lvl="0" indent="0" algn="l">
                 <a:lnSpc>
                   <a:spcPts val="8000"/>
                 </a:lnSpc>
@@ -3870,7 +3905,7 @@
                 </a:spcBef>
               </a:pPr>
               <a:r>
-                <a:rPr lang="en-US" sz="8000" spc="-80" strike="noStrike" u="none">
+                <a:rPr lang="en-US" sz="8000" u="none" strike="noStrike" spc="-80">
                   <a:solidFill>
                     <a:srgbClr val="C6F7E2"/>
                   </a:solidFill>
@@ -3886,12 +3921,12 @@
         </p:sp>
         <p:sp>
           <p:nvSpPr>
-            <p:cNvPr name="TextBox 11" id="11"/>
-            <p:cNvSpPr txBox="true"/>
+            <p:cNvPr id="11" name="TextBox 11"/>
+            <p:cNvSpPr txBox="1"/>
             <p:nvPr/>
           </p:nvSpPr>
           <p:spPr>
-            <a:xfrm rot="0">
+            <a:xfrm>
               <a:off x="0" y="2378075"/>
               <a:ext cx="22606000" cy="743585"/>
             </a:xfrm>
@@ -3900,12 +3935,12 @@
             </a:prstGeom>
           </p:spPr>
           <p:txBody>
-            <a:bodyPr anchor="t" rtlCol="false" tIns="0" lIns="0" bIns="0" rIns="0">
+            <a:bodyPr lIns="0" tIns="0" rIns="0" bIns="0" rtlCol="0" anchor="t">
               <a:spAutoFit/>
             </a:bodyPr>
             <a:lstStyle/>
             <a:p>
-              <a:pPr algn="l" marL="0" indent="0" lvl="0">
+              <a:pPr marL="0" lvl="0" indent="0" algn="l">
                 <a:lnSpc>
                   <a:spcPts val="3960"/>
                 </a:lnSpc>
@@ -3914,7 +3949,7 @@
                 </a:spcBef>
               </a:pPr>
               <a:r>
-                <a:rPr lang="en-US" b="true" sz="3600" strike="noStrike" u="none">
+                <a:rPr lang="en-US" sz="3600" b="1" u="none" strike="noStrike">
                   <a:solidFill>
                     <a:srgbClr val="A7D7CC"/>
                   </a:solidFill>
@@ -3929,6 +3964,42 @@
           </p:txBody>
         </p:sp>
       </p:grpSp>
+      <p:pic>
+        <p:nvPicPr>
+          <p:cNvPr id="19" name="Picture 18" descr="A graph of unemployment rate over time&#10;&#10;AI-generated content may be incorrect.">
+            <a:extLst>
+              <a:ext uri="{FF2B5EF4-FFF2-40B4-BE49-F238E27FC236}">
+                <a16:creationId xmlns:a16="http://schemas.microsoft.com/office/drawing/2014/main" id="{33936B02-5F57-8E17-DDCA-D0D6B75F5CC1}"/>
+              </a:ext>
+            </a:extLst>
+          </p:cNvPr>
+          <p:cNvPicPr>
+            <a:picLocks noChangeAspect="1"/>
+          </p:cNvPicPr>
+          <p:nvPr/>
+        </p:nvPicPr>
+        <p:blipFill>
+          <a:blip r:embed="rId2">
+            <a:extLst>
+              <a:ext uri="{28A0092B-C50C-407E-A947-70E740481C1C}">
+                <a14:useLocalDpi xmlns:a14="http://schemas.microsoft.com/office/drawing/2010/main" val="0"/>
+              </a:ext>
+            </a:extLst>
+          </a:blip>
+          <a:stretch>
+            <a:fillRect/>
+          </a:stretch>
+        </p:blipFill>
+        <p:spPr>
+          <a:xfrm>
+            <a:off x="488156" y="2193196"/>
+            <a:ext cx="7548562" cy="4524786"/>
+          </a:xfrm>
+          <a:prstGeom prst="rect">
+            <a:avLst/>
+          </a:prstGeom>
+        </p:spPr>
+      </p:pic>
     </p:spTree>
   </p:cSld>
   <p:clrMapOvr>
@@ -3938,13 +4009,14 @@
 </file>
 
 <file path=ppt/slides/slide12.xml><?xml version="1.0" encoding="utf-8"?>
-<p:sld xmlns:p="http://schemas.openxmlformats.org/presentationml/2006/main" xmlns:a="http://schemas.openxmlformats.org/drawingml/2006/main">
+<p:sld xmlns:a="http://schemas.openxmlformats.org/drawingml/2006/main" xmlns:r="http://schemas.openxmlformats.org/officeDocument/2006/relationships" xmlns:p="http://schemas.openxmlformats.org/presentationml/2006/main">
   <p:cSld>
     <p:bg>
       <p:bgPr>
         <a:solidFill>
           <a:srgbClr val="C6F7E2"/>
         </a:solidFill>
+        <a:effectLst/>
       </p:bgPr>
     </p:bg>
     <p:spTree>
@@ -3963,7 +4035,7 @@
       </p:grpSpPr>
       <p:sp>
         <p:nvSpPr>
-          <p:cNvPr name="AutoShape 2" id="2"/>
+          <p:cNvPr id="2" name="AutoShape 2"/>
           <p:cNvSpPr/>
           <p:nvPr/>
         </p:nvSpPr>
@@ -3975,24 +4047,31 @@
           <a:prstGeom prst="line">
             <a:avLst/>
           </a:prstGeom>
-          <a:ln cap="flat" w="28575">
+          <a:ln w="28575" cap="flat">
             <a:solidFill>
               <a:srgbClr val="004D40"/>
             </a:solidFill>
             <a:prstDash val="solid"/>
-            <a:headEnd type="none" len="sm" w="sm"/>
-            <a:tailEnd type="none" len="sm" w="sm"/>
+            <a:headEnd type="none" w="sm" len="sm"/>
+            <a:tailEnd type="none" w="sm" len="sm"/>
           </a:ln>
         </p:spPr>
+        <p:txBody>
+          <a:bodyPr/>
+          <a:lstStyle/>
+          <a:p>
+            <a:endParaRPr lang="en-ZA"/>
+          </a:p>
+        </p:txBody>
       </p:sp>
       <p:grpSp>
         <p:nvGrpSpPr>
-          <p:cNvPr name="Group 3" id="3"/>
+          <p:cNvPr id="3" name="Group 3"/>
           <p:cNvGrpSpPr/>
           <p:nvPr/>
         </p:nvGrpSpPr>
         <p:grpSpPr>
-          <a:xfrm rot="0">
+          <a:xfrm>
             <a:off x="666750" y="666750"/>
             <a:ext cx="16954500" cy="2341245"/>
             <a:chOff x="0" y="0"/>
@@ -4001,12 +4080,12 @@
         </p:grpSpPr>
         <p:sp>
           <p:nvSpPr>
-            <p:cNvPr name="TextBox 4" id="4"/>
-            <p:cNvSpPr txBox="true"/>
+            <p:cNvPr id="4" name="TextBox 4"/>
+            <p:cNvSpPr txBox="1"/>
             <p:nvPr/>
           </p:nvSpPr>
           <p:spPr>
-            <a:xfrm rot="0">
+            <a:xfrm>
               <a:off x="0" y="47625"/>
               <a:ext cx="22606000" cy="1569514"/>
             </a:xfrm>
@@ -4015,12 +4094,12 @@
             </a:prstGeom>
           </p:spPr>
           <p:txBody>
-            <a:bodyPr anchor="t" rtlCol="false" tIns="0" lIns="0" bIns="0" rIns="0">
+            <a:bodyPr lIns="0" tIns="0" rIns="0" bIns="0" rtlCol="0" anchor="t">
               <a:spAutoFit/>
             </a:bodyPr>
             <a:lstStyle/>
             <a:p>
-              <a:pPr algn="l" marL="0" indent="0" lvl="0">
+              <a:pPr marL="0" lvl="0" indent="0" algn="l">
                 <a:lnSpc>
                   <a:spcPts val="8000"/>
                 </a:lnSpc>
@@ -4029,7 +4108,7 @@
                 </a:spcBef>
               </a:pPr>
               <a:r>
-                <a:rPr lang="en-US" sz="8000" spc="-80" strike="noStrike" u="none">
+                <a:rPr lang="en-US" sz="8000" u="none" strike="noStrike" spc="-80">
                   <a:solidFill>
                     <a:srgbClr val="00796B"/>
                   </a:solidFill>
@@ -4045,12 +4124,12 @@
         </p:sp>
         <p:sp>
           <p:nvSpPr>
-            <p:cNvPr name="TextBox 5" id="5"/>
-            <p:cNvSpPr txBox="true"/>
+            <p:cNvPr id="5" name="TextBox 5"/>
+            <p:cNvSpPr txBox="1"/>
             <p:nvPr/>
           </p:nvSpPr>
           <p:spPr>
-            <a:xfrm rot="0">
+            <a:xfrm>
               <a:off x="0" y="2378075"/>
               <a:ext cx="22606000" cy="743585"/>
             </a:xfrm>
@@ -4059,12 +4138,12 @@
             </a:prstGeom>
           </p:spPr>
           <p:txBody>
-            <a:bodyPr anchor="t" rtlCol="false" tIns="0" lIns="0" bIns="0" rIns="0">
+            <a:bodyPr lIns="0" tIns="0" rIns="0" bIns="0" rtlCol="0" anchor="t">
               <a:spAutoFit/>
             </a:bodyPr>
             <a:lstStyle/>
             <a:p>
-              <a:pPr algn="l" marL="0" indent="0" lvl="0">
+              <a:pPr marL="0" lvl="0" indent="0" algn="l">
                 <a:lnSpc>
                   <a:spcPts val="3960"/>
                 </a:lnSpc>
@@ -4073,7 +4152,7 @@
                 </a:spcBef>
               </a:pPr>
               <a:r>
-                <a:rPr lang="en-US" b="true" sz="3600" strike="noStrike" u="none">
+                <a:rPr lang="en-US" sz="3600" b="1" u="none" strike="noStrike">
                   <a:solidFill>
                     <a:srgbClr val="004D40"/>
                   </a:solidFill>
@@ -4090,12 +4169,12 @@
       </p:grpSp>
       <p:grpSp>
         <p:nvGrpSpPr>
-          <p:cNvPr name="Group 6" id="6"/>
+          <p:cNvPr id="6" name="Group 6"/>
           <p:cNvGrpSpPr/>
           <p:nvPr/>
         </p:nvGrpSpPr>
         <p:grpSpPr>
-          <a:xfrm rot="0">
+          <a:xfrm>
             <a:off x="666750" y="6953250"/>
             <a:ext cx="5448300" cy="1771650"/>
             <a:chOff x="0" y="0"/>
@@ -4104,12 +4183,12 @@
         </p:grpSpPr>
         <p:sp>
           <p:nvSpPr>
-            <p:cNvPr name="TextBox 7" id="7"/>
-            <p:cNvSpPr txBox="true"/>
+            <p:cNvPr id="7" name="TextBox 7"/>
+            <p:cNvSpPr txBox="1"/>
             <p:nvPr/>
           </p:nvSpPr>
           <p:spPr>
-            <a:xfrm rot="0">
+            <a:xfrm>
               <a:off x="0" y="-9525"/>
               <a:ext cx="7264400" cy="743585"/>
             </a:xfrm>
@@ -4118,18 +4197,18 @@
             </a:prstGeom>
           </p:spPr>
           <p:txBody>
-            <a:bodyPr anchor="t" rtlCol="false" tIns="0" lIns="0" bIns="0" rIns="0">
+            <a:bodyPr lIns="0" tIns="0" rIns="0" bIns="0" rtlCol="0" anchor="t">
               <a:spAutoFit/>
             </a:bodyPr>
             <a:lstStyle/>
             <a:p>
-              <a:pPr algn="l" marL="0" indent="0" lvl="0">
+              <a:pPr marL="0" lvl="0" indent="0" algn="l">
                 <a:lnSpc>
                   <a:spcPts val="3960"/>
                 </a:lnSpc>
               </a:pPr>
               <a:r>
-                <a:rPr lang="en-US" b="true" sz="3600">
+                <a:rPr lang="en-US" sz="3600" b="1">
                   <a:solidFill>
                     <a:srgbClr val="004D40"/>
                   </a:solidFill>
@@ -4145,12 +4224,12 @@
         </p:sp>
         <p:sp>
           <p:nvSpPr>
-            <p:cNvPr name="TextBox 8" id="8"/>
-            <p:cNvSpPr txBox="true"/>
+            <p:cNvPr id="8" name="TextBox 8"/>
+            <p:cNvSpPr txBox="1"/>
             <p:nvPr/>
           </p:nvSpPr>
           <p:spPr>
-            <a:xfrm rot="0">
+            <a:xfrm>
               <a:off x="4570" y="1342390"/>
               <a:ext cx="7259830" cy="1019810"/>
             </a:xfrm>
@@ -4159,12 +4238,12 @@
             </a:prstGeom>
           </p:spPr>
           <p:txBody>
-            <a:bodyPr anchor="t" rtlCol="false" tIns="0" lIns="0" bIns="0" rIns="0">
+            <a:bodyPr lIns="0" tIns="0" rIns="0" bIns="0" rtlCol="0" anchor="t">
               <a:spAutoFit/>
             </a:bodyPr>
             <a:lstStyle/>
             <a:p>
-              <a:pPr algn="l" marL="0" indent="0" lvl="0">
+              <a:pPr marL="0" lvl="0" indent="0" algn="l">
                 <a:lnSpc>
                   <a:spcPts val="3120"/>
                 </a:lnSpc>
@@ -4173,7 +4252,7 @@
                 </a:spcBef>
               </a:pPr>
               <a:r>
-                <a:rPr lang="en-US" sz="2400" strike="noStrike" u="none">
+                <a:rPr lang="en-US" sz="2400" u="none" strike="noStrike">
                   <a:solidFill>
                     <a:srgbClr val="004D40"/>
                   </a:solidFill>
@@ -4190,12 +4269,12 @@
       </p:grpSp>
       <p:grpSp>
         <p:nvGrpSpPr>
-          <p:cNvPr name="Group 9" id="9"/>
+          <p:cNvPr id="9" name="Group 9"/>
           <p:cNvGrpSpPr/>
           <p:nvPr/>
         </p:nvGrpSpPr>
         <p:grpSpPr>
-          <a:xfrm rot="0">
+          <a:xfrm>
             <a:off x="6419850" y="6953250"/>
             <a:ext cx="5448300" cy="1771650"/>
             <a:chOff x="0" y="0"/>
@@ -4204,12 +4283,12 @@
         </p:grpSpPr>
         <p:sp>
           <p:nvSpPr>
-            <p:cNvPr name="TextBox 10" id="10"/>
-            <p:cNvSpPr txBox="true"/>
+            <p:cNvPr id="10" name="TextBox 10"/>
+            <p:cNvSpPr txBox="1"/>
             <p:nvPr/>
           </p:nvSpPr>
           <p:spPr>
-            <a:xfrm rot="0">
+            <a:xfrm>
               <a:off x="0" y="-9525"/>
               <a:ext cx="7264400" cy="743585"/>
             </a:xfrm>
@@ -4218,18 +4297,18 @@
             </a:prstGeom>
           </p:spPr>
           <p:txBody>
-            <a:bodyPr anchor="t" rtlCol="false" tIns="0" lIns="0" bIns="0" rIns="0">
+            <a:bodyPr lIns="0" tIns="0" rIns="0" bIns="0" rtlCol="0" anchor="t">
               <a:spAutoFit/>
             </a:bodyPr>
             <a:lstStyle/>
             <a:p>
-              <a:pPr algn="l" marL="0" indent="0" lvl="0">
+              <a:pPr marL="0" lvl="0" indent="0" algn="l">
                 <a:lnSpc>
                   <a:spcPts val="3960"/>
                 </a:lnSpc>
               </a:pPr>
               <a:r>
-                <a:rPr lang="en-US" b="true" sz="3600">
+                <a:rPr lang="en-US" sz="3600" b="1">
                   <a:solidFill>
                     <a:srgbClr val="004D40"/>
                   </a:solidFill>
@@ -4245,12 +4324,12 @@
         </p:sp>
         <p:sp>
           <p:nvSpPr>
-            <p:cNvPr name="TextBox 11" id="11"/>
-            <p:cNvSpPr txBox="true"/>
+            <p:cNvPr id="11" name="TextBox 11"/>
+            <p:cNvSpPr txBox="1"/>
             <p:nvPr/>
           </p:nvSpPr>
           <p:spPr>
-            <a:xfrm rot="0">
+            <a:xfrm>
               <a:off x="4570" y="1342390"/>
               <a:ext cx="7259830" cy="1019810"/>
             </a:xfrm>
@@ -4259,12 +4338,12 @@
             </a:prstGeom>
           </p:spPr>
           <p:txBody>
-            <a:bodyPr anchor="t" rtlCol="false" tIns="0" lIns="0" bIns="0" rIns="0">
+            <a:bodyPr lIns="0" tIns="0" rIns="0" bIns="0" rtlCol="0" anchor="t">
               <a:spAutoFit/>
             </a:bodyPr>
             <a:lstStyle/>
             <a:p>
-              <a:pPr algn="l" marL="0" indent="0" lvl="0">
+              <a:pPr marL="0" lvl="0" indent="0" algn="l">
                 <a:lnSpc>
                   <a:spcPts val="3120"/>
                 </a:lnSpc>
@@ -4273,7 +4352,7 @@
                 </a:spcBef>
               </a:pPr>
               <a:r>
-                <a:rPr lang="en-US" sz="2400" strike="noStrike" u="none">
+                <a:rPr lang="en-US" sz="2400" u="none" strike="noStrike">
                   <a:solidFill>
                     <a:srgbClr val="004D40"/>
                   </a:solidFill>
@@ -4290,12 +4369,12 @@
       </p:grpSp>
       <p:grpSp>
         <p:nvGrpSpPr>
-          <p:cNvPr name="Group 12" id="12"/>
+          <p:cNvPr id="12" name="Group 12"/>
           <p:cNvGrpSpPr/>
           <p:nvPr/>
         </p:nvGrpSpPr>
         <p:grpSpPr>
-          <a:xfrm rot="0">
+          <a:xfrm>
             <a:off x="12172950" y="6953250"/>
             <a:ext cx="5448300" cy="1771650"/>
             <a:chOff x="0" y="0"/>
@@ -4304,12 +4383,12 @@
         </p:grpSpPr>
         <p:sp>
           <p:nvSpPr>
-            <p:cNvPr name="TextBox 13" id="13"/>
-            <p:cNvSpPr txBox="true"/>
+            <p:cNvPr id="13" name="TextBox 13"/>
+            <p:cNvSpPr txBox="1"/>
             <p:nvPr/>
           </p:nvSpPr>
           <p:spPr>
-            <a:xfrm rot="0">
+            <a:xfrm>
               <a:off x="0" y="-9525"/>
               <a:ext cx="7264400" cy="743585"/>
             </a:xfrm>
@@ -4318,18 +4397,18 @@
             </a:prstGeom>
           </p:spPr>
           <p:txBody>
-            <a:bodyPr anchor="t" rtlCol="false" tIns="0" lIns="0" bIns="0" rIns="0">
+            <a:bodyPr lIns="0" tIns="0" rIns="0" bIns="0" rtlCol="0" anchor="t">
               <a:spAutoFit/>
             </a:bodyPr>
             <a:lstStyle/>
             <a:p>
-              <a:pPr algn="l" marL="0" indent="0" lvl="0">
+              <a:pPr marL="0" lvl="0" indent="0" algn="l">
                 <a:lnSpc>
                   <a:spcPts val="3960"/>
                 </a:lnSpc>
               </a:pPr>
               <a:r>
-                <a:rPr lang="en-US" b="true" sz="3600">
+                <a:rPr lang="en-US" sz="3600" b="1">
                   <a:solidFill>
                     <a:srgbClr val="004D40"/>
                   </a:solidFill>
@@ -4345,12 +4424,12 @@
         </p:sp>
         <p:sp>
           <p:nvSpPr>
-            <p:cNvPr name="TextBox 14" id="14"/>
-            <p:cNvSpPr txBox="true"/>
+            <p:cNvPr id="14" name="TextBox 14"/>
+            <p:cNvSpPr txBox="1"/>
             <p:nvPr/>
           </p:nvSpPr>
           <p:spPr>
-            <a:xfrm rot="0">
+            <a:xfrm>
               <a:off x="4570" y="1342390"/>
               <a:ext cx="7259830" cy="1019810"/>
             </a:xfrm>
@@ -4359,12 +4438,12 @@
             </a:prstGeom>
           </p:spPr>
           <p:txBody>
-            <a:bodyPr anchor="t" rtlCol="false" tIns="0" lIns="0" bIns="0" rIns="0">
+            <a:bodyPr lIns="0" tIns="0" rIns="0" bIns="0" rtlCol="0" anchor="t">
               <a:spAutoFit/>
             </a:bodyPr>
             <a:lstStyle/>
             <a:p>
-              <a:pPr algn="l" marL="0" indent="0" lvl="0">
+              <a:pPr marL="0" lvl="0" indent="0" algn="l">
                 <a:lnSpc>
                   <a:spcPts val="3120"/>
                 </a:lnSpc>
@@ -4373,7 +4452,7 @@
                 </a:spcBef>
               </a:pPr>
               <a:r>
-                <a:rPr lang="en-US" sz="2400" strike="noStrike" u="none">
+                <a:rPr lang="en-US" sz="2400" u="none" strike="noStrike">
                   <a:solidFill>
                     <a:srgbClr val="004D40"/>
                   </a:solidFill>
@@ -4397,13 +4476,14 @@
 </file>
 
 <file path=ppt/slides/slide13.xml><?xml version="1.0" encoding="utf-8"?>
-<p:sld xmlns:p="http://schemas.openxmlformats.org/presentationml/2006/main" xmlns:a="http://schemas.openxmlformats.org/drawingml/2006/main">
+<p:sld xmlns:a="http://schemas.openxmlformats.org/drawingml/2006/main" xmlns:r="http://schemas.openxmlformats.org/officeDocument/2006/relationships" xmlns:p="http://schemas.openxmlformats.org/presentationml/2006/main">
   <p:cSld>
     <p:bg>
       <p:bgPr>
         <a:solidFill>
           <a:srgbClr val="004D40"/>
         </a:solidFill>
+        <a:effectLst/>
       </p:bgPr>
     </p:bg>
     <p:spTree>
@@ -4422,12 +4502,12 @@
       </p:grpSpPr>
       <p:sp>
         <p:nvSpPr>
-          <p:cNvPr name="TextBox 2" id="2"/>
-          <p:cNvSpPr txBox="true"/>
+          <p:cNvPr id="2" name="TextBox 2"/>
+          <p:cNvSpPr txBox="1"/>
           <p:nvPr/>
         </p:nvSpPr>
         <p:spPr>
-          <a:xfrm rot="0">
+          <a:xfrm>
             <a:off x="666750" y="714375"/>
             <a:ext cx="9763125" cy="1165229"/>
           </a:xfrm>
@@ -4436,12 +4516,12 @@
           </a:prstGeom>
         </p:spPr>
         <p:txBody>
-          <a:bodyPr anchor="t" rtlCol="false" tIns="0" lIns="0" bIns="0" rIns="0">
+          <a:bodyPr lIns="0" tIns="0" rIns="0" bIns="0" rtlCol="0" anchor="t">
             <a:spAutoFit/>
           </a:bodyPr>
           <a:lstStyle/>
           <a:p>
-            <a:pPr algn="l" marL="0" indent="0" lvl="0">
+            <a:pPr marL="0" lvl="0" indent="0" algn="l">
               <a:lnSpc>
                 <a:spcPts val="8000"/>
               </a:lnSpc>
@@ -4463,7 +4543,7 @@
       </p:sp>
       <p:sp>
         <p:nvSpPr>
-          <p:cNvPr name="AutoShape 3" id="3"/>
+          <p:cNvPr id="3" name="AutoShape 3"/>
           <p:cNvSpPr/>
           <p:nvPr/>
         </p:nvSpPr>
@@ -4475,24 +4555,31 @@
           <a:prstGeom prst="line">
             <a:avLst/>
           </a:prstGeom>
-          <a:ln cap="flat" w="28575">
+          <a:ln w="28575" cap="flat">
             <a:solidFill>
               <a:srgbClr val="A7D7CC"/>
             </a:solidFill>
             <a:prstDash val="solid"/>
-            <a:headEnd type="none" len="sm" w="sm"/>
-            <a:tailEnd type="none" len="sm" w="sm"/>
+            <a:headEnd type="none" w="sm" len="sm"/>
+            <a:tailEnd type="none" w="sm" len="sm"/>
           </a:ln>
         </p:spPr>
+        <p:txBody>
+          <a:bodyPr/>
+          <a:lstStyle/>
+          <a:p>
+            <a:endParaRPr lang="en-ZA"/>
+          </a:p>
+        </p:txBody>
       </p:sp>
       <p:grpSp>
         <p:nvGrpSpPr>
-          <p:cNvPr name="Group 4" id="4"/>
+          <p:cNvPr id="4" name="Group 4"/>
           <p:cNvGrpSpPr/>
           <p:nvPr/>
         </p:nvGrpSpPr>
         <p:grpSpPr>
-          <a:xfrm rot="0">
+          <a:xfrm>
             <a:off x="666750" y="6777990"/>
             <a:ext cx="5448300" cy="1946910"/>
             <a:chOff x="0" y="0"/>
@@ -4501,12 +4588,12 @@
         </p:grpSpPr>
         <p:sp>
           <p:nvSpPr>
-            <p:cNvPr name="TextBox 5" id="5"/>
-            <p:cNvSpPr txBox="true"/>
+            <p:cNvPr id="5" name="TextBox 5"/>
+            <p:cNvSpPr txBox="1"/>
             <p:nvPr/>
           </p:nvSpPr>
           <p:spPr>
-            <a:xfrm rot="0">
+            <a:xfrm>
               <a:off x="0" y="-9525"/>
               <a:ext cx="7264400" cy="1411605"/>
             </a:xfrm>
@@ -4515,18 +4602,18 @@
             </a:prstGeom>
           </p:spPr>
           <p:txBody>
-            <a:bodyPr anchor="t" rtlCol="false" tIns="0" lIns="0" bIns="0" rIns="0">
+            <a:bodyPr lIns="0" tIns="0" rIns="0" bIns="0" rtlCol="0" anchor="t">
               <a:spAutoFit/>
             </a:bodyPr>
             <a:lstStyle/>
             <a:p>
-              <a:pPr algn="l" marL="0" indent="0" lvl="0">
+              <a:pPr marL="0" lvl="0" indent="0" algn="l">
                 <a:lnSpc>
                   <a:spcPts val="3960"/>
                 </a:lnSpc>
               </a:pPr>
               <a:r>
-                <a:rPr lang="en-US" b="true" sz="3600">
+                <a:rPr lang="en-US" sz="3600" b="1">
                   <a:solidFill>
                     <a:srgbClr val="A7D7CC"/>
                   </a:solidFill>
@@ -4542,12 +4629,12 @@
         </p:sp>
         <p:sp>
           <p:nvSpPr>
-            <p:cNvPr name="TextBox 6" id="6"/>
-            <p:cNvSpPr txBox="true"/>
+            <p:cNvPr id="6" name="TextBox 6"/>
+            <p:cNvSpPr txBox="1"/>
             <p:nvPr/>
           </p:nvSpPr>
           <p:spPr>
-            <a:xfrm rot="0">
+            <a:xfrm>
               <a:off x="14065" y="2096770"/>
               <a:ext cx="7250335" cy="499110"/>
             </a:xfrm>
@@ -4556,12 +4643,12 @@
             </a:prstGeom>
           </p:spPr>
           <p:txBody>
-            <a:bodyPr anchor="t" rtlCol="false" tIns="0" lIns="0" bIns="0" rIns="0">
+            <a:bodyPr lIns="0" tIns="0" rIns="0" bIns="0" rtlCol="0" anchor="t">
               <a:spAutoFit/>
             </a:bodyPr>
             <a:lstStyle/>
             <a:p>
-              <a:pPr algn="l" marL="0" indent="0" lvl="0">
+              <a:pPr marL="0" lvl="0" indent="0" algn="l">
                 <a:lnSpc>
                   <a:spcPts val="3120"/>
                 </a:lnSpc>
@@ -4587,12 +4674,12 @@
       </p:grpSp>
       <p:grpSp>
         <p:nvGrpSpPr>
-          <p:cNvPr name="Group 7" id="7"/>
+          <p:cNvPr id="7" name="Group 7"/>
           <p:cNvGrpSpPr/>
           <p:nvPr/>
         </p:nvGrpSpPr>
         <p:grpSpPr>
-          <a:xfrm rot="0">
+          <a:xfrm>
             <a:off x="6419850" y="6777990"/>
             <a:ext cx="5448300" cy="1946910"/>
             <a:chOff x="0" y="0"/>
@@ -4601,12 +4688,12 @@
         </p:grpSpPr>
         <p:sp>
           <p:nvSpPr>
-            <p:cNvPr name="TextBox 8" id="8"/>
-            <p:cNvSpPr txBox="true"/>
+            <p:cNvPr id="8" name="TextBox 8"/>
+            <p:cNvSpPr txBox="1"/>
             <p:nvPr/>
           </p:nvSpPr>
           <p:spPr>
-            <a:xfrm rot="0">
+            <a:xfrm>
               <a:off x="0" y="-9525"/>
               <a:ext cx="7264400" cy="1411605"/>
             </a:xfrm>
@@ -4615,18 +4702,18 @@
             </a:prstGeom>
           </p:spPr>
           <p:txBody>
-            <a:bodyPr anchor="t" rtlCol="false" tIns="0" lIns="0" bIns="0" rIns="0">
+            <a:bodyPr lIns="0" tIns="0" rIns="0" bIns="0" rtlCol="0" anchor="t">
               <a:spAutoFit/>
             </a:bodyPr>
             <a:lstStyle/>
             <a:p>
-              <a:pPr algn="l" marL="0" indent="0" lvl="0">
+              <a:pPr marL="0" lvl="0" indent="0" algn="l">
                 <a:lnSpc>
                   <a:spcPts val="3960"/>
                 </a:lnSpc>
               </a:pPr>
               <a:r>
-                <a:rPr lang="en-US" b="true" sz="3600">
+                <a:rPr lang="en-US" sz="3600" b="1">
                   <a:solidFill>
                     <a:srgbClr val="A7D7CC"/>
                   </a:solidFill>
@@ -4642,12 +4729,12 @@
         </p:sp>
         <p:sp>
           <p:nvSpPr>
-            <p:cNvPr name="TextBox 9" id="9"/>
-            <p:cNvSpPr txBox="true"/>
+            <p:cNvPr id="9" name="TextBox 9"/>
+            <p:cNvSpPr txBox="1"/>
             <p:nvPr/>
           </p:nvSpPr>
           <p:spPr>
-            <a:xfrm rot="0">
+            <a:xfrm>
               <a:off x="14065" y="2096770"/>
               <a:ext cx="7250335" cy="499110"/>
             </a:xfrm>
@@ -4656,12 +4743,12 @@
             </a:prstGeom>
           </p:spPr>
           <p:txBody>
-            <a:bodyPr anchor="t" rtlCol="false" tIns="0" lIns="0" bIns="0" rIns="0">
+            <a:bodyPr lIns="0" tIns="0" rIns="0" bIns="0" rtlCol="0" anchor="t">
               <a:spAutoFit/>
             </a:bodyPr>
             <a:lstStyle/>
             <a:p>
-              <a:pPr algn="l" marL="0" indent="0" lvl="0">
+              <a:pPr marL="0" lvl="0" indent="0" algn="l">
                 <a:lnSpc>
                   <a:spcPts val="3120"/>
                 </a:lnSpc>
@@ -4687,12 +4774,12 @@
       </p:grpSp>
       <p:grpSp>
         <p:nvGrpSpPr>
-          <p:cNvPr name="Group 10" id="10"/>
+          <p:cNvPr id="10" name="Group 10"/>
           <p:cNvGrpSpPr/>
           <p:nvPr/>
         </p:nvGrpSpPr>
         <p:grpSpPr>
-          <a:xfrm rot="0">
+          <a:xfrm>
             <a:off x="12172950" y="7280910"/>
             <a:ext cx="5448300" cy="1443990"/>
             <a:chOff x="0" y="0"/>
@@ -4701,12 +4788,12 @@
         </p:grpSpPr>
         <p:sp>
           <p:nvSpPr>
-            <p:cNvPr name="TextBox 11" id="11"/>
-            <p:cNvSpPr txBox="true"/>
+            <p:cNvPr id="11" name="TextBox 11"/>
+            <p:cNvSpPr txBox="1"/>
             <p:nvPr/>
           </p:nvSpPr>
           <p:spPr>
-            <a:xfrm rot="0">
+            <a:xfrm>
               <a:off x="0" y="-9525"/>
               <a:ext cx="7264400" cy="741045"/>
             </a:xfrm>
@@ -4715,18 +4802,18 @@
             </a:prstGeom>
           </p:spPr>
           <p:txBody>
-            <a:bodyPr anchor="t" rtlCol="false" tIns="0" lIns="0" bIns="0" rIns="0">
+            <a:bodyPr lIns="0" tIns="0" rIns="0" bIns="0" rtlCol="0" anchor="t">
               <a:spAutoFit/>
             </a:bodyPr>
             <a:lstStyle/>
             <a:p>
-              <a:pPr algn="l" marL="0" indent="0" lvl="0">
+              <a:pPr marL="0" lvl="0" indent="0" algn="l">
                 <a:lnSpc>
                   <a:spcPts val="3960"/>
                 </a:lnSpc>
               </a:pPr>
               <a:r>
-                <a:rPr lang="en-US" b="true" sz="3600">
+                <a:rPr lang="en-US" sz="3600" b="1">
                   <a:solidFill>
                     <a:srgbClr val="A7D7CC"/>
                   </a:solidFill>
@@ -4742,12 +4829,12 @@
         </p:sp>
         <p:sp>
           <p:nvSpPr>
-            <p:cNvPr name="TextBox 12" id="12"/>
-            <p:cNvSpPr txBox="true"/>
+            <p:cNvPr id="12" name="TextBox 12"/>
+            <p:cNvSpPr txBox="1"/>
             <p:nvPr/>
           </p:nvSpPr>
           <p:spPr>
-            <a:xfrm rot="0">
+            <a:xfrm>
               <a:off x="14065" y="1426210"/>
               <a:ext cx="7250335" cy="499110"/>
             </a:xfrm>
@@ -4756,12 +4843,12 @@
             </a:prstGeom>
           </p:spPr>
           <p:txBody>
-            <a:bodyPr anchor="t" rtlCol="false" tIns="0" lIns="0" bIns="0" rIns="0">
+            <a:bodyPr lIns="0" tIns="0" rIns="0" bIns="0" rtlCol="0" anchor="t">
               <a:spAutoFit/>
             </a:bodyPr>
             <a:lstStyle/>
             <a:p>
-              <a:pPr algn="l" marL="0" indent="0" lvl="0">
+              <a:pPr marL="0" lvl="0" indent="0" algn="l">
                 <a:lnSpc>
                   <a:spcPts val="3120"/>
                 </a:lnSpc>
@@ -4787,7 +4874,7 @@
       </p:grpSp>
       <p:sp>
         <p:nvSpPr>
-          <p:cNvPr name="AutoShape 13" id="13"/>
+          <p:cNvPr id="13" name="AutoShape 13"/>
           <p:cNvSpPr/>
           <p:nvPr/>
         </p:nvSpPr>
@@ -4799,15 +4886,22 @@
           <a:prstGeom prst="line">
             <a:avLst/>
           </a:prstGeom>
-          <a:ln cap="flat" w="28575">
+          <a:ln w="28575" cap="flat">
             <a:solidFill>
               <a:srgbClr val="A7D7CC"/>
             </a:solidFill>
             <a:prstDash val="solid"/>
-            <a:headEnd type="none" len="sm" w="sm"/>
-            <a:tailEnd type="none" len="sm" w="sm"/>
+            <a:headEnd type="none" w="sm" len="sm"/>
+            <a:tailEnd type="none" w="sm" len="sm"/>
           </a:ln>
         </p:spPr>
+        <p:txBody>
+          <a:bodyPr/>
+          <a:lstStyle/>
+          <a:p>
+            <a:endParaRPr lang="en-ZA"/>
+          </a:p>
+        </p:txBody>
       </p:sp>
     </p:spTree>
   </p:cSld>
@@ -4818,13 +4912,14 @@
 </file>
 
 <file path=ppt/slides/slide2.xml><?xml version="1.0" encoding="utf-8"?>
-<p:sld xmlns:p="http://schemas.openxmlformats.org/presentationml/2006/main" xmlns:a="http://schemas.openxmlformats.org/drawingml/2006/main">
+<p:sld xmlns:a="http://schemas.openxmlformats.org/drawingml/2006/main" xmlns:r="http://schemas.openxmlformats.org/officeDocument/2006/relationships" xmlns:p="http://schemas.openxmlformats.org/presentationml/2006/main">
   <p:cSld>
     <p:bg>
       <p:bgPr>
         <a:solidFill>
           <a:srgbClr val="C6F7E2"/>
         </a:solidFill>
+        <a:effectLst/>
       </p:bgPr>
     </p:bg>
     <p:spTree>
@@ -4843,12 +4938,12 @@
       </p:grpSpPr>
       <p:sp>
         <p:nvSpPr>
-          <p:cNvPr name="TextBox 2" id="2"/>
-          <p:cNvSpPr txBox="true"/>
+          <p:cNvPr id="2" name="TextBox 2"/>
+          <p:cNvSpPr txBox="1"/>
           <p:nvPr/>
         </p:nvSpPr>
         <p:spPr>
-          <a:xfrm rot="0">
+          <a:xfrm>
             <a:off x="666750" y="714375"/>
             <a:ext cx="16954500" cy="1165229"/>
           </a:xfrm>
@@ -4857,12 +4952,12 @@
           </a:prstGeom>
         </p:spPr>
         <p:txBody>
-          <a:bodyPr anchor="t" rtlCol="false" tIns="0" lIns="0" bIns="0" rIns="0">
+          <a:bodyPr lIns="0" tIns="0" rIns="0" bIns="0" rtlCol="0" anchor="t">
             <a:spAutoFit/>
           </a:bodyPr>
           <a:lstStyle/>
           <a:p>
-            <a:pPr algn="l" marL="0" indent="0" lvl="0">
+            <a:pPr marL="0" lvl="0" indent="0" algn="l">
               <a:lnSpc>
                 <a:spcPts val="8000"/>
               </a:lnSpc>
@@ -4871,7 +4966,7 @@
               </a:spcBef>
             </a:pPr>
             <a:r>
-              <a:rPr lang="en-US" sz="8000" spc="-80" strike="noStrike" u="none">
+              <a:rPr lang="en-US" sz="8000" u="none" strike="noStrike" spc="-80">
                 <a:solidFill>
                   <a:srgbClr val="00796B"/>
                 </a:solidFill>
@@ -4887,7 +4982,7 @@
       </p:sp>
       <p:sp>
         <p:nvSpPr>
-          <p:cNvPr name="AutoShape 3" id="3"/>
+          <p:cNvPr id="3" name="AutoShape 3"/>
           <p:cNvSpPr/>
           <p:nvPr/>
         </p:nvSpPr>
@@ -4899,24 +4994,31 @@
           <a:prstGeom prst="line">
             <a:avLst/>
           </a:prstGeom>
-          <a:ln cap="flat" w="28575">
+          <a:ln w="28575" cap="flat">
             <a:solidFill>
               <a:srgbClr val="004D40"/>
             </a:solidFill>
             <a:prstDash val="solid"/>
-            <a:headEnd type="none" len="sm" w="sm"/>
-            <a:tailEnd type="none" len="sm" w="sm"/>
+            <a:headEnd type="none" w="sm" len="sm"/>
+            <a:tailEnd type="none" w="sm" len="sm"/>
           </a:ln>
         </p:spPr>
+        <p:txBody>
+          <a:bodyPr/>
+          <a:lstStyle/>
+          <a:p>
+            <a:endParaRPr lang="en-ZA"/>
+          </a:p>
+        </p:txBody>
       </p:sp>
       <p:grpSp>
         <p:nvGrpSpPr>
-          <p:cNvPr name="Group 4" id="4"/>
+          <p:cNvPr id="4" name="Group 4"/>
           <p:cNvGrpSpPr/>
           <p:nvPr/>
         </p:nvGrpSpPr>
         <p:grpSpPr>
-          <a:xfrm rot="0">
+          <a:xfrm>
             <a:off x="671241" y="6774180"/>
             <a:ext cx="8629650" cy="1950720"/>
             <a:chOff x="0" y="0"/>
@@ -4925,12 +5027,12 @@
         </p:grpSpPr>
         <p:sp>
           <p:nvSpPr>
-            <p:cNvPr name="TextBox 5" id="5"/>
-            <p:cNvSpPr txBox="true"/>
+            <p:cNvPr id="5" name="TextBox 5"/>
+            <p:cNvSpPr txBox="1"/>
             <p:nvPr/>
           </p:nvSpPr>
           <p:spPr>
-            <a:xfrm rot="0">
+            <a:xfrm>
               <a:off x="0" y="1581150"/>
               <a:ext cx="11500212" cy="1019810"/>
             </a:xfrm>
@@ -4939,12 +5041,12 @@
             </a:prstGeom>
           </p:spPr>
           <p:txBody>
-            <a:bodyPr anchor="t" rtlCol="false" tIns="0" lIns="0" bIns="0" rIns="0">
+            <a:bodyPr lIns="0" tIns="0" rIns="0" bIns="0" rtlCol="0" anchor="t">
               <a:spAutoFit/>
             </a:bodyPr>
             <a:lstStyle/>
             <a:p>
-              <a:pPr algn="l" marL="0" indent="0" lvl="0">
+              <a:pPr marL="0" lvl="0" indent="0" algn="l">
                 <a:lnSpc>
                   <a:spcPts val="3120"/>
                 </a:lnSpc>
@@ -4953,7 +5055,7 @@
                 </a:spcBef>
               </a:pPr>
               <a:r>
-                <a:rPr lang="en-US" sz="2400" strike="noStrike" u="none">
+                <a:rPr lang="en-US" sz="2400" u="none" strike="noStrike">
                   <a:solidFill>
                     <a:srgbClr val="004D40"/>
                   </a:solidFill>
@@ -4969,12 +5071,12 @@
         </p:sp>
         <p:sp>
           <p:nvSpPr>
-            <p:cNvPr name="TextBox 6" id="6"/>
-            <p:cNvSpPr txBox="true"/>
+            <p:cNvPr id="6" name="TextBox 6"/>
+            <p:cNvSpPr txBox="1"/>
             <p:nvPr/>
           </p:nvSpPr>
           <p:spPr>
-            <a:xfrm rot="0">
+            <a:xfrm>
               <a:off x="0" y="-9525"/>
               <a:ext cx="11506200" cy="1416685"/>
             </a:xfrm>
@@ -4983,12 +5085,12 @@
             </a:prstGeom>
           </p:spPr>
           <p:txBody>
-            <a:bodyPr anchor="t" rtlCol="false" tIns="0" lIns="0" bIns="0" rIns="0">
+            <a:bodyPr lIns="0" tIns="0" rIns="0" bIns="0" rtlCol="0" anchor="t">
               <a:spAutoFit/>
             </a:bodyPr>
             <a:lstStyle/>
             <a:p>
-              <a:pPr algn="l" marL="0" indent="0" lvl="0">
+              <a:pPr marL="0" lvl="0" indent="0" algn="l">
                 <a:lnSpc>
                   <a:spcPts val="3960"/>
                 </a:lnSpc>
@@ -4997,7 +5099,7 @@
                 </a:spcBef>
               </a:pPr>
               <a:r>
-                <a:rPr lang="en-US" b="true" sz="3600" strike="noStrike" u="none">
+                <a:rPr lang="en-US" sz="3600" b="1" u="none" strike="noStrike">
                   <a:solidFill>
                     <a:srgbClr val="004D40"/>
                   </a:solidFill>
@@ -5021,13 +5123,14 @@
 </file>
 
 <file path=ppt/slides/slide3.xml><?xml version="1.0" encoding="utf-8"?>
-<p:sld xmlns:p="http://schemas.openxmlformats.org/presentationml/2006/main" xmlns:a="http://schemas.openxmlformats.org/drawingml/2006/main">
+<p:sld xmlns:a="http://schemas.openxmlformats.org/drawingml/2006/main" xmlns:r="http://schemas.openxmlformats.org/officeDocument/2006/relationships" xmlns:p="http://schemas.openxmlformats.org/presentationml/2006/main">
   <p:cSld>
     <p:bg>
       <p:bgPr>
         <a:solidFill>
           <a:srgbClr val="004D40"/>
         </a:solidFill>
+        <a:effectLst/>
       </p:bgPr>
     </p:bg>
     <p:spTree>
@@ -5046,12 +5149,12 @@
       </p:grpSpPr>
       <p:sp>
         <p:nvSpPr>
-          <p:cNvPr name="TextBox 2" id="2"/>
-          <p:cNvSpPr txBox="true"/>
+          <p:cNvPr id="2" name="TextBox 2"/>
+          <p:cNvSpPr txBox="1"/>
           <p:nvPr/>
         </p:nvSpPr>
         <p:spPr>
-          <a:xfrm rot="0">
+          <a:xfrm>
             <a:off x="666750" y="714375"/>
             <a:ext cx="16954500" cy="1165229"/>
           </a:xfrm>
@@ -5060,12 +5163,12 @@
           </a:prstGeom>
         </p:spPr>
         <p:txBody>
-          <a:bodyPr anchor="t" rtlCol="false" tIns="0" lIns="0" bIns="0" rIns="0">
+          <a:bodyPr lIns="0" tIns="0" rIns="0" bIns="0" rtlCol="0" anchor="t">
             <a:spAutoFit/>
           </a:bodyPr>
           <a:lstStyle/>
           <a:p>
-            <a:pPr algn="l" marL="0" indent="0" lvl="0">
+            <a:pPr marL="0" lvl="0" indent="0" algn="l">
               <a:lnSpc>
                 <a:spcPts val="8000"/>
               </a:lnSpc>
@@ -5074,7 +5177,7 @@
               </a:spcBef>
             </a:pPr>
             <a:r>
-              <a:rPr lang="en-US" sz="8000" spc="-80" strike="noStrike" u="none">
+              <a:rPr lang="en-US" sz="8000" u="none" strike="noStrike" spc="-80">
                 <a:solidFill>
                   <a:srgbClr val="C6F7E2"/>
                 </a:solidFill>
@@ -5090,7 +5193,7 @@
       </p:sp>
       <p:sp>
         <p:nvSpPr>
-          <p:cNvPr name="AutoShape 3" id="3"/>
+          <p:cNvPr id="3" name="AutoShape 3"/>
           <p:cNvSpPr/>
           <p:nvPr/>
         </p:nvSpPr>
@@ -5102,24 +5205,31 @@
           <a:prstGeom prst="line">
             <a:avLst/>
           </a:prstGeom>
-          <a:ln cap="flat" w="28575">
+          <a:ln w="28575" cap="flat">
             <a:solidFill>
               <a:srgbClr val="C6F7E2"/>
             </a:solidFill>
             <a:prstDash val="solid"/>
-            <a:headEnd type="none" len="sm" w="sm"/>
-            <a:tailEnd type="none" len="sm" w="sm"/>
+            <a:headEnd type="none" w="sm" len="sm"/>
+            <a:tailEnd type="none" w="sm" len="sm"/>
           </a:ln>
         </p:spPr>
+        <p:txBody>
+          <a:bodyPr/>
+          <a:lstStyle/>
+          <a:p>
+            <a:endParaRPr lang="en-ZA"/>
+          </a:p>
+        </p:txBody>
       </p:sp>
       <p:grpSp>
         <p:nvGrpSpPr>
-          <p:cNvPr name="Group 4" id="4"/>
+          <p:cNvPr id="4" name="Group 4"/>
           <p:cNvGrpSpPr/>
           <p:nvPr/>
         </p:nvGrpSpPr>
         <p:grpSpPr>
-          <a:xfrm rot="0">
+          <a:xfrm>
             <a:off x="671241" y="6383655"/>
             <a:ext cx="8629650" cy="2341245"/>
             <a:chOff x="0" y="0"/>
@@ -5128,12 +5238,12 @@
         </p:grpSpPr>
         <p:sp>
           <p:nvSpPr>
-            <p:cNvPr name="TextBox 5" id="5"/>
-            <p:cNvSpPr txBox="true"/>
+            <p:cNvPr id="5" name="TextBox 5"/>
+            <p:cNvSpPr txBox="1"/>
             <p:nvPr/>
           </p:nvSpPr>
           <p:spPr>
-            <a:xfrm rot="0">
+            <a:xfrm>
               <a:off x="0" y="1581150"/>
               <a:ext cx="11500212" cy="1540510"/>
             </a:xfrm>
@@ -5142,12 +5252,12 @@
             </a:prstGeom>
           </p:spPr>
           <p:txBody>
-            <a:bodyPr anchor="t" rtlCol="false" tIns="0" lIns="0" bIns="0" rIns="0">
+            <a:bodyPr lIns="0" tIns="0" rIns="0" bIns="0" rtlCol="0" anchor="t">
               <a:spAutoFit/>
             </a:bodyPr>
             <a:lstStyle/>
             <a:p>
-              <a:pPr algn="l" marL="0" indent="0" lvl="0">
+              <a:pPr marL="0" lvl="0" indent="0" algn="l">
                 <a:lnSpc>
                   <a:spcPts val="3120"/>
                 </a:lnSpc>
@@ -5156,7 +5266,7 @@
                 </a:spcBef>
               </a:pPr>
               <a:r>
-                <a:rPr lang="en-US" sz="2400" strike="noStrike" u="none">
+                <a:rPr lang="en-US" sz="2400" u="none" strike="noStrike">
                   <a:solidFill>
                     <a:srgbClr val="A7D7CC"/>
                   </a:solidFill>
@@ -5172,12 +5282,12 @@
         </p:sp>
         <p:sp>
           <p:nvSpPr>
-            <p:cNvPr name="TextBox 6" id="6"/>
-            <p:cNvSpPr txBox="true"/>
+            <p:cNvPr id="6" name="TextBox 6"/>
+            <p:cNvSpPr txBox="1"/>
             <p:nvPr/>
           </p:nvSpPr>
           <p:spPr>
-            <a:xfrm rot="0">
+            <a:xfrm>
               <a:off x="0" y="-9525"/>
               <a:ext cx="11506200" cy="1416685"/>
             </a:xfrm>
@@ -5186,12 +5296,12 @@
             </a:prstGeom>
           </p:spPr>
           <p:txBody>
-            <a:bodyPr anchor="t" rtlCol="false" tIns="0" lIns="0" bIns="0" rIns="0">
+            <a:bodyPr lIns="0" tIns="0" rIns="0" bIns="0" rtlCol="0" anchor="t">
               <a:spAutoFit/>
             </a:bodyPr>
             <a:lstStyle/>
             <a:p>
-              <a:pPr algn="l" marL="0" indent="0" lvl="0">
+              <a:pPr marL="0" lvl="0" indent="0" algn="l">
                 <a:lnSpc>
                   <a:spcPts val="3960"/>
                 </a:lnSpc>
@@ -5200,7 +5310,7 @@
                 </a:spcBef>
               </a:pPr>
               <a:r>
-                <a:rPr lang="en-US" b="true" sz="3600" strike="noStrike" u="none">
+                <a:rPr lang="en-US" sz="3600" b="1" u="none" strike="noStrike">
                   <a:solidFill>
                     <a:srgbClr val="A7D7CC"/>
                   </a:solidFill>
@@ -5224,13 +5334,14 @@
 </file>
 
 <file path=ppt/slides/slide4.xml><?xml version="1.0" encoding="utf-8"?>
-<p:sld xmlns:p="http://schemas.openxmlformats.org/presentationml/2006/main" xmlns:a="http://schemas.openxmlformats.org/drawingml/2006/main">
+<p:sld xmlns:a="http://schemas.openxmlformats.org/drawingml/2006/main" xmlns:r="http://schemas.openxmlformats.org/officeDocument/2006/relationships" xmlns:p="http://schemas.openxmlformats.org/presentationml/2006/main">
   <p:cSld>
     <p:bg>
       <p:bgPr>
         <a:solidFill>
           <a:srgbClr val="C6F7E2"/>
         </a:solidFill>
+        <a:effectLst/>
       </p:bgPr>
     </p:bg>
     <p:spTree>
@@ -5249,12 +5360,12 @@
       </p:grpSpPr>
       <p:sp>
         <p:nvSpPr>
-          <p:cNvPr name="TextBox 2" id="2"/>
-          <p:cNvSpPr txBox="true"/>
+          <p:cNvPr id="2" name="TextBox 2"/>
+          <p:cNvSpPr txBox="1"/>
           <p:nvPr/>
         </p:nvSpPr>
         <p:spPr>
-          <a:xfrm rot="0">
+          <a:xfrm>
             <a:off x="666750" y="714375"/>
             <a:ext cx="16954500" cy="1165229"/>
           </a:xfrm>
@@ -5263,18 +5374,18 @@
           </a:prstGeom>
         </p:spPr>
         <p:txBody>
-          <a:bodyPr anchor="t" rtlCol="false" tIns="0" lIns="0" bIns="0" rIns="0">
+          <a:bodyPr lIns="0" tIns="0" rIns="0" bIns="0" rtlCol="0" anchor="t">
             <a:spAutoFit/>
           </a:bodyPr>
           <a:lstStyle/>
           <a:p>
-            <a:pPr algn="l" marL="0" indent="0" lvl="0">
+            <a:pPr marL="0" lvl="0" indent="0" algn="l">
               <a:lnSpc>
                 <a:spcPts val="8000"/>
               </a:lnSpc>
             </a:pPr>
             <a:r>
-              <a:rPr lang="en-US" sz="8000" spc="-80" strike="noStrike" u="none">
+              <a:rPr lang="en-US" sz="8000" u="none" strike="noStrike" spc="-80">
                 <a:solidFill>
                   <a:srgbClr val="00796B"/>
                 </a:solidFill>
@@ -5290,7 +5401,7 @@
       </p:sp>
       <p:sp>
         <p:nvSpPr>
-          <p:cNvPr name="AutoShape 3" id="3"/>
+          <p:cNvPr id="3" name="AutoShape 3"/>
           <p:cNvSpPr/>
           <p:nvPr/>
         </p:nvSpPr>
@@ -5302,24 +5413,31 @@
           <a:prstGeom prst="line">
             <a:avLst/>
           </a:prstGeom>
-          <a:ln cap="flat" w="28575">
+          <a:ln w="28575" cap="flat">
             <a:solidFill>
               <a:srgbClr val="004D40"/>
             </a:solidFill>
             <a:prstDash val="solid"/>
-            <a:headEnd type="none" len="sm" w="sm"/>
-            <a:tailEnd type="none" len="sm" w="sm"/>
+            <a:headEnd type="none" w="sm" len="sm"/>
+            <a:tailEnd type="none" w="sm" len="sm"/>
           </a:ln>
         </p:spPr>
-      </p:sp>
-      <p:sp>
-        <p:nvSpPr>
-          <p:cNvPr name="TextBox 4" id="4"/>
-          <p:cNvSpPr txBox="true"/>
+        <p:txBody>
+          <a:bodyPr/>
+          <a:lstStyle/>
+          <a:p>
+            <a:endParaRPr lang="en-ZA"/>
+          </a:p>
+        </p:txBody>
+      </p:sp>
+      <p:sp>
+        <p:nvSpPr>
+          <p:cNvPr id="4" name="TextBox 4"/>
+          <p:cNvSpPr txBox="1"/>
           <p:nvPr/>
         </p:nvSpPr>
         <p:spPr>
-          <a:xfrm rot="0">
+          <a:xfrm>
             <a:off x="666750" y="4238625"/>
             <a:ext cx="1133475" cy="560070"/>
           </a:xfrm>
@@ -5328,12 +5446,12 @@
           </a:prstGeom>
         </p:spPr>
         <p:txBody>
-          <a:bodyPr anchor="t" rtlCol="false" tIns="0" lIns="0" bIns="0" rIns="0">
+          <a:bodyPr lIns="0" tIns="0" rIns="0" bIns="0" rtlCol="0" anchor="t">
             <a:spAutoFit/>
           </a:bodyPr>
           <a:lstStyle/>
           <a:p>
-            <a:pPr algn="l" marL="0" indent="0" lvl="0">
+            <a:pPr marL="0" lvl="0" indent="0" algn="l">
               <a:lnSpc>
                 <a:spcPts val="3960"/>
               </a:lnSpc>
@@ -5342,7 +5460,7 @@
               </a:spcBef>
             </a:pPr>
             <a:r>
-              <a:rPr lang="en-US" b="true" sz="3600" strike="noStrike" u="none">
+              <a:rPr lang="en-US" sz="3600" b="1" u="none" strike="noStrike">
                 <a:solidFill>
                   <a:srgbClr val="004D40"/>
                 </a:solidFill>
@@ -5358,12 +5476,12 @@
       </p:sp>
       <p:sp>
         <p:nvSpPr>
-          <p:cNvPr name="TextBox 5" id="5"/>
-          <p:cNvSpPr txBox="true"/>
+          <p:cNvPr id="5" name="TextBox 5"/>
+          <p:cNvSpPr txBox="1"/>
           <p:nvPr/>
         </p:nvSpPr>
         <p:spPr>
-          <a:xfrm rot="0">
+          <a:xfrm>
             <a:off x="9296400" y="4238625"/>
             <a:ext cx="1133475" cy="560070"/>
           </a:xfrm>
@@ -5372,12 +5490,12 @@
           </a:prstGeom>
         </p:spPr>
         <p:txBody>
-          <a:bodyPr anchor="t" rtlCol="false" tIns="0" lIns="0" bIns="0" rIns="0">
+          <a:bodyPr lIns="0" tIns="0" rIns="0" bIns="0" rtlCol="0" anchor="t">
             <a:spAutoFit/>
           </a:bodyPr>
           <a:lstStyle/>
           <a:p>
-            <a:pPr algn="l" marL="0" indent="0" lvl="0">
+            <a:pPr marL="0" lvl="0" indent="0" algn="l">
               <a:lnSpc>
                 <a:spcPts val="3960"/>
               </a:lnSpc>
@@ -5386,7 +5504,7 @@
               </a:spcBef>
             </a:pPr>
             <a:r>
-              <a:rPr lang="en-US" b="true" sz="3600" strike="noStrike" u="none">
+              <a:rPr lang="en-US" sz="3600" b="1" u="none" strike="noStrike">
                 <a:solidFill>
                   <a:srgbClr val="004D40"/>
                 </a:solidFill>
@@ -5402,12 +5520,12 @@
       </p:sp>
       <p:sp>
         <p:nvSpPr>
-          <p:cNvPr name="TextBox 6" id="6"/>
-          <p:cNvSpPr txBox="true"/>
+          <p:cNvPr id="6" name="TextBox 6"/>
+          <p:cNvSpPr txBox="1"/>
           <p:nvPr/>
         </p:nvSpPr>
         <p:spPr>
-          <a:xfrm rot="0">
+          <a:xfrm>
             <a:off x="666750" y="6029325"/>
             <a:ext cx="1133475" cy="560070"/>
           </a:xfrm>
@@ -5416,12 +5534,12 @@
           </a:prstGeom>
         </p:spPr>
         <p:txBody>
-          <a:bodyPr anchor="t" rtlCol="false" tIns="0" lIns="0" bIns="0" rIns="0">
+          <a:bodyPr lIns="0" tIns="0" rIns="0" bIns="0" rtlCol="0" anchor="t">
             <a:spAutoFit/>
           </a:bodyPr>
           <a:lstStyle/>
           <a:p>
-            <a:pPr algn="l" marL="0" indent="0" lvl="0">
+            <a:pPr marL="0" lvl="0" indent="0" algn="l">
               <a:lnSpc>
                 <a:spcPts val="3960"/>
               </a:lnSpc>
@@ -5430,7 +5548,7 @@
               </a:spcBef>
             </a:pPr>
             <a:r>
-              <a:rPr lang="en-US" b="true" sz="3600" strike="noStrike" u="none">
+              <a:rPr lang="en-US" sz="3600" b="1" u="none" strike="noStrike">
                 <a:solidFill>
                   <a:srgbClr val="004D40"/>
                 </a:solidFill>
@@ -5446,12 +5564,12 @@
       </p:sp>
       <p:sp>
         <p:nvSpPr>
-          <p:cNvPr name="TextBox 7" id="7"/>
-          <p:cNvSpPr txBox="true"/>
+          <p:cNvPr id="7" name="TextBox 7"/>
+          <p:cNvSpPr txBox="1"/>
           <p:nvPr/>
         </p:nvSpPr>
         <p:spPr>
-          <a:xfrm rot="0">
+          <a:xfrm>
             <a:off x="9296400" y="6029325"/>
             <a:ext cx="1133475" cy="560070"/>
           </a:xfrm>
@@ -5460,12 +5578,12 @@
           </a:prstGeom>
         </p:spPr>
         <p:txBody>
-          <a:bodyPr anchor="t" rtlCol="false" tIns="0" lIns="0" bIns="0" rIns="0">
+          <a:bodyPr lIns="0" tIns="0" rIns="0" bIns="0" rtlCol="0" anchor="t">
             <a:spAutoFit/>
           </a:bodyPr>
           <a:lstStyle/>
           <a:p>
-            <a:pPr algn="l" marL="0" indent="0" lvl="0">
+            <a:pPr marL="0" lvl="0" indent="0" algn="l">
               <a:lnSpc>
                 <a:spcPts val="3960"/>
               </a:lnSpc>
@@ -5474,7 +5592,7 @@
               </a:spcBef>
             </a:pPr>
             <a:r>
-              <a:rPr lang="en-US" b="true" sz="3600" strike="noStrike" u="none">
+              <a:rPr lang="en-US" sz="3600" b="1" u="none" strike="noStrike">
                 <a:solidFill>
                   <a:srgbClr val="004D40"/>
                 </a:solidFill>
@@ -5490,12 +5608,12 @@
       </p:sp>
       <p:sp>
         <p:nvSpPr>
-          <p:cNvPr name="TextBox 8" id="8"/>
-          <p:cNvSpPr txBox="true"/>
+          <p:cNvPr id="8" name="TextBox 8"/>
+          <p:cNvSpPr txBox="1"/>
           <p:nvPr/>
         </p:nvSpPr>
         <p:spPr>
-          <a:xfrm rot="0">
+          <a:xfrm>
             <a:off x="666750" y="7818120"/>
             <a:ext cx="1133475" cy="560070"/>
           </a:xfrm>
@@ -5504,12 +5622,12 @@
           </a:prstGeom>
         </p:spPr>
         <p:txBody>
-          <a:bodyPr anchor="t" rtlCol="false" tIns="0" lIns="0" bIns="0" rIns="0">
+          <a:bodyPr lIns="0" tIns="0" rIns="0" bIns="0" rtlCol="0" anchor="t">
             <a:spAutoFit/>
           </a:bodyPr>
           <a:lstStyle/>
           <a:p>
-            <a:pPr algn="l" marL="0" indent="0" lvl="0">
+            <a:pPr marL="0" lvl="0" indent="0" algn="l">
               <a:lnSpc>
                 <a:spcPts val="3960"/>
               </a:lnSpc>
@@ -5518,7 +5636,7 @@
               </a:spcBef>
             </a:pPr>
             <a:r>
-              <a:rPr lang="en-US" b="true" sz="3600" strike="noStrike" u="none">
+              <a:rPr lang="en-US" sz="3600" b="1" u="none" strike="noStrike">
                 <a:solidFill>
                   <a:srgbClr val="004D40"/>
                 </a:solidFill>
@@ -5534,12 +5652,12 @@
       </p:sp>
       <p:grpSp>
         <p:nvGrpSpPr>
-          <p:cNvPr name="Group 9" id="9"/>
+          <p:cNvPr id="9" name="Group 9"/>
           <p:cNvGrpSpPr/>
           <p:nvPr/>
         </p:nvGrpSpPr>
         <p:grpSpPr>
-          <a:xfrm rot="0">
+          <a:xfrm>
             <a:off x="2105025" y="4248150"/>
             <a:ext cx="5448300" cy="1236345"/>
             <a:chOff x="0" y="0"/>
@@ -5548,12 +5666,12 @@
         </p:grpSpPr>
         <p:sp>
           <p:nvSpPr>
-            <p:cNvPr name="TextBox 10" id="10"/>
-            <p:cNvSpPr txBox="true"/>
+            <p:cNvPr id="10" name="TextBox 10"/>
+            <p:cNvSpPr txBox="1"/>
             <p:nvPr/>
           </p:nvSpPr>
           <p:spPr>
-            <a:xfrm rot="0">
+            <a:xfrm>
               <a:off x="0" y="1149350"/>
               <a:ext cx="7264400" cy="499110"/>
             </a:xfrm>
@@ -5562,12 +5680,12 @@
             </a:prstGeom>
           </p:spPr>
           <p:txBody>
-            <a:bodyPr anchor="t" rtlCol="false" tIns="0" lIns="0" bIns="0" rIns="0">
+            <a:bodyPr lIns="0" tIns="0" rIns="0" bIns="0" rtlCol="0" anchor="t">
               <a:spAutoFit/>
             </a:bodyPr>
             <a:lstStyle/>
             <a:p>
-              <a:pPr algn="l" marL="0" indent="0" lvl="0">
+              <a:pPr marL="0" lvl="0" indent="0" algn="l">
                 <a:lnSpc>
                   <a:spcPts val="3120"/>
                 </a:lnSpc>
@@ -5576,7 +5694,7 @@
                 </a:spcBef>
               </a:pPr>
               <a:r>
-                <a:rPr lang="en-US" sz="2400" strike="noStrike" u="none">
+                <a:rPr lang="en-US" sz="2400" u="none" strike="noStrike">
                   <a:solidFill>
                     <a:srgbClr val="004D40"/>
                   </a:solidFill>
@@ -5592,12 +5710,12 @@
         </p:sp>
         <p:sp>
           <p:nvSpPr>
-            <p:cNvPr name="TextBox 11" id="11"/>
-            <p:cNvSpPr txBox="true"/>
+            <p:cNvPr id="11" name="TextBox 11"/>
+            <p:cNvSpPr txBox="1"/>
             <p:nvPr/>
           </p:nvSpPr>
           <p:spPr>
-            <a:xfrm rot="0">
+            <a:xfrm>
               <a:off x="0" y="-9525"/>
               <a:ext cx="7264400" cy="743585"/>
             </a:xfrm>
@@ -5606,12 +5724,12 @@
             </a:prstGeom>
           </p:spPr>
           <p:txBody>
-            <a:bodyPr anchor="t" rtlCol="false" tIns="0" lIns="0" bIns="0" rIns="0">
+            <a:bodyPr lIns="0" tIns="0" rIns="0" bIns="0" rtlCol="0" anchor="t">
               <a:spAutoFit/>
             </a:bodyPr>
             <a:lstStyle/>
             <a:p>
-              <a:pPr algn="l" marL="0" indent="0" lvl="0">
+              <a:pPr marL="0" lvl="0" indent="0" algn="l">
                 <a:lnSpc>
                   <a:spcPts val="3960"/>
                 </a:lnSpc>
@@ -5620,7 +5738,7 @@
                 </a:spcBef>
               </a:pPr>
               <a:r>
-                <a:rPr lang="en-US" b="true" sz="3600" strike="noStrike" u="none">
+                <a:rPr lang="en-US" sz="3600" b="1" u="none" strike="noStrike">
                   <a:solidFill>
                     <a:srgbClr val="004D40"/>
                   </a:solidFill>
@@ -5637,12 +5755,12 @@
       </p:grpSp>
       <p:grpSp>
         <p:nvGrpSpPr>
-          <p:cNvPr name="Group 12" id="12"/>
+          <p:cNvPr id="12" name="Group 12"/>
           <p:cNvGrpSpPr/>
           <p:nvPr/>
         </p:nvGrpSpPr>
         <p:grpSpPr>
-          <a:xfrm rot="0">
+          <a:xfrm>
             <a:off x="10734675" y="4248150"/>
             <a:ext cx="5448300" cy="1236345"/>
             <a:chOff x="0" y="0"/>
@@ -5651,12 +5769,12 @@
         </p:grpSpPr>
         <p:sp>
           <p:nvSpPr>
-            <p:cNvPr name="TextBox 13" id="13"/>
-            <p:cNvSpPr txBox="true"/>
+            <p:cNvPr id="13" name="TextBox 13"/>
+            <p:cNvSpPr txBox="1"/>
             <p:nvPr/>
           </p:nvSpPr>
           <p:spPr>
-            <a:xfrm rot="0">
+            <a:xfrm>
               <a:off x="0" y="1149350"/>
               <a:ext cx="7264400" cy="499110"/>
             </a:xfrm>
@@ -5665,12 +5783,12 @@
             </a:prstGeom>
           </p:spPr>
           <p:txBody>
-            <a:bodyPr anchor="t" rtlCol="false" tIns="0" lIns="0" bIns="0" rIns="0">
+            <a:bodyPr lIns="0" tIns="0" rIns="0" bIns="0" rtlCol="0" anchor="t">
               <a:spAutoFit/>
             </a:bodyPr>
             <a:lstStyle/>
             <a:p>
-              <a:pPr algn="l" marL="0" indent="0" lvl="0">
+              <a:pPr marL="0" lvl="0" indent="0" algn="l">
                 <a:lnSpc>
                   <a:spcPts val="3120"/>
                 </a:lnSpc>
@@ -5679,7 +5797,7 @@
                 </a:spcBef>
               </a:pPr>
               <a:r>
-                <a:rPr lang="en-US" sz="2400" strike="noStrike" u="none">
+                <a:rPr lang="en-US" sz="2400" u="none" strike="noStrike">
                   <a:solidFill>
                     <a:srgbClr val="004D40"/>
                   </a:solidFill>
@@ -5695,12 +5813,12 @@
         </p:sp>
         <p:sp>
           <p:nvSpPr>
-            <p:cNvPr name="TextBox 14" id="14"/>
-            <p:cNvSpPr txBox="true"/>
+            <p:cNvPr id="14" name="TextBox 14"/>
+            <p:cNvSpPr txBox="1"/>
             <p:nvPr/>
           </p:nvSpPr>
           <p:spPr>
-            <a:xfrm rot="0">
+            <a:xfrm>
               <a:off x="0" y="-9525"/>
               <a:ext cx="7264400" cy="743585"/>
             </a:xfrm>
@@ -5709,12 +5827,12 @@
             </a:prstGeom>
           </p:spPr>
           <p:txBody>
-            <a:bodyPr anchor="t" rtlCol="false" tIns="0" lIns="0" bIns="0" rIns="0">
+            <a:bodyPr lIns="0" tIns="0" rIns="0" bIns="0" rtlCol="0" anchor="t">
               <a:spAutoFit/>
             </a:bodyPr>
             <a:lstStyle/>
             <a:p>
-              <a:pPr algn="l" marL="0" indent="0" lvl="0">
+              <a:pPr marL="0" lvl="0" indent="0" algn="l">
                 <a:lnSpc>
                   <a:spcPts val="3960"/>
                 </a:lnSpc>
@@ -5723,7 +5841,7 @@
                 </a:spcBef>
               </a:pPr>
               <a:r>
-                <a:rPr lang="en-US" b="true" sz="3600" strike="noStrike" u="none">
+                <a:rPr lang="en-US" sz="3600" b="1" u="none" strike="noStrike">
                   <a:solidFill>
                     <a:srgbClr val="004D40"/>
                   </a:solidFill>
@@ -5740,12 +5858,12 @@
       </p:grpSp>
       <p:grpSp>
         <p:nvGrpSpPr>
-          <p:cNvPr name="Group 15" id="15"/>
+          <p:cNvPr id="15" name="Group 15"/>
           <p:cNvGrpSpPr/>
           <p:nvPr/>
         </p:nvGrpSpPr>
         <p:grpSpPr>
-          <a:xfrm rot="0">
+          <a:xfrm>
             <a:off x="2105025" y="6038850"/>
             <a:ext cx="5448300" cy="1236345"/>
             <a:chOff x="0" y="0"/>
@@ -5754,12 +5872,12 @@
         </p:grpSpPr>
         <p:sp>
           <p:nvSpPr>
-            <p:cNvPr name="TextBox 16" id="16"/>
-            <p:cNvSpPr txBox="true"/>
+            <p:cNvPr id="16" name="TextBox 16"/>
+            <p:cNvSpPr txBox="1"/>
             <p:nvPr/>
           </p:nvSpPr>
           <p:spPr>
-            <a:xfrm rot="0">
+            <a:xfrm>
               <a:off x="0" y="1149350"/>
               <a:ext cx="7264400" cy="499110"/>
             </a:xfrm>
@@ -5768,12 +5886,12 @@
             </a:prstGeom>
           </p:spPr>
           <p:txBody>
-            <a:bodyPr anchor="t" rtlCol="false" tIns="0" lIns="0" bIns="0" rIns="0">
+            <a:bodyPr lIns="0" tIns="0" rIns="0" bIns="0" rtlCol="0" anchor="t">
               <a:spAutoFit/>
             </a:bodyPr>
             <a:lstStyle/>
             <a:p>
-              <a:pPr algn="l" marL="0" indent="0" lvl="0">
+              <a:pPr marL="0" lvl="0" indent="0" algn="l">
                 <a:lnSpc>
                   <a:spcPts val="3120"/>
                 </a:lnSpc>
@@ -5782,7 +5900,7 @@
                 </a:spcBef>
               </a:pPr>
               <a:r>
-                <a:rPr lang="en-US" sz="2400" strike="noStrike" u="none">
+                <a:rPr lang="en-US" sz="2400" u="none" strike="noStrike">
                   <a:solidFill>
                     <a:srgbClr val="004D40"/>
                   </a:solidFill>
@@ -5798,12 +5916,12 @@
         </p:sp>
         <p:sp>
           <p:nvSpPr>
-            <p:cNvPr name="TextBox 17" id="17"/>
-            <p:cNvSpPr txBox="true"/>
+            <p:cNvPr id="17" name="TextBox 17"/>
+            <p:cNvSpPr txBox="1"/>
             <p:nvPr/>
           </p:nvSpPr>
           <p:spPr>
-            <a:xfrm rot="0">
+            <a:xfrm>
               <a:off x="0" y="-9525"/>
               <a:ext cx="7264400" cy="743585"/>
             </a:xfrm>
@@ -5812,12 +5930,12 @@
             </a:prstGeom>
           </p:spPr>
           <p:txBody>
-            <a:bodyPr anchor="t" rtlCol="false" tIns="0" lIns="0" bIns="0" rIns="0">
+            <a:bodyPr lIns="0" tIns="0" rIns="0" bIns="0" rtlCol="0" anchor="t">
               <a:spAutoFit/>
             </a:bodyPr>
             <a:lstStyle/>
             <a:p>
-              <a:pPr algn="l" marL="0" indent="0" lvl="0">
+              <a:pPr marL="0" lvl="0" indent="0" algn="l">
                 <a:lnSpc>
                   <a:spcPts val="3960"/>
                 </a:lnSpc>
@@ -5826,7 +5944,7 @@
                 </a:spcBef>
               </a:pPr>
               <a:r>
-                <a:rPr lang="en-US" b="true" sz="3600" strike="noStrike" u="none">
+                <a:rPr lang="en-US" sz="3600" b="1" u="none" strike="noStrike">
                   <a:solidFill>
                     <a:srgbClr val="004D40"/>
                   </a:solidFill>
@@ -5843,12 +5961,12 @@
       </p:grpSp>
       <p:grpSp>
         <p:nvGrpSpPr>
-          <p:cNvPr name="Group 18" id="18"/>
+          <p:cNvPr id="18" name="Group 18"/>
           <p:cNvGrpSpPr/>
           <p:nvPr/>
         </p:nvGrpSpPr>
         <p:grpSpPr>
-          <a:xfrm rot="0">
+          <a:xfrm>
             <a:off x="10734675" y="6038850"/>
             <a:ext cx="5448300" cy="1236345"/>
             <a:chOff x="0" y="0"/>
@@ -5857,12 +5975,12 @@
         </p:grpSpPr>
         <p:sp>
           <p:nvSpPr>
-            <p:cNvPr name="TextBox 19" id="19"/>
-            <p:cNvSpPr txBox="true"/>
+            <p:cNvPr id="19" name="TextBox 19"/>
+            <p:cNvSpPr txBox="1"/>
             <p:nvPr/>
           </p:nvSpPr>
           <p:spPr>
-            <a:xfrm rot="0">
+            <a:xfrm>
               <a:off x="0" y="1149350"/>
               <a:ext cx="7264400" cy="499110"/>
             </a:xfrm>
@@ -5871,12 +5989,12 @@
             </a:prstGeom>
           </p:spPr>
           <p:txBody>
-            <a:bodyPr anchor="t" rtlCol="false" tIns="0" lIns="0" bIns="0" rIns="0">
+            <a:bodyPr lIns="0" tIns="0" rIns="0" bIns="0" rtlCol="0" anchor="t">
               <a:spAutoFit/>
             </a:bodyPr>
             <a:lstStyle/>
             <a:p>
-              <a:pPr algn="l" marL="0" indent="0" lvl="0">
+              <a:pPr marL="0" lvl="0" indent="0" algn="l">
                 <a:lnSpc>
                   <a:spcPts val="3120"/>
                 </a:lnSpc>
@@ -5885,7 +6003,7 @@
                 </a:spcBef>
               </a:pPr>
               <a:r>
-                <a:rPr lang="en-US" sz="2400" strike="noStrike" u="none">
+                <a:rPr lang="en-US" sz="2400" u="none" strike="noStrike">
                   <a:solidFill>
                     <a:srgbClr val="004D40"/>
                   </a:solidFill>
@@ -5901,12 +6019,12 @@
         </p:sp>
         <p:sp>
           <p:nvSpPr>
-            <p:cNvPr name="TextBox 20" id="20"/>
-            <p:cNvSpPr txBox="true"/>
+            <p:cNvPr id="20" name="TextBox 20"/>
+            <p:cNvSpPr txBox="1"/>
             <p:nvPr/>
           </p:nvSpPr>
           <p:spPr>
-            <a:xfrm rot="0">
+            <a:xfrm>
               <a:off x="0" y="-9525"/>
               <a:ext cx="7264400" cy="743585"/>
             </a:xfrm>
@@ -5915,12 +6033,12 @@
             </a:prstGeom>
           </p:spPr>
           <p:txBody>
-            <a:bodyPr anchor="t" rtlCol="false" tIns="0" lIns="0" bIns="0" rIns="0">
+            <a:bodyPr lIns="0" tIns="0" rIns="0" bIns="0" rtlCol="0" anchor="t">
               <a:spAutoFit/>
             </a:bodyPr>
             <a:lstStyle/>
             <a:p>
-              <a:pPr algn="l" marL="0" indent="0" lvl="0">
+              <a:pPr marL="0" lvl="0" indent="0" algn="l">
                 <a:lnSpc>
                   <a:spcPts val="3960"/>
                 </a:lnSpc>
@@ -5929,7 +6047,7 @@
                 </a:spcBef>
               </a:pPr>
               <a:r>
-                <a:rPr lang="en-US" b="true" sz="3600" strike="noStrike" u="none">
+                <a:rPr lang="en-US" sz="3600" b="1" u="none" strike="noStrike">
                   <a:solidFill>
                     <a:srgbClr val="004D40"/>
                   </a:solidFill>
@@ -5946,12 +6064,12 @@
       </p:grpSp>
       <p:grpSp>
         <p:nvGrpSpPr>
-          <p:cNvPr name="Group 21" id="21"/>
+          <p:cNvPr id="21" name="Group 21"/>
           <p:cNvGrpSpPr/>
           <p:nvPr/>
         </p:nvGrpSpPr>
         <p:grpSpPr>
-          <a:xfrm rot="0">
+          <a:xfrm>
             <a:off x="2105025" y="7827645"/>
             <a:ext cx="5448300" cy="1236345"/>
             <a:chOff x="0" y="0"/>
@@ -5960,12 +6078,12 @@
         </p:grpSpPr>
         <p:sp>
           <p:nvSpPr>
-            <p:cNvPr name="TextBox 22" id="22"/>
-            <p:cNvSpPr txBox="true"/>
+            <p:cNvPr id="22" name="TextBox 22"/>
+            <p:cNvSpPr txBox="1"/>
             <p:nvPr/>
           </p:nvSpPr>
           <p:spPr>
-            <a:xfrm rot="0">
+            <a:xfrm>
               <a:off x="0" y="1149350"/>
               <a:ext cx="7264400" cy="499110"/>
             </a:xfrm>
@@ -5974,12 +6092,12 @@
             </a:prstGeom>
           </p:spPr>
           <p:txBody>
-            <a:bodyPr anchor="t" rtlCol="false" tIns="0" lIns="0" bIns="0" rIns="0">
+            <a:bodyPr lIns="0" tIns="0" rIns="0" bIns="0" rtlCol="0" anchor="t">
               <a:spAutoFit/>
             </a:bodyPr>
             <a:lstStyle/>
             <a:p>
-              <a:pPr algn="l" marL="0" indent="0" lvl="0">
+              <a:pPr marL="0" lvl="0" indent="0" algn="l">
                 <a:lnSpc>
                   <a:spcPts val="3120"/>
                 </a:lnSpc>
@@ -5988,7 +6106,7 @@
                 </a:spcBef>
               </a:pPr>
               <a:r>
-                <a:rPr lang="en-US" sz="2400" strike="noStrike" u="none">
+                <a:rPr lang="en-US" sz="2400" u="none" strike="noStrike">
                   <a:solidFill>
                     <a:srgbClr val="004D40"/>
                   </a:solidFill>
@@ -6004,12 +6122,12 @@
         </p:sp>
         <p:sp>
           <p:nvSpPr>
-            <p:cNvPr name="TextBox 23" id="23"/>
-            <p:cNvSpPr txBox="true"/>
+            <p:cNvPr id="23" name="TextBox 23"/>
+            <p:cNvSpPr txBox="1"/>
             <p:nvPr/>
           </p:nvSpPr>
           <p:spPr>
-            <a:xfrm rot="0">
+            <a:xfrm>
               <a:off x="0" y="-9525"/>
               <a:ext cx="7264400" cy="743585"/>
             </a:xfrm>
@@ -6018,12 +6136,12 @@
             </a:prstGeom>
           </p:spPr>
           <p:txBody>
-            <a:bodyPr anchor="t" rtlCol="false" tIns="0" lIns="0" bIns="0" rIns="0">
+            <a:bodyPr lIns="0" tIns="0" rIns="0" bIns="0" rtlCol="0" anchor="t">
               <a:spAutoFit/>
             </a:bodyPr>
             <a:lstStyle/>
             <a:p>
-              <a:pPr algn="l" marL="0" indent="0" lvl="0">
+              <a:pPr marL="0" lvl="0" indent="0" algn="l">
                 <a:lnSpc>
                   <a:spcPts val="3960"/>
                 </a:lnSpc>
@@ -6032,7 +6150,7 @@
                 </a:spcBef>
               </a:pPr>
               <a:r>
-                <a:rPr lang="en-US" b="true" sz="3600" strike="noStrike" u="none">
+                <a:rPr lang="en-US" sz="3600" b="1" u="none" strike="noStrike">
                   <a:solidFill>
                     <a:srgbClr val="004D40"/>
                   </a:solidFill>
@@ -6049,7 +6167,7 @@
       </p:grpSp>
       <p:sp>
         <p:nvSpPr>
-          <p:cNvPr name="AutoShape 24" id="24"/>
+          <p:cNvPr id="24" name="AutoShape 24"/>
           <p:cNvSpPr/>
           <p:nvPr/>
         </p:nvSpPr>
@@ -6061,15 +6179,22 @@
           <a:prstGeom prst="line">
             <a:avLst/>
           </a:prstGeom>
-          <a:ln cap="flat" w="28575">
+          <a:ln w="28575" cap="flat">
             <a:solidFill>
               <a:srgbClr val="004D40"/>
             </a:solidFill>
             <a:prstDash val="solid"/>
-            <a:headEnd type="none" len="sm" w="sm"/>
-            <a:tailEnd type="none" len="sm" w="sm"/>
+            <a:headEnd type="none" w="sm" len="sm"/>
+            <a:tailEnd type="none" w="sm" len="sm"/>
           </a:ln>
         </p:spPr>
+        <p:txBody>
+          <a:bodyPr/>
+          <a:lstStyle/>
+          <a:p>
+            <a:endParaRPr lang="en-ZA"/>
+          </a:p>
+        </p:txBody>
       </p:sp>
     </p:spTree>
   </p:cSld>
@@ -6080,13 +6205,14 @@
 </file>
 
 <file path=ppt/slides/slide5.xml><?xml version="1.0" encoding="utf-8"?>
-<p:sld xmlns:p="http://schemas.openxmlformats.org/presentationml/2006/main" xmlns:a="http://schemas.openxmlformats.org/drawingml/2006/main" xmlns:r="http://schemas.openxmlformats.org/officeDocument/2006/relationships">
+<p:sld xmlns:a="http://schemas.openxmlformats.org/drawingml/2006/main" xmlns:r="http://schemas.openxmlformats.org/officeDocument/2006/relationships" xmlns:p="http://schemas.openxmlformats.org/presentationml/2006/main">
   <p:cSld>
     <p:bg>
       <p:bgPr>
         <a:solidFill>
           <a:srgbClr val="004D40"/>
         </a:solidFill>
+        <a:effectLst/>
       </p:bgPr>
     </p:bg>
     <p:spTree>
@@ -6105,12 +6231,12 @@
       </p:grpSpPr>
       <p:grpSp>
         <p:nvGrpSpPr>
-          <p:cNvPr name="Group 2" id="2"/>
+          <p:cNvPr id="2" name="Group 2"/>
           <p:cNvGrpSpPr/>
           <p:nvPr/>
         </p:nvGrpSpPr>
         <p:grpSpPr>
-          <a:xfrm rot="0">
+          <a:xfrm>
             <a:off x="666750" y="2457450"/>
             <a:ext cx="5448300" cy="4470805"/>
             <a:chOff x="0" y="0"/>
@@ -6119,12 +6245,12 @@
         </p:grpSpPr>
         <p:sp>
           <p:nvSpPr>
-            <p:cNvPr name="Freeform 3" id="3"/>
+            <p:cNvPr id="3" name="Freeform 3"/>
             <p:cNvSpPr/>
             <p:nvPr/>
           </p:nvSpPr>
           <p:spPr>
-            <a:xfrm flipH="false" flipV="false" rot="0">
+            <a:xfrm>
               <a:off x="0" y="0"/>
               <a:ext cx="1015061" cy="832946"/>
             </a:xfrm>
@@ -6133,9 +6259,9 @@
               <a:gdLst/>
               <a:ahLst/>
               <a:cxnLst/>
-              <a:rect r="r" b="b" t="t" l="l"/>
+              <a:rect l="l" t="t" r="r" b="b"/>
               <a:pathLst>
-                <a:path h="832946" w="1015061">
+                <a:path w="1015061" h="832946">
                   <a:moveTo>
                     <a:pt x="0" y="0"/>
                   </a:moveTo>
@@ -6155,7 +6281,7 @@
             <a:blipFill>
               <a:blip r:embed="rId2"/>
               <a:stretch>
-                <a:fillRect l="-265" t="0" r="-265" b="0"/>
+                <a:fillRect l="-265" r="-265"/>
               </a:stretch>
             </a:blipFill>
             <a:ln cap="sq">
@@ -6164,16 +6290,23 @@
               <a:miter/>
             </a:ln>
           </p:spPr>
+          <p:txBody>
+            <a:bodyPr/>
+            <a:lstStyle/>
+            <a:p>
+              <a:endParaRPr lang="en-ZA"/>
+            </a:p>
+          </p:txBody>
         </p:sp>
       </p:grpSp>
       <p:grpSp>
         <p:nvGrpSpPr>
-          <p:cNvPr name="Group 4" id="4"/>
+          <p:cNvPr id="4" name="Group 4"/>
           <p:cNvGrpSpPr/>
           <p:nvPr/>
         </p:nvGrpSpPr>
         <p:grpSpPr>
-          <a:xfrm rot="0">
+          <a:xfrm>
             <a:off x="6419850" y="2463395"/>
             <a:ext cx="5448300" cy="4470805"/>
             <a:chOff x="0" y="0"/>
@@ -6182,12 +6315,12 @@
         </p:grpSpPr>
         <p:sp>
           <p:nvSpPr>
-            <p:cNvPr name="Freeform 5" id="5"/>
+            <p:cNvPr id="5" name="Freeform 5"/>
             <p:cNvSpPr/>
             <p:nvPr/>
           </p:nvSpPr>
           <p:spPr>
-            <a:xfrm flipH="false" flipV="false" rot="0">
+            <a:xfrm>
               <a:off x="0" y="0"/>
               <a:ext cx="1015061" cy="832946"/>
             </a:xfrm>
@@ -6196,9 +6329,9 @@
               <a:gdLst/>
               <a:ahLst/>
               <a:cxnLst/>
-              <a:rect r="r" b="b" t="t" l="l"/>
+              <a:rect l="l" t="t" r="r" b="b"/>
               <a:pathLst>
-                <a:path h="832946" w="1015061">
+                <a:path w="1015061" h="832946">
                   <a:moveTo>
                     <a:pt x="0" y="0"/>
                   </a:moveTo>
@@ -6218,7 +6351,7 @@
             <a:blipFill>
               <a:blip r:embed="rId3"/>
               <a:stretch>
-                <a:fillRect l="-265" t="0" r="-265" b="0"/>
+                <a:fillRect l="-265" r="-265"/>
               </a:stretch>
             </a:blipFill>
             <a:ln cap="sq">
@@ -6227,16 +6360,23 @@
               <a:miter/>
             </a:ln>
           </p:spPr>
+          <p:txBody>
+            <a:bodyPr/>
+            <a:lstStyle/>
+            <a:p>
+              <a:endParaRPr lang="en-ZA"/>
+            </a:p>
+          </p:txBody>
         </p:sp>
       </p:grpSp>
       <p:grpSp>
         <p:nvGrpSpPr>
-          <p:cNvPr name="Group 6" id="6"/>
+          <p:cNvPr id="6" name="Group 6"/>
           <p:cNvGrpSpPr/>
           <p:nvPr/>
         </p:nvGrpSpPr>
         <p:grpSpPr>
-          <a:xfrm rot="0">
+          <a:xfrm>
             <a:off x="12172950" y="2475286"/>
             <a:ext cx="5452633" cy="4458914"/>
             <a:chOff x="0" y="0"/>
@@ -6245,12 +6385,12 @@
         </p:grpSpPr>
         <p:sp>
           <p:nvSpPr>
-            <p:cNvPr name="Freeform 7" id="7"/>
+            <p:cNvPr id="7" name="Freeform 7"/>
             <p:cNvSpPr/>
             <p:nvPr/>
           </p:nvSpPr>
           <p:spPr>
-            <a:xfrm flipH="false" flipV="false" rot="0">
+            <a:xfrm>
               <a:off x="0" y="0"/>
               <a:ext cx="1015868" cy="830730"/>
             </a:xfrm>
@@ -6259,9 +6399,9 @@
               <a:gdLst/>
               <a:ahLst/>
               <a:cxnLst/>
-              <a:rect r="r" b="b" t="t" l="l"/>
+              <a:rect l="l" t="t" r="r" b="b"/>
               <a:pathLst>
-                <a:path h="830730" w="1015868">
+                <a:path w="1015868" h="830730">
                   <a:moveTo>
                     <a:pt x="0" y="0"/>
                   </a:moveTo>
@@ -6281,7 +6421,7 @@
             <a:blipFill>
               <a:blip r:embed="rId4"/>
               <a:stretch>
-                <a:fillRect l="-92" t="0" r="-92" b="0"/>
+                <a:fillRect l="-92" r="-92"/>
               </a:stretch>
             </a:blipFill>
             <a:ln cap="sq">
@@ -6290,16 +6430,23 @@
               <a:miter/>
             </a:ln>
           </p:spPr>
+          <p:txBody>
+            <a:bodyPr/>
+            <a:lstStyle/>
+            <a:p>
+              <a:endParaRPr lang="en-ZA"/>
+            </a:p>
+          </p:txBody>
         </p:sp>
       </p:grpSp>
       <p:grpSp>
         <p:nvGrpSpPr>
-          <p:cNvPr name="Group 8" id="8"/>
+          <p:cNvPr id="8" name="Group 8"/>
           <p:cNvGrpSpPr/>
           <p:nvPr/>
         </p:nvGrpSpPr>
         <p:grpSpPr>
-          <a:xfrm rot="0">
+          <a:xfrm>
             <a:off x="666750" y="7829550"/>
             <a:ext cx="5448300" cy="1228725"/>
             <a:chOff x="0" y="0"/>
@@ -6308,12 +6455,12 @@
         </p:grpSpPr>
         <p:sp>
           <p:nvSpPr>
-            <p:cNvPr name="TextBox 9" id="9"/>
-            <p:cNvSpPr txBox="true"/>
+            <p:cNvPr id="9" name="TextBox 9"/>
+            <p:cNvSpPr txBox="1"/>
             <p:nvPr/>
           </p:nvSpPr>
           <p:spPr>
-            <a:xfrm rot="0">
+            <a:xfrm>
               <a:off x="0" y="1139190"/>
               <a:ext cx="7264400" cy="499110"/>
             </a:xfrm>
@@ -6322,12 +6469,12 @@
             </a:prstGeom>
           </p:spPr>
           <p:txBody>
-            <a:bodyPr anchor="t" rtlCol="false" tIns="0" lIns="0" bIns="0" rIns="0">
+            <a:bodyPr lIns="0" tIns="0" rIns="0" bIns="0" rtlCol="0" anchor="t">
               <a:spAutoFit/>
             </a:bodyPr>
             <a:lstStyle/>
             <a:p>
-              <a:pPr algn="l" marL="0" indent="0" lvl="0">
+              <a:pPr marL="0" lvl="0" indent="0" algn="l">
                 <a:lnSpc>
                   <a:spcPts val="3120"/>
                 </a:lnSpc>
@@ -6336,7 +6483,7 @@
                 </a:spcBef>
               </a:pPr>
               <a:r>
-                <a:rPr lang="en-US" sz="2400" strike="noStrike" u="none">
+                <a:rPr lang="en-US" sz="2400" u="none" strike="noStrike">
                   <a:solidFill>
                     <a:srgbClr val="A7D7CC"/>
                   </a:solidFill>
@@ -6352,12 +6499,12 @@
         </p:sp>
         <p:sp>
           <p:nvSpPr>
-            <p:cNvPr name="TextBox 10" id="10"/>
-            <p:cNvSpPr txBox="true"/>
+            <p:cNvPr id="10" name="TextBox 10"/>
+            <p:cNvSpPr txBox="1"/>
             <p:nvPr/>
           </p:nvSpPr>
           <p:spPr>
-            <a:xfrm rot="0">
+            <a:xfrm>
               <a:off x="0" y="-9525"/>
               <a:ext cx="7264400" cy="743585"/>
             </a:xfrm>
@@ -6366,18 +6513,18 @@
             </a:prstGeom>
           </p:spPr>
           <p:txBody>
-            <a:bodyPr anchor="t" rtlCol="false" tIns="0" lIns="0" bIns="0" rIns="0">
+            <a:bodyPr lIns="0" tIns="0" rIns="0" bIns="0" rtlCol="0" anchor="t">
               <a:spAutoFit/>
             </a:bodyPr>
             <a:lstStyle/>
             <a:p>
-              <a:pPr algn="l" marL="0" indent="0" lvl="0">
+              <a:pPr marL="0" lvl="0" indent="0" algn="l">
                 <a:lnSpc>
                   <a:spcPts val="3960"/>
                 </a:lnSpc>
               </a:pPr>
               <a:r>
-                <a:rPr lang="en-US" b="true" sz="3600" strike="noStrike" u="none">
+                <a:rPr lang="en-US" sz="3600" b="1" u="none" strike="noStrike">
                   <a:solidFill>
                     <a:srgbClr val="A7D7CC"/>
                   </a:solidFill>
@@ -6394,12 +6541,12 @@
       </p:grpSp>
       <p:grpSp>
         <p:nvGrpSpPr>
-          <p:cNvPr name="Group 11" id="11"/>
+          <p:cNvPr id="11" name="Group 11"/>
           <p:cNvGrpSpPr/>
           <p:nvPr/>
         </p:nvGrpSpPr>
         <p:grpSpPr>
-          <a:xfrm rot="0">
+          <a:xfrm>
             <a:off x="6419850" y="7829550"/>
             <a:ext cx="5448300" cy="1228725"/>
             <a:chOff x="0" y="0"/>
@@ -6408,12 +6555,12 @@
         </p:grpSpPr>
         <p:sp>
           <p:nvSpPr>
-            <p:cNvPr name="TextBox 12" id="12"/>
-            <p:cNvSpPr txBox="true"/>
+            <p:cNvPr id="12" name="TextBox 12"/>
+            <p:cNvSpPr txBox="1"/>
             <p:nvPr/>
           </p:nvSpPr>
           <p:spPr>
-            <a:xfrm rot="0">
+            <a:xfrm>
               <a:off x="0" y="1139190"/>
               <a:ext cx="7264400" cy="499110"/>
             </a:xfrm>
@@ -6422,12 +6569,12 @@
             </a:prstGeom>
           </p:spPr>
           <p:txBody>
-            <a:bodyPr anchor="t" rtlCol="false" tIns="0" lIns="0" bIns="0" rIns="0">
+            <a:bodyPr lIns="0" tIns="0" rIns="0" bIns="0" rtlCol="0" anchor="t">
               <a:spAutoFit/>
             </a:bodyPr>
             <a:lstStyle/>
             <a:p>
-              <a:pPr algn="l" marL="0" indent="0" lvl="0">
+              <a:pPr marL="0" lvl="0" indent="0" algn="l">
                 <a:lnSpc>
                   <a:spcPts val="3120"/>
                 </a:lnSpc>
@@ -6436,7 +6583,7 @@
                 </a:spcBef>
               </a:pPr>
               <a:r>
-                <a:rPr lang="en-US" sz="2400" strike="noStrike" u="none">
+                <a:rPr lang="en-US" sz="2400" u="none" strike="noStrike">
                   <a:solidFill>
                     <a:srgbClr val="A7D7CC"/>
                   </a:solidFill>
@@ -6452,12 +6599,12 @@
         </p:sp>
         <p:sp>
           <p:nvSpPr>
-            <p:cNvPr name="TextBox 13" id="13"/>
-            <p:cNvSpPr txBox="true"/>
+            <p:cNvPr id="13" name="TextBox 13"/>
+            <p:cNvSpPr txBox="1"/>
             <p:nvPr/>
           </p:nvSpPr>
           <p:spPr>
-            <a:xfrm rot="0">
+            <a:xfrm>
               <a:off x="0" y="-9525"/>
               <a:ext cx="7264400" cy="743585"/>
             </a:xfrm>
@@ -6466,18 +6613,18 @@
             </a:prstGeom>
           </p:spPr>
           <p:txBody>
-            <a:bodyPr anchor="t" rtlCol="false" tIns="0" lIns="0" bIns="0" rIns="0">
+            <a:bodyPr lIns="0" tIns="0" rIns="0" bIns="0" rtlCol="0" anchor="t">
               <a:spAutoFit/>
             </a:bodyPr>
             <a:lstStyle/>
             <a:p>
-              <a:pPr algn="l" marL="0" indent="0" lvl="0">
+              <a:pPr marL="0" lvl="0" indent="0" algn="l">
                 <a:lnSpc>
                   <a:spcPts val="3960"/>
                 </a:lnSpc>
               </a:pPr>
               <a:r>
-                <a:rPr lang="en-US" b="true" sz="3600" strike="noStrike" u="none">
+                <a:rPr lang="en-US" sz="3600" b="1" u="none" strike="noStrike">
                   <a:solidFill>
                     <a:srgbClr val="A7D7CC"/>
                   </a:solidFill>
@@ -6494,12 +6641,12 @@
       </p:grpSp>
       <p:grpSp>
         <p:nvGrpSpPr>
-          <p:cNvPr name="Group 14" id="14"/>
+          <p:cNvPr id="14" name="Group 14"/>
           <p:cNvGrpSpPr/>
           <p:nvPr/>
         </p:nvGrpSpPr>
         <p:grpSpPr>
-          <a:xfrm rot="0">
+          <a:xfrm>
             <a:off x="12172950" y="7829550"/>
             <a:ext cx="5448300" cy="1228725"/>
             <a:chOff x="0" y="0"/>
@@ -6508,12 +6655,12 @@
         </p:grpSpPr>
         <p:sp>
           <p:nvSpPr>
-            <p:cNvPr name="TextBox 15" id="15"/>
-            <p:cNvSpPr txBox="true"/>
+            <p:cNvPr id="15" name="TextBox 15"/>
+            <p:cNvSpPr txBox="1"/>
             <p:nvPr/>
           </p:nvSpPr>
           <p:spPr>
-            <a:xfrm rot="0">
+            <a:xfrm>
               <a:off x="0" y="1139190"/>
               <a:ext cx="7264400" cy="499110"/>
             </a:xfrm>
@@ -6522,12 +6669,12 @@
             </a:prstGeom>
           </p:spPr>
           <p:txBody>
-            <a:bodyPr anchor="t" rtlCol="false" tIns="0" lIns="0" bIns="0" rIns="0">
+            <a:bodyPr lIns="0" tIns="0" rIns="0" bIns="0" rtlCol="0" anchor="t">
               <a:spAutoFit/>
             </a:bodyPr>
             <a:lstStyle/>
             <a:p>
-              <a:pPr algn="l" marL="0" indent="0" lvl="0">
+              <a:pPr marL="0" lvl="0" indent="0" algn="l">
                 <a:lnSpc>
                   <a:spcPts val="3120"/>
                 </a:lnSpc>
@@ -6536,7 +6683,7 @@
                 </a:spcBef>
               </a:pPr>
               <a:r>
-                <a:rPr lang="en-US" sz="2400" strike="noStrike" u="none">
+                <a:rPr lang="en-US" sz="2400" u="none" strike="noStrike">
                   <a:solidFill>
                     <a:srgbClr val="A7D7CC"/>
                   </a:solidFill>
@@ -6552,12 +6699,12 @@
         </p:sp>
         <p:sp>
           <p:nvSpPr>
-            <p:cNvPr name="TextBox 16" id="16"/>
-            <p:cNvSpPr txBox="true"/>
+            <p:cNvPr id="16" name="TextBox 16"/>
+            <p:cNvSpPr txBox="1"/>
             <p:nvPr/>
           </p:nvSpPr>
           <p:spPr>
-            <a:xfrm rot="0">
+            <a:xfrm>
               <a:off x="0" y="-9525"/>
               <a:ext cx="7264400" cy="743585"/>
             </a:xfrm>
@@ -6566,18 +6713,18 @@
             </a:prstGeom>
           </p:spPr>
           <p:txBody>
-            <a:bodyPr anchor="t" rtlCol="false" tIns="0" lIns="0" bIns="0" rIns="0">
+            <a:bodyPr lIns="0" tIns="0" rIns="0" bIns="0" rtlCol="0" anchor="t">
               <a:spAutoFit/>
             </a:bodyPr>
             <a:lstStyle/>
             <a:p>
-              <a:pPr algn="l" marL="0" indent="0" lvl="0">
+              <a:pPr marL="0" lvl="0" indent="0" algn="l">
                 <a:lnSpc>
                   <a:spcPts val="3960"/>
                 </a:lnSpc>
               </a:pPr>
               <a:r>
-                <a:rPr lang="en-US" b="true" sz="3600" strike="noStrike" u="none">
+                <a:rPr lang="en-US" sz="3600" b="1" u="none" strike="noStrike">
                   <a:solidFill>
                     <a:srgbClr val="A7D7CC"/>
                   </a:solidFill>
@@ -6594,12 +6741,12 @@
       </p:grpSp>
       <p:sp>
         <p:nvSpPr>
-          <p:cNvPr name="TextBox 17" id="17"/>
-          <p:cNvSpPr txBox="true"/>
+          <p:cNvPr id="17" name="TextBox 17"/>
+          <p:cNvSpPr txBox="1"/>
           <p:nvPr/>
         </p:nvSpPr>
         <p:spPr>
-          <a:xfrm rot="0">
+          <a:xfrm>
             <a:off x="666750" y="714375"/>
             <a:ext cx="16954500" cy="1165229"/>
           </a:xfrm>
@@ -6608,12 +6755,12 @@
           </a:prstGeom>
         </p:spPr>
         <p:txBody>
-          <a:bodyPr anchor="t" rtlCol="false" tIns="0" lIns="0" bIns="0" rIns="0">
+          <a:bodyPr lIns="0" tIns="0" rIns="0" bIns="0" rtlCol="0" anchor="t">
             <a:spAutoFit/>
           </a:bodyPr>
           <a:lstStyle/>
           <a:p>
-            <a:pPr algn="l" marL="0" indent="0" lvl="0">
+            <a:pPr marL="0" lvl="0" indent="0" algn="l">
               <a:lnSpc>
                 <a:spcPts val="8000"/>
               </a:lnSpc>
@@ -6635,7 +6782,7 @@
       </p:sp>
       <p:sp>
         <p:nvSpPr>
-          <p:cNvPr name="AutoShape 18" id="18"/>
+          <p:cNvPr id="18" name="AutoShape 18"/>
           <p:cNvSpPr/>
           <p:nvPr/>
         </p:nvSpPr>
@@ -6647,15 +6794,22 @@
           <a:prstGeom prst="line">
             <a:avLst/>
           </a:prstGeom>
-          <a:ln cap="flat" w="28575">
+          <a:ln w="28575" cap="flat">
             <a:solidFill>
               <a:srgbClr val="A7D7CC"/>
             </a:solidFill>
             <a:prstDash val="solid"/>
-            <a:headEnd type="none" len="sm" w="sm"/>
-            <a:tailEnd type="none" len="sm" w="sm"/>
+            <a:headEnd type="none" w="sm" len="sm"/>
+            <a:tailEnd type="none" w="sm" len="sm"/>
           </a:ln>
         </p:spPr>
+        <p:txBody>
+          <a:bodyPr/>
+          <a:lstStyle/>
+          <a:p>
+            <a:endParaRPr lang="en-ZA"/>
+          </a:p>
+        </p:txBody>
       </p:sp>
     </p:spTree>
   </p:cSld>
@@ -6666,13 +6820,14 @@
 </file>
 
 <file path=ppt/slides/slide6.xml><?xml version="1.0" encoding="utf-8"?>
-<p:sld xmlns:p="http://schemas.openxmlformats.org/presentationml/2006/main" xmlns:a="http://schemas.openxmlformats.org/drawingml/2006/main">
+<p:sld xmlns:a="http://schemas.openxmlformats.org/drawingml/2006/main" xmlns:r="http://schemas.openxmlformats.org/officeDocument/2006/relationships" xmlns:p="http://schemas.openxmlformats.org/presentationml/2006/main">
   <p:cSld>
     <p:bg>
       <p:bgPr>
         <a:solidFill>
           <a:srgbClr val="C6F7E2"/>
         </a:solidFill>
+        <a:effectLst/>
       </p:bgPr>
     </p:bg>
     <p:spTree>
@@ -6691,7 +6846,7 @@
       </p:grpSpPr>
       <p:sp>
         <p:nvSpPr>
-          <p:cNvPr name="AutoShape 2" id="2"/>
+          <p:cNvPr id="2" name="AutoShape 2"/>
           <p:cNvSpPr/>
           <p:nvPr/>
         </p:nvSpPr>
@@ -6703,24 +6858,31 @@
           <a:prstGeom prst="line">
             <a:avLst/>
           </a:prstGeom>
-          <a:ln cap="flat" w="28575">
+          <a:ln w="28575" cap="flat">
             <a:solidFill>
               <a:srgbClr val="004D40"/>
             </a:solidFill>
             <a:prstDash val="solid"/>
-            <a:headEnd type="none" len="sm" w="sm"/>
-            <a:tailEnd type="none" len="sm" w="sm"/>
+            <a:headEnd type="none" w="sm" len="sm"/>
+            <a:tailEnd type="none" w="sm" len="sm"/>
           </a:ln>
         </p:spPr>
+        <p:txBody>
+          <a:bodyPr/>
+          <a:lstStyle/>
+          <a:p>
+            <a:endParaRPr lang="en-ZA"/>
+          </a:p>
+        </p:txBody>
       </p:sp>
       <p:grpSp>
         <p:nvGrpSpPr>
-          <p:cNvPr name="Group 3" id="3"/>
+          <p:cNvPr id="3" name="Group 3"/>
           <p:cNvGrpSpPr/>
           <p:nvPr/>
         </p:nvGrpSpPr>
         <p:grpSpPr>
-          <a:xfrm rot="0">
+          <a:xfrm>
             <a:off x="666750" y="666750"/>
             <a:ext cx="16954500" cy="2341245"/>
             <a:chOff x="0" y="0"/>
@@ -6729,12 +6891,12 @@
         </p:grpSpPr>
         <p:sp>
           <p:nvSpPr>
-            <p:cNvPr name="TextBox 4" id="4"/>
-            <p:cNvSpPr txBox="true"/>
+            <p:cNvPr id="4" name="TextBox 4"/>
+            <p:cNvSpPr txBox="1"/>
             <p:nvPr/>
           </p:nvSpPr>
           <p:spPr>
-            <a:xfrm rot="0">
+            <a:xfrm>
               <a:off x="0" y="47625"/>
               <a:ext cx="22606000" cy="1569514"/>
             </a:xfrm>
@@ -6743,12 +6905,12 @@
             </a:prstGeom>
           </p:spPr>
           <p:txBody>
-            <a:bodyPr anchor="t" rtlCol="false" tIns="0" lIns="0" bIns="0" rIns="0">
+            <a:bodyPr lIns="0" tIns="0" rIns="0" bIns="0" rtlCol="0" anchor="t">
               <a:spAutoFit/>
             </a:bodyPr>
             <a:lstStyle/>
             <a:p>
-              <a:pPr algn="l" marL="0" indent="0" lvl="0">
+              <a:pPr marL="0" lvl="0" indent="0" algn="l">
                 <a:lnSpc>
                   <a:spcPts val="8000"/>
                 </a:lnSpc>
@@ -6757,7 +6919,7 @@
                 </a:spcBef>
               </a:pPr>
               <a:r>
-                <a:rPr lang="en-US" sz="8000" spc="-80" strike="noStrike" u="none">
+                <a:rPr lang="en-US" sz="8000" u="none" strike="noStrike" spc="-80">
                   <a:solidFill>
                     <a:srgbClr val="00796B"/>
                   </a:solidFill>
@@ -6773,12 +6935,12 @@
         </p:sp>
         <p:sp>
           <p:nvSpPr>
-            <p:cNvPr name="TextBox 5" id="5"/>
-            <p:cNvSpPr txBox="true"/>
+            <p:cNvPr id="5" name="TextBox 5"/>
+            <p:cNvSpPr txBox="1"/>
             <p:nvPr/>
           </p:nvSpPr>
           <p:spPr>
-            <a:xfrm rot="0">
+            <a:xfrm>
               <a:off x="0" y="2378075"/>
               <a:ext cx="22606000" cy="743585"/>
             </a:xfrm>
@@ -6787,12 +6949,12 @@
             </a:prstGeom>
           </p:spPr>
           <p:txBody>
-            <a:bodyPr anchor="t" rtlCol="false" tIns="0" lIns="0" bIns="0" rIns="0">
+            <a:bodyPr lIns="0" tIns="0" rIns="0" bIns="0" rtlCol="0" anchor="t">
               <a:spAutoFit/>
             </a:bodyPr>
             <a:lstStyle/>
             <a:p>
-              <a:pPr algn="l" marL="0" indent="0" lvl="0">
+              <a:pPr marL="0" lvl="0" indent="0" algn="l">
                 <a:lnSpc>
                   <a:spcPts val="3960"/>
                 </a:lnSpc>
@@ -6801,7 +6963,7 @@
                 </a:spcBef>
               </a:pPr>
               <a:r>
-                <a:rPr lang="en-US" b="true" sz="3600" strike="noStrike" u="none">
+                <a:rPr lang="en-US" sz="3600" b="1" u="none" strike="noStrike">
                   <a:solidFill>
                     <a:srgbClr val="004D40"/>
                   </a:solidFill>
@@ -6818,12 +6980,12 @@
       </p:grpSp>
       <p:grpSp>
         <p:nvGrpSpPr>
-          <p:cNvPr name="Group 6" id="6"/>
+          <p:cNvPr id="6" name="Group 6"/>
           <p:cNvGrpSpPr/>
           <p:nvPr/>
         </p:nvGrpSpPr>
         <p:grpSpPr>
-          <a:xfrm rot="0">
+          <a:xfrm>
             <a:off x="666750" y="6953250"/>
             <a:ext cx="5448300" cy="1771650"/>
             <a:chOff x="0" y="0"/>
@@ -6832,12 +6994,12 @@
         </p:grpSpPr>
         <p:sp>
           <p:nvSpPr>
-            <p:cNvPr name="TextBox 7" id="7"/>
-            <p:cNvSpPr txBox="true"/>
+            <p:cNvPr id="7" name="TextBox 7"/>
+            <p:cNvSpPr txBox="1"/>
             <p:nvPr/>
           </p:nvSpPr>
           <p:spPr>
-            <a:xfrm rot="0">
+            <a:xfrm>
               <a:off x="0" y="-9525"/>
               <a:ext cx="7264400" cy="743585"/>
             </a:xfrm>
@@ -6846,18 +7008,18 @@
             </a:prstGeom>
           </p:spPr>
           <p:txBody>
-            <a:bodyPr anchor="t" rtlCol="false" tIns="0" lIns="0" bIns="0" rIns="0">
+            <a:bodyPr lIns="0" tIns="0" rIns="0" bIns="0" rtlCol="0" anchor="t">
               <a:spAutoFit/>
             </a:bodyPr>
             <a:lstStyle/>
             <a:p>
-              <a:pPr algn="l" marL="0" indent="0" lvl="0">
+              <a:pPr marL="0" lvl="0" indent="0" algn="l">
                 <a:lnSpc>
                   <a:spcPts val="3960"/>
                 </a:lnSpc>
               </a:pPr>
               <a:r>
-                <a:rPr lang="en-US" b="true" sz="3600">
+                <a:rPr lang="en-US" sz="3600" b="1">
                   <a:solidFill>
                     <a:srgbClr val="004D40"/>
                   </a:solidFill>
@@ -6873,12 +7035,12 @@
         </p:sp>
         <p:sp>
           <p:nvSpPr>
-            <p:cNvPr name="TextBox 8" id="8"/>
-            <p:cNvSpPr txBox="true"/>
+            <p:cNvPr id="8" name="TextBox 8"/>
+            <p:cNvSpPr txBox="1"/>
             <p:nvPr/>
           </p:nvSpPr>
           <p:spPr>
-            <a:xfrm rot="0">
+            <a:xfrm>
               <a:off x="4570" y="1342390"/>
               <a:ext cx="7259830" cy="1019810"/>
             </a:xfrm>
@@ -6887,12 +7049,12 @@
             </a:prstGeom>
           </p:spPr>
           <p:txBody>
-            <a:bodyPr anchor="t" rtlCol="false" tIns="0" lIns="0" bIns="0" rIns="0">
+            <a:bodyPr lIns="0" tIns="0" rIns="0" bIns="0" rtlCol="0" anchor="t">
               <a:spAutoFit/>
             </a:bodyPr>
             <a:lstStyle/>
             <a:p>
-              <a:pPr algn="l" marL="0" indent="0" lvl="0">
+              <a:pPr marL="0" lvl="0" indent="0" algn="l">
                 <a:lnSpc>
                   <a:spcPts val="3120"/>
                 </a:lnSpc>
@@ -6901,7 +7063,7 @@
                 </a:spcBef>
               </a:pPr>
               <a:r>
-                <a:rPr lang="en-US" sz="2400" strike="noStrike" u="none">
+                <a:rPr lang="en-US" sz="2400" u="none" strike="noStrike">
                   <a:solidFill>
                     <a:srgbClr val="004D40"/>
                   </a:solidFill>
@@ -6918,12 +7080,12 @@
       </p:grpSp>
       <p:grpSp>
         <p:nvGrpSpPr>
-          <p:cNvPr name="Group 9" id="9"/>
+          <p:cNvPr id="9" name="Group 9"/>
           <p:cNvGrpSpPr/>
           <p:nvPr/>
         </p:nvGrpSpPr>
         <p:grpSpPr>
-          <a:xfrm rot="0">
+          <a:xfrm>
             <a:off x="6419850" y="6562725"/>
             <a:ext cx="5448300" cy="2162175"/>
             <a:chOff x="0" y="0"/>
@@ -6932,12 +7094,12 @@
         </p:grpSpPr>
         <p:sp>
           <p:nvSpPr>
-            <p:cNvPr name="TextBox 10" id="10"/>
-            <p:cNvSpPr txBox="true"/>
+            <p:cNvPr id="10" name="TextBox 10"/>
+            <p:cNvSpPr txBox="1"/>
             <p:nvPr/>
           </p:nvSpPr>
           <p:spPr>
-            <a:xfrm rot="0">
+            <a:xfrm>
               <a:off x="0" y="-9525"/>
               <a:ext cx="7264400" cy="743585"/>
             </a:xfrm>
@@ -6946,18 +7108,18 @@
             </a:prstGeom>
           </p:spPr>
           <p:txBody>
-            <a:bodyPr anchor="t" rtlCol="false" tIns="0" lIns="0" bIns="0" rIns="0">
+            <a:bodyPr lIns="0" tIns="0" rIns="0" bIns="0" rtlCol="0" anchor="t">
               <a:spAutoFit/>
             </a:bodyPr>
             <a:lstStyle/>
             <a:p>
-              <a:pPr algn="l" marL="0" indent="0" lvl="0">
+              <a:pPr marL="0" lvl="0" indent="0" algn="l">
                 <a:lnSpc>
                   <a:spcPts val="3960"/>
                 </a:lnSpc>
               </a:pPr>
               <a:r>
-                <a:rPr lang="en-US" b="true" sz="3600">
+                <a:rPr lang="en-US" sz="3600" b="1">
                   <a:solidFill>
                     <a:srgbClr val="004D40"/>
                   </a:solidFill>
@@ -6973,12 +7135,12 @@
         </p:sp>
         <p:sp>
           <p:nvSpPr>
-            <p:cNvPr name="TextBox 11" id="11"/>
-            <p:cNvSpPr txBox="true"/>
+            <p:cNvPr id="11" name="TextBox 11"/>
+            <p:cNvSpPr txBox="1"/>
             <p:nvPr/>
           </p:nvSpPr>
           <p:spPr>
-            <a:xfrm rot="0">
+            <a:xfrm>
               <a:off x="4570" y="1342390"/>
               <a:ext cx="7259830" cy="1540510"/>
             </a:xfrm>
@@ -6987,12 +7149,12 @@
             </a:prstGeom>
           </p:spPr>
           <p:txBody>
-            <a:bodyPr anchor="t" rtlCol="false" tIns="0" lIns="0" bIns="0" rIns="0">
+            <a:bodyPr lIns="0" tIns="0" rIns="0" bIns="0" rtlCol="0" anchor="t">
               <a:spAutoFit/>
             </a:bodyPr>
             <a:lstStyle/>
             <a:p>
-              <a:pPr algn="l" marL="0" indent="0" lvl="0">
+              <a:pPr marL="0" lvl="0" indent="0" algn="l">
                 <a:lnSpc>
                   <a:spcPts val="3120"/>
                 </a:lnSpc>
@@ -7001,7 +7163,7 @@
                 </a:spcBef>
               </a:pPr>
               <a:r>
-                <a:rPr lang="en-US" sz="2400" strike="noStrike" u="none">
+                <a:rPr lang="en-US" sz="2400" u="none" strike="noStrike">
                   <a:solidFill>
                     <a:srgbClr val="004D40"/>
                   </a:solidFill>
@@ -7018,12 +7180,12 @@
       </p:grpSp>
       <p:grpSp>
         <p:nvGrpSpPr>
-          <p:cNvPr name="Group 12" id="12"/>
+          <p:cNvPr id="12" name="Group 12"/>
           <p:cNvGrpSpPr/>
           <p:nvPr/>
         </p:nvGrpSpPr>
         <p:grpSpPr>
-          <a:xfrm rot="0">
+          <a:xfrm>
             <a:off x="12172950" y="6562725"/>
             <a:ext cx="5448300" cy="2162175"/>
             <a:chOff x="0" y="0"/>
@@ -7032,12 +7194,12 @@
         </p:grpSpPr>
         <p:sp>
           <p:nvSpPr>
-            <p:cNvPr name="TextBox 13" id="13"/>
-            <p:cNvSpPr txBox="true"/>
+            <p:cNvPr id="13" name="TextBox 13"/>
+            <p:cNvSpPr txBox="1"/>
             <p:nvPr/>
           </p:nvSpPr>
           <p:spPr>
-            <a:xfrm rot="0">
+            <a:xfrm>
               <a:off x="0" y="-9525"/>
               <a:ext cx="7264400" cy="743585"/>
             </a:xfrm>
@@ -7046,18 +7208,18 @@
             </a:prstGeom>
           </p:spPr>
           <p:txBody>
-            <a:bodyPr anchor="t" rtlCol="false" tIns="0" lIns="0" bIns="0" rIns="0">
+            <a:bodyPr lIns="0" tIns="0" rIns="0" bIns="0" rtlCol="0" anchor="t">
               <a:spAutoFit/>
             </a:bodyPr>
             <a:lstStyle/>
             <a:p>
-              <a:pPr algn="l" marL="0" indent="0" lvl="0">
+              <a:pPr marL="0" lvl="0" indent="0" algn="l">
                 <a:lnSpc>
                   <a:spcPts val="3960"/>
                 </a:lnSpc>
               </a:pPr>
               <a:r>
-                <a:rPr lang="en-US" b="true" sz="3600">
+                <a:rPr lang="en-US" sz="3600" b="1">
                   <a:solidFill>
                     <a:srgbClr val="004D40"/>
                   </a:solidFill>
@@ -7073,12 +7235,12 @@
         </p:sp>
         <p:sp>
           <p:nvSpPr>
-            <p:cNvPr name="TextBox 14" id="14"/>
-            <p:cNvSpPr txBox="true"/>
+            <p:cNvPr id="14" name="TextBox 14"/>
+            <p:cNvSpPr txBox="1"/>
             <p:nvPr/>
           </p:nvSpPr>
           <p:spPr>
-            <a:xfrm rot="0">
+            <a:xfrm>
               <a:off x="4570" y="1342390"/>
               <a:ext cx="7259830" cy="1540510"/>
             </a:xfrm>
@@ -7087,12 +7249,12 @@
             </a:prstGeom>
           </p:spPr>
           <p:txBody>
-            <a:bodyPr anchor="t" rtlCol="false" tIns="0" lIns="0" bIns="0" rIns="0">
+            <a:bodyPr lIns="0" tIns="0" rIns="0" bIns="0" rtlCol="0" anchor="t">
               <a:spAutoFit/>
             </a:bodyPr>
             <a:lstStyle/>
             <a:p>
-              <a:pPr algn="l" marL="0" indent="0" lvl="0">
+              <a:pPr marL="0" lvl="0" indent="0" algn="l">
                 <a:lnSpc>
                   <a:spcPts val="3120"/>
                 </a:lnSpc>
@@ -7101,7 +7263,7 @@
                 </a:spcBef>
               </a:pPr>
               <a:r>
-                <a:rPr lang="en-US" sz="2400" strike="noStrike" u="none">
+                <a:rPr lang="en-US" sz="2400" u="none" strike="noStrike">
                   <a:solidFill>
                     <a:srgbClr val="004D40"/>
                   </a:solidFill>
@@ -7125,13 +7287,14 @@
 </file>
 
 <file path=ppt/slides/slide7.xml><?xml version="1.0" encoding="utf-8"?>
-<p:sld xmlns:p="http://schemas.openxmlformats.org/presentationml/2006/main" xmlns:a="http://schemas.openxmlformats.org/drawingml/2006/main" xmlns:r="http://schemas.openxmlformats.org/officeDocument/2006/relationships">
+<p:sld xmlns:a="http://schemas.openxmlformats.org/drawingml/2006/main" xmlns:r="http://schemas.openxmlformats.org/officeDocument/2006/relationships" xmlns:p="http://schemas.openxmlformats.org/presentationml/2006/main">
   <p:cSld>
     <p:bg>
       <p:bgPr>
         <a:solidFill>
           <a:srgbClr val="004D40"/>
         </a:solidFill>
+        <a:effectLst/>
       </p:bgPr>
     </p:bg>
     <p:spTree>
@@ -7150,201 +7313,12 @@
       </p:grpSpPr>
       <p:grpSp>
         <p:nvGrpSpPr>
-          <p:cNvPr name="Group 2" id="2"/>
+          <p:cNvPr id="8" name="Group 8"/>
           <p:cNvGrpSpPr/>
           <p:nvPr/>
         </p:nvGrpSpPr>
         <p:grpSpPr>
-          <a:xfrm rot="0">
-            <a:off x="666750" y="2457450"/>
-            <a:ext cx="5448300" cy="4470805"/>
-            <a:chOff x="0" y="0"/>
-            <a:chExt cx="1015061" cy="832946"/>
-          </a:xfrm>
-        </p:grpSpPr>
-        <p:sp>
-          <p:nvSpPr>
-            <p:cNvPr name="Freeform 3" id="3"/>
-            <p:cNvSpPr/>
-            <p:nvPr/>
-          </p:nvSpPr>
-          <p:spPr>
-            <a:xfrm flipH="false" flipV="false" rot="0">
-              <a:off x="0" y="0"/>
-              <a:ext cx="1015061" cy="832946"/>
-            </a:xfrm>
-            <a:custGeom>
-              <a:avLst/>
-              <a:gdLst/>
-              <a:ahLst/>
-              <a:cxnLst/>
-              <a:rect r="r" b="b" t="t" l="l"/>
-              <a:pathLst>
-                <a:path h="832946" w="1015061">
-                  <a:moveTo>
-                    <a:pt x="0" y="0"/>
-                  </a:moveTo>
-                  <a:lnTo>
-                    <a:pt x="1015061" y="0"/>
-                  </a:lnTo>
-                  <a:lnTo>
-                    <a:pt x="1015061" y="832946"/>
-                  </a:lnTo>
-                  <a:lnTo>
-                    <a:pt x="0" y="832946"/>
-                  </a:lnTo>
-                  <a:close/>
-                </a:path>
-              </a:pathLst>
-            </a:custGeom>
-            <a:blipFill>
-              <a:blip r:embed="rId2"/>
-              <a:stretch>
-                <a:fillRect l="-265" t="0" r="-265" b="0"/>
-              </a:stretch>
-            </a:blipFill>
-            <a:ln cap="sq">
-              <a:noFill/>
-              <a:prstDash val="solid"/>
-              <a:miter/>
-            </a:ln>
-          </p:spPr>
-        </p:sp>
-      </p:grpSp>
-      <p:grpSp>
-        <p:nvGrpSpPr>
-          <p:cNvPr name="Group 4" id="4"/>
-          <p:cNvGrpSpPr/>
-          <p:nvPr/>
-        </p:nvGrpSpPr>
-        <p:grpSpPr>
-          <a:xfrm rot="0">
-            <a:off x="6419850" y="2463395"/>
-            <a:ext cx="5448300" cy="4470805"/>
-            <a:chOff x="0" y="0"/>
-            <a:chExt cx="1015061" cy="832946"/>
-          </a:xfrm>
-        </p:grpSpPr>
-        <p:sp>
-          <p:nvSpPr>
-            <p:cNvPr name="Freeform 5" id="5"/>
-            <p:cNvSpPr/>
-            <p:nvPr/>
-          </p:nvSpPr>
-          <p:spPr>
-            <a:xfrm flipH="false" flipV="false" rot="0">
-              <a:off x="0" y="0"/>
-              <a:ext cx="1015061" cy="832946"/>
-            </a:xfrm>
-            <a:custGeom>
-              <a:avLst/>
-              <a:gdLst/>
-              <a:ahLst/>
-              <a:cxnLst/>
-              <a:rect r="r" b="b" t="t" l="l"/>
-              <a:pathLst>
-                <a:path h="832946" w="1015061">
-                  <a:moveTo>
-                    <a:pt x="0" y="0"/>
-                  </a:moveTo>
-                  <a:lnTo>
-                    <a:pt x="1015061" y="0"/>
-                  </a:lnTo>
-                  <a:lnTo>
-                    <a:pt x="1015061" y="832946"/>
-                  </a:lnTo>
-                  <a:lnTo>
-                    <a:pt x="0" y="832946"/>
-                  </a:lnTo>
-                  <a:close/>
-                </a:path>
-              </a:pathLst>
-            </a:custGeom>
-            <a:blipFill>
-              <a:blip r:embed="rId3"/>
-              <a:stretch>
-                <a:fillRect l="-265" t="0" r="-265" b="0"/>
-              </a:stretch>
-            </a:blipFill>
-            <a:ln cap="sq">
-              <a:noFill/>
-              <a:prstDash val="solid"/>
-              <a:miter/>
-            </a:ln>
-          </p:spPr>
-        </p:sp>
-      </p:grpSp>
-      <p:grpSp>
-        <p:nvGrpSpPr>
-          <p:cNvPr name="Group 6" id="6"/>
-          <p:cNvGrpSpPr/>
-          <p:nvPr/>
-        </p:nvGrpSpPr>
-        <p:grpSpPr>
-          <a:xfrm rot="0">
-            <a:off x="12172950" y="2475286"/>
-            <a:ext cx="5452633" cy="4458914"/>
-            <a:chOff x="0" y="0"/>
-            <a:chExt cx="1015868" cy="830731"/>
-          </a:xfrm>
-        </p:grpSpPr>
-        <p:sp>
-          <p:nvSpPr>
-            <p:cNvPr name="Freeform 7" id="7"/>
-            <p:cNvSpPr/>
-            <p:nvPr/>
-          </p:nvSpPr>
-          <p:spPr>
-            <a:xfrm flipH="false" flipV="false" rot="0">
-              <a:off x="0" y="0"/>
-              <a:ext cx="1015868" cy="830730"/>
-            </a:xfrm>
-            <a:custGeom>
-              <a:avLst/>
-              <a:gdLst/>
-              <a:ahLst/>
-              <a:cxnLst/>
-              <a:rect r="r" b="b" t="t" l="l"/>
-              <a:pathLst>
-                <a:path h="830730" w="1015868">
-                  <a:moveTo>
-                    <a:pt x="0" y="0"/>
-                  </a:moveTo>
-                  <a:lnTo>
-                    <a:pt x="1015868" y="0"/>
-                  </a:lnTo>
-                  <a:lnTo>
-                    <a:pt x="1015868" y="830730"/>
-                  </a:lnTo>
-                  <a:lnTo>
-                    <a:pt x="0" y="830730"/>
-                  </a:lnTo>
-                  <a:close/>
-                </a:path>
-              </a:pathLst>
-            </a:custGeom>
-            <a:blipFill>
-              <a:blip r:embed="rId4"/>
-              <a:stretch>
-                <a:fillRect l="-92" t="0" r="-92" b="0"/>
-              </a:stretch>
-            </a:blipFill>
-            <a:ln cap="sq">
-              <a:noFill/>
-              <a:prstDash val="solid"/>
-              <a:miter/>
-            </a:ln>
-          </p:spPr>
-        </p:sp>
-      </p:grpSp>
-      <p:grpSp>
-        <p:nvGrpSpPr>
-          <p:cNvPr name="Group 8" id="8"/>
-          <p:cNvGrpSpPr/>
-          <p:nvPr/>
-        </p:nvGrpSpPr>
-        <p:grpSpPr>
-          <a:xfrm rot="0">
+          <a:xfrm>
             <a:off x="666750" y="7829550"/>
             <a:ext cx="5448300" cy="1228725"/>
             <a:chOff x="0" y="0"/>
@@ -7353,12 +7327,12 @@
         </p:grpSpPr>
         <p:sp>
           <p:nvSpPr>
-            <p:cNvPr name="TextBox 9" id="9"/>
-            <p:cNvSpPr txBox="true"/>
+            <p:cNvPr id="9" name="TextBox 9"/>
+            <p:cNvSpPr txBox="1"/>
             <p:nvPr/>
           </p:nvSpPr>
           <p:spPr>
-            <a:xfrm rot="0">
+            <a:xfrm>
               <a:off x="0" y="1139190"/>
               <a:ext cx="7264400" cy="499110"/>
             </a:xfrm>
@@ -7367,12 +7341,12 @@
             </a:prstGeom>
           </p:spPr>
           <p:txBody>
-            <a:bodyPr anchor="t" rtlCol="false" tIns="0" lIns="0" bIns="0" rIns="0">
+            <a:bodyPr lIns="0" tIns="0" rIns="0" bIns="0" rtlCol="0" anchor="t">
               <a:spAutoFit/>
             </a:bodyPr>
             <a:lstStyle/>
             <a:p>
-              <a:pPr algn="l" marL="0" indent="0" lvl="0">
+              <a:pPr marL="0" lvl="0" indent="0" algn="l">
                 <a:lnSpc>
                   <a:spcPts val="3120"/>
                 </a:lnSpc>
@@ -7381,7 +7355,7 @@
                 </a:spcBef>
               </a:pPr>
               <a:r>
-                <a:rPr lang="en-US" sz="2400" strike="noStrike" u="none">
+                <a:rPr lang="en-US" sz="2400" u="none" strike="noStrike">
                   <a:solidFill>
                     <a:srgbClr val="A7D7CC"/>
                   </a:solidFill>
@@ -7397,12 +7371,12 @@
         </p:sp>
         <p:sp>
           <p:nvSpPr>
-            <p:cNvPr name="TextBox 10" id="10"/>
-            <p:cNvSpPr txBox="true"/>
+            <p:cNvPr id="10" name="TextBox 10"/>
+            <p:cNvSpPr txBox="1"/>
             <p:nvPr/>
           </p:nvSpPr>
           <p:spPr>
-            <a:xfrm rot="0">
+            <a:xfrm>
               <a:off x="0" y="-9525"/>
               <a:ext cx="7264400" cy="743585"/>
             </a:xfrm>
@@ -7411,18 +7385,18 @@
             </a:prstGeom>
           </p:spPr>
           <p:txBody>
-            <a:bodyPr anchor="t" rtlCol="false" tIns="0" lIns="0" bIns="0" rIns="0">
+            <a:bodyPr lIns="0" tIns="0" rIns="0" bIns="0" rtlCol="0" anchor="t">
               <a:spAutoFit/>
             </a:bodyPr>
             <a:lstStyle/>
             <a:p>
-              <a:pPr algn="l" marL="0" indent="0" lvl="0">
+              <a:pPr marL="0" lvl="0" indent="0" algn="l">
                 <a:lnSpc>
                   <a:spcPts val="3960"/>
                 </a:lnSpc>
               </a:pPr>
               <a:r>
-                <a:rPr lang="en-US" b="true" sz="3600" strike="noStrike" u="none">
+                <a:rPr lang="en-US" sz="3600" b="1" u="none" strike="noStrike">
                   <a:solidFill>
                     <a:srgbClr val="A7D7CC"/>
                   </a:solidFill>
@@ -7439,12 +7413,12 @@
       </p:grpSp>
       <p:grpSp>
         <p:nvGrpSpPr>
-          <p:cNvPr name="Group 11" id="11"/>
+          <p:cNvPr id="11" name="Group 11"/>
           <p:cNvGrpSpPr/>
           <p:nvPr/>
         </p:nvGrpSpPr>
         <p:grpSpPr>
-          <a:xfrm rot="0">
+          <a:xfrm>
             <a:off x="6419850" y="7829550"/>
             <a:ext cx="5448300" cy="1228725"/>
             <a:chOff x="0" y="0"/>
@@ -7453,12 +7427,12 @@
         </p:grpSpPr>
         <p:sp>
           <p:nvSpPr>
-            <p:cNvPr name="TextBox 12" id="12"/>
-            <p:cNvSpPr txBox="true"/>
+            <p:cNvPr id="12" name="TextBox 12"/>
+            <p:cNvSpPr txBox="1"/>
             <p:nvPr/>
           </p:nvSpPr>
           <p:spPr>
-            <a:xfrm rot="0">
+            <a:xfrm>
               <a:off x="0" y="1139190"/>
               <a:ext cx="7264400" cy="499110"/>
             </a:xfrm>
@@ -7467,12 +7441,12 @@
             </a:prstGeom>
           </p:spPr>
           <p:txBody>
-            <a:bodyPr anchor="t" rtlCol="false" tIns="0" lIns="0" bIns="0" rIns="0">
+            <a:bodyPr lIns="0" tIns="0" rIns="0" bIns="0" rtlCol="0" anchor="t">
               <a:spAutoFit/>
             </a:bodyPr>
             <a:lstStyle/>
             <a:p>
-              <a:pPr algn="l" marL="0" indent="0" lvl="0">
+              <a:pPr marL="0" lvl="0" indent="0" algn="l">
                 <a:lnSpc>
                   <a:spcPts val="3120"/>
                 </a:lnSpc>
@@ -7481,7 +7455,7 @@
                 </a:spcBef>
               </a:pPr>
               <a:r>
-                <a:rPr lang="en-US" sz="2400" strike="noStrike" u="none">
+                <a:rPr lang="en-US" sz="2400" u="none" strike="noStrike">
                   <a:solidFill>
                     <a:srgbClr val="A7D7CC"/>
                   </a:solidFill>
@@ -7497,12 +7471,12 @@
         </p:sp>
         <p:sp>
           <p:nvSpPr>
-            <p:cNvPr name="TextBox 13" id="13"/>
-            <p:cNvSpPr txBox="true"/>
+            <p:cNvPr id="13" name="TextBox 13"/>
+            <p:cNvSpPr txBox="1"/>
             <p:nvPr/>
           </p:nvSpPr>
           <p:spPr>
-            <a:xfrm rot="0">
+            <a:xfrm>
               <a:off x="0" y="-9525"/>
               <a:ext cx="7264400" cy="743585"/>
             </a:xfrm>
@@ -7511,18 +7485,18 @@
             </a:prstGeom>
           </p:spPr>
           <p:txBody>
-            <a:bodyPr anchor="t" rtlCol="false" tIns="0" lIns="0" bIns="0" rIns="0">
+            <a:bodyPr lIns="0" tIns="0" rIns="0" bIns="0" rtlCol="0" anchor="t">
               <a:spAutoFit/>
             </a:bodyPr>
             <a:lstStyle/>
             <a:p>
-              <a:pPr algn="l" marL="0" indent="0" lvl="0">
+              <a:pPr marL="0" lvl="0" indent="0" algn="l">
                 <a:lnSpc>
                   <a:spcPts val="3960"/>
                 </a:lnSpc>
               </a:pPr>
               <a:r>
-                <a:rPr lang="en-US" b="true" sz="3600" strike="noStrike" u="none">
+                <a:rPr lang="en-US" sz="3600" b="1" u="none" strike="noStrike">
                   <a:solidFill>
                     <a:srgbClr val="A7D7CC"/>
                   </a:solidFill>
@@ -7539,12 +7513,12 @@
       </p:grpSp>
       <p:grpSp>
         <p:nvGrpSpPr>
-          <p:cNvPr name="Group 14" id="14"/>
+          <p:cNvPr id="14" name="Group 14"/>
           <p:cNvGrpSpPr/>
           <p:nvPr/>
         </p:nvGrpSpPr>
         <p:grpSpPr>
-          <a:xfrm rot="0">
+          <a:xfrm>
             <a:off x="12172950" y="7829550"/>
             <a:ext cx="5448300" cy="1228725"/>
             <a:chOff x="0" y="0"/>
@@ -7553,12 +7527,12 @@
         </p:grpSpPr>
         <p:sp>
           <p:nvSpPr>
-            <p:cNvPr name="TextBox 15" id="15"/>
-            <p:cNvSpPr txBox="true"/>
+            <p:cNvPr id="15" name="TextBox 15"/>
+            <p:cNvSpPr txBox="1"/>
             <p:nvPr/>
           </p:nvSpPr>
           <p:spPr>
-            <a:xfrm rot="0">
+            <a:xfrm>
               <a:off x="0" y="1139190"/>
               <a:ext cx="7264400" cy="499110"/>
             </a:xfrm>
@@ -7567,12 +7541,12 @@
             </a:prstGeom>
           </p:spPr>
           <p:txBody>
-            <a:bodyPr anchor="t" rtlCol="false" tIns="0" lIns="0" bIns="0" rIns="0">
+            <a:bodyPr lIns="0" tIns="0" rIns="0" bIns="0" rtlCol="0" anchor="t">
               <a:spAutoFit/>
             </a:bodyPr>
             <a:lstStyle/>
             <a:p>
-              <a:pPr algn="l" marL="0" indent="0" lvl="0">
+              <a:pPr marL="0" lvl="0" indent="0" algn="l">
                 <a:lnSpc>
                   <a:spcPts val="3120"/>
                 </a:lnSpc>
@@ -7581,7 +7555,7 @@
                 </a:spcBef>
               </a:pPr>
               <a:r>
-                <a:rPr lang="en-US" sz="2400" strike="noStrike" u="none">
+                <a:rPr lang="en-US" sz="2400" dirty="0">
                   <a:solidFill>
                     <a:srgbClr val="A7D7CC"/>
                   </a:solidFill>
@@ -7590,19 +7564,28 @@
                   <a:cs typeface="Proxima Nova"/>
                   <a:sym typeface="Proxima Nova"/>
                 </a:rPr>
-                <a:t>Insights from peers</a:t>
+                <a:t>Different countries</a:t>
               </a:r>
+              <a:endParaRPr lang="en-US" sz="2400" u="none" strike="noStrike" dirty="0">
+                <a:solidFill>
+                  <a:srgbClr val="A7D7CC"/>
+                </a:solidFill>
+                <a:latin typeface="Proxima Nova"/>
+                <a:ea typeface="Proxima Nova"/>
+                <a:cs typeface="Proxima Nova"/>
+                <a:sym typeface="Proxima Nova"/>
+              </a:endParaRPr>
             </a:p>
           </p:txBody>
         </p:sp>
         <p:sp>
           <p:nvSpPr>
-            <p:cNvPr name="TextBox 16" id="16"/>
-            <p:cNvSpPr txBox="true"/>
+            <p:cNvPr id="16" name="TextBox 16"/>
+            <p:cNvSpPr txBox="1"/>
             <p:nvPr/>
           </p:nvSpPr>
           <p:spPr>
-            <a:xfrm rot="0">
+            <a:xfrm>
               <a:off x="0" y="-9525"/>
               <a:ext cx="7264400" cy="743585"/>
             </a:xfrm>
@@ -7611,18 +7594,18 @@
             </a:prstGeom>
           </p:spPr>
           <p:txBody>
-            <a:bodyPr anchor="t" rtlCol="false" tIns="0" lIns="0" bIns="0" rIns="0">
+            <a:bodyPr lIns="0" tIns="0" rIns="0" bIns="0" rtlCol="0" anchor="t">
               <a:spAutoFit/>
             </a:bodyPr>
             <a:lstStyle/>
             <a:p>
-              <a:pPr algn="l" marL="0" indent="0" lvl="0">
+              <a:pPr marL="0" lvl="0" indent="0" algn="l">
                 <a:lnSpc>
                   <a:spcPts val="3960"/>
                 </a:lnSpc>
               </a:pPr>
               <a:r>
-                <a:rPr lang="en-US" b="true" sz="3600" strike="noStrike" u="none">
+                <a:rPr lang="en-US" sz="3600" b="1" u="none" strike="noStrike">
                   <a:solidFill>
                     <a:srgbClr val="A7D7CC"/>
                   </a:solidFill>
@@ -7639,12 +7622,12 @@
       </p:grpSp>
       <p:sp>
         <p:nvSpPr>
-          <p:cNvPr name="TextBox 17" id="17"/>
-          <p:cNvSpPr txBox="true"/>
+          <p:cNvPr id="17" name="TextBox 17"/>
+          <p:cNvSpPr txBox="1"/>
           <p:nvPr/>
         </p:nvSpPr>
         <p:spPr>
-          <a:xfrm rot="0">
+          <a:xfrm>
             <a:off x="666750" y="714375"/>
             <a:ext cx="16954500" cy="1165229"/>
           </a:xfrm>
@@ -7653,18 +7636,18 @@
           </a:prstGeom>
         </p:spPr>
         <p:txBody>
-          <a:bodyPr anchor="t" rtlCol="false" tIns="0" lIns="0" bIns="0" rIns="0">
+          <a:bodyPr lIns="0" tIns="0" rIns="0" bIns="0" rtlCol="0" anchor="t">
             <a:spAutoFit/>
           </a:bodyPr>
           <a:lstStyle/>
           <a:p>
-            <a:pPr algn="l" marL="0" indent="0" lvl="0">
+            <a:pPr marL="0" lvl="0" indent="0" algn="l">
               <a:lnSpc>
                 <a:spcPts val="8000"/>
               </a:lnSpc>
             </a:pPr>
             <a:r>
-              <a:rPr lang="en-US" sz="8000" spc="-80">
+              <a:rPr lang="en-US" sz="8000" spc="-80" dirty="0">
                 <a:solidFill>
                   <a:srgbClr val="C6F7E2"/>
                 </a:solidFill>
@@ -7680,7 +7663,7 @@
       </p:sp>
       <p:sp>
         <p:nvSpPr>
-          <p:cNvPr name="AutoShape 18" id="18"/>
+          <p:cNvPr id="18" name="AutoShape 18"/>
           <p:cNvSpPr/>
           <p:nvPr/>
         </p:nvSpPr>
@@ -7692,16 +7675,167 @@
           <a:prstGeom prst="line">
             <a:avLst/>
           </a:prstGeom>
-          <a:ln cap="flat" w="28575">
+          <a:ln w="28575" cap="flat">
             <a:solidFill>
               <a:srgbClr val="A7D7CC"/>
             </a:solidFill>
             <a:prstDash val="solid"/>
-            <a:headEnd type="none" len="sm" w="sm"/>
-            <a:tailEnd type="none" len="sm" w="sm"/>
+            <a:headEnd type="none" w="sm" len="sm"/>
+            <a:tailEnd type="none" w="sm" len="sm"/>
           </a:ln>
         </p:spPr>
-      </p:sp>
+        <p:txBody>
+          <a:bodyPr/>
+          <a:lstStyle/>
+          <a:p>
+            <a:endParaRPr lang="en-ZA"/>
+          </a:p>
+        </p:txBody>
+      </p:sp>
+      <p:pic>
+        <p:nvPicPr>
+          <p:cNvPr id="44" name="Picture 43" descr="A screenshot of a graph&#10;&#10;AI-generated content may be incorrect.">
+            <a:extLst>
+              <a:ext uri="{FF2B5EF4-FFF2-40B4-BE49-F238E27FC236}">
+                <a16:creationId xmlns:a16="http://schemas.microsoft.com/office/drawing/2014/main" id="{CB3A011F-F447-8517-D1BC-E0DAB737BACE}"/>
+              </a:ext>
+            </a:extLst>
+          </p:cNvPr>
+          <p:cNvPicPr>
+            <a:picLocks noChangeAspect="1"/>
+          </p:cNvPicPr>
+          <p:nvPr/>
+        </p:nvPicPr>
+        <p:blipFill>
+          <a:blip r:embed="rId2">
+            <a:extLst>
+              <a:ext uri="{28A0092B-C50C-407E-A947-70E740481C1C}">
+                <a14:useLocalDpi xmlns:a14="http://schemas.microsoft.com/office/drawing/2010/main" val="0"/>
+              </a:ext>
+            </a:extLst>
+          </a:blip>
+          <a:stretch>
+            <a:fillRect/>
+          </a:stretch>
+        </p:blipFill>
+        <p:spPr>
+          <a:xfrm>
+            <a:off x="6419850" y="3204102"/>
+            <a:ext cx="4933950" cy="4369435"/>
+          </a:xfrm>
+          <a:prstGeom prst="rect">
+            <a:avLst/>
+          </a:prstGeom>
+        </p:spPr>
+      </p:pic>
+      <p:pic>
+        <p:nvPicPr>
+          <p:cNvPr id="46" name="Picture 45" descr="A graph with a line&#10;&#10;AI-generated content may be incorrect.">
+            <a:extLst>
+              <a:ext uri="{FF2B5EF4-FFF2-40B4-BE49-F238E27FC236}">
+                <a16:creationId xmlns:a16="http://schemas.microsoft.com/office/drawing/2014/main" id="{DBA49F3C-0F8C-1786-D78C-6D5BEDA277C4}"/>
+              </a:ext>
+            </a:extLst>
+          </p:cNvPr>
+          <p:cNvPicPr>
+            <a:picLocks noChangeAspect="1"/>
+          </p:cNvPicPr>
+          <p:nvPr/>
+        </p:nvPicPr>
+        <p:blipFill>
+          <a:blip r:embed="rId3" cstate="print">
+            <a:extLst>
+              <a:ext uri="{28A0092B-C50C-407E-A947-70E740481C1C}">
+                <a14:useLocalDpi xmlns:a14="http://schemas.microsoft.com/office/drawing/2010/main" val="0"/>
+              </a:ext>
+            </a:extLst>
+          </a:blip>
+          <a:stretch>
+            <a:fillRect/>
+          </a:stretch>
+        </p:blipFill>
+        <p:spPr>
+          <a:xfrm>
+            <a:off x="914400" y="5263838"/>
+            <a:ext cx="4400550" cy="2359058"/>
+          </a:xfrm>
+          <a:prstGeom prst="rect">
+            <a:avLst/>
+          </a:prstGeom>
+        </p:spPr>
+      </p:pic>
+      <p:pic>
+        <p:nvPicPr>
+          <p:cNvPr id="48" name="Picture 47" descr="A graph of unemployment rate over time&#10;&#10;AI-generated content may be incorrect.">
+            <a:extLst>
+              <a:ext uri="{FF2B5EF4-FFF2-40B4-BE49-F238E27FC236}">
+                <a16:creationId xmlns:a16="http://schemas.microsoft.com/office/drawing/2014/main" id="{AACB5A30-CA11-A3E7-0C8F-23E8B470021B}"/>
+              </a:ext>
+            </a:extLst>
+          </p:cNvPr>
+          <p:cNvPicPr>
+            <a:picLocks noChangeAspect="1"/>
+          </p:cNvPicPr>
+          <p:nvPr/>
+        </p:nvPicPr>
+        <p:blipFill>
+          <a:blip r:embed="rId4" cstate="print">
+            <a:extLst>
+              <a:ext uri="{28A0092B-C50C-407E-A947-70E740481C1C}">
+                <a14:useLocalDpi xmlns:a14="http://schemas.microsoft.com/office/drawing/2010/main" val="0"/>
+              </a:ext>
+            </a:extLst>
+          </a:blip>
+          <a:stretch>
+            <a:fillRect/>
+          </a:stretch>
+        </p:blipFill>
+        <p:spPr>
+          <a:xfrm>
+            <a:off x="12458700" y="4991148"/>
+            <a:ext cx="4242619" cy="2543127"/>
+          </a:xfrm>
+          <a:prstGeom prst="rect">
+            <a:avLst/>
+          </a:prstGeom>
+        </p:spPr>
+      </p:pic>
+      <p:pic>
+        <p:nvPicPr>
+          <p:cNvPr id="56" name="Picture 55" descr="A graph of blue lines&#10;&#10;AI-generated content may be incorrect.">
+            <a:extLst>
+              <a:ext uri="{FF2B5EF4-FFF2-40B4-BE49-F238E27FC236}">
+                <a16:creationId xmlns:a16="http://schemas.microsoft.com/office/drawing/2014/main" id="{BE790206-32EB-0AA6-627D-33FFE1744AB1}"/>
+              </a:ext>
+            </a:extLst>
+          </p:cNvPr>
+          <p:cNvPicPr>
+            <a:picLocks noChangeAspect="1"/>
+          </p:cNvPicPr>
+          <p:nvPr/>
+        </p:nvPicPr>
+        <p:blipFill>
+          <a:blip r:embed="rId5" cstate="print">
+            <a:extLst>
+              <a:ext uri="{28A0092B-C50C-407E-A947-70E740481C1C}">
+                <a14:useLocalDpi xmlns:a14="http://schemas.microsoft.com/office/drawing/2010/main" val="0"/>
+              </a:ext>
+            </a:extLst>
+          </a:blip>
+          <a:stretch>
+            <a:fillRect/>
+          </a:stretch>
+        </p:blipFill>
+        <p:spPr>
+          <a:xfrm>
+            <a:off x="12649200" y="1670975"/>
+            <a:ext cx="3594919" cy="3066254"/>
+          </a:xfrm>
+          <a:prstGeom prst="rect">
+            <a:avLst/>
+          </a:prstGeom>
+        </p:spPr>
+      </p:pic>
     </p:spTree>
   </p:cSld>
   <p:clrMapOvr>
@@ -7711,13 +7845,14 @@
 </file>
 
 <file path=ppt/slides/slide8.xml><?xml version="1.0" encoding="utf-8"?>
-<p:sld xmlns:p="http://schemas.openxmlformats.org/presentationml/2006/main" xmlns:a="http://schemas.openxmlformats.org/drawingml/2006/main">
+<p:sld xmlns:a="http://schemas.openxmlformats.org/drawingml/2006/main" xmlns:r="http://schemas.openxmlformats.org/officeDocument/2006/relationships" xmlns:p="http://schemas.openxmlformats.org/presentationml/2006/main">
   <p:cSld>
     <p:bg>
       <p:bgPr>
         <a:solidFill>
           <a:srgbClr val="C6F7E2"/>
         </a:solidFill>
+        <a:effectLst/>
       </p:bgPr>
     </p:bg>
     <p:spTree>
@@ -7736,7 +7871,7 @@
       </p:grpSpPr>
       <p:sp>
         <p:nvSpPr>
-          <p:cNvPr name="AutoShape 2" id="2"/>
+          <p:cNvPr id="2" name="AutoShape 2"/>
           <p:cNvSpPr/>
           <p:nvPr/>
         </p:nvSpPr>
@@ -7748,24 +7883,31 @@
           <a:prstGeom prst="line">
             <a:avLst/>
           </a:prstGeom>
-          <a:ln cap="flat" w="28575">
+          <a:ln w="28575" cap="flat">
             <a:solidFill>
               <a:srgbClr val="004D40"/>
             </a:solidFill>
             <a:prstDash val="solid"/>
-            <a:headEnd type="none" len="sm" w="sm"/>
-            <a:tailEnd type="none" len="sm" w="sm"/>
+            <a:headEnd type="none" w="sm" len="sm"/>
+            <a:tailEnd type="none" w="sm" len="sm"/>
           </a:ln>
         </p:spPr>
+        <p:txBody>
+          <a:bodyPr/>
+          <a:lstStyle/>
+          <a:p>
+            <a:endParaRPr lang="en-ZA"/>
+          </a:p>
+        </p:txBody>
       </p:sp>
       <p:grpSp>
         <p:nvGrpSpPr>
-          <p:cNvPr name="Group 3" id="3"/>
+          <p:cNvPr id="3" name="Group 3"/>
           <p:cNvGrpSpPr/>
           <p:nvPr/>
         </p:nvGrpSpPr>
         <p:grpSpPr>
-          <a:xfrm rot="0">
+          <a:xfrm>
             <a:off x="666750" y="666750"/>
             <a:ext cx="16954500" cy="2341245"/>
             <a:chOff x="0" y="0"/>
@@ -7774,12 +7916,12 @@
         </p:grpSpPr>
         <p:sp>
           <p:nvSpPr>
-            <p:cNvPr name="TextBox 4" id="4"/>
-            <p:cNvSpPr txBox="true"/>
+            <p:cNvPr id="4" name="TextBox 4"/>
+            <p:cNvSpPr txBox="1"/>
             <p:nvPr/>
           </p:nvSpPr>
           <p:spPr>
-            <a:xfrm rot="0">
+            <a:xfrm>
               <a:off x="0" y="47625"/>
               <a:ext cx="22606000" cy="1569514"/>
             </a:xfrm>
@@ -7788,12 +7930,12 @@
             </a:prstGeom>
           </p:spPr>
           <p:txBody>
-            <a:bodyPr anchor="t" rtlCol="false" tIns="0" lIns="0" bIns="0" rIns="0">
+            <a:bodyPr lIns="0" tIns="0" rIns="0" bIns="0" rtlCol="0" anchor="t">
               <a:spAutoFit/>
             </a:bodyPr>
             <a:lstStyle/>
             <a:p>
-              <a:pPr algn="l" marL="0" indent="0" lvl="0">
+              <a:pPr marL="0" lvl="0" indent="0" algn="l">
                 <a:lnSpc>
                   <a:spcPts val="8000"/>
                 </a:lnSpc>
@@ -7802,7 +7944,7 @@
                 </a:spcBef>
               </a:pPr>
               <a:r>
-                <a:rPr lang="en-US" sz="8000" spc="-80" strike="noStrike" u="none">
+                <a:rPr lang="en-US" sz="8000" u="none" strike="noStrike" spc="-80">
                   <a:solidFill>
                     <a:srgbClr val="00796B"/>
                   </a:solidFill>
@@ -7818,12 +7960,12 @@
         </p:sp>
         <p:sp>
           <p:nvSpPr>
-            <p:cNvPr name="TextBox 5" id="5"/>
-            <p:cNvSpPr txBox="true"/>
+            <p:cNvPr id="5" name="TextBox 5"/>
+            <p:cNvSpPr txBox="1"/>
             <p:nvPr/>
           </p:nvSpPr>
           <p:spPr>
-            <a:xfrm rot="0">
+            <a:xfrm>
               <a:off x="0" y="2378075"/>
               <a:ext cx="22606000" cy="743585"/>
             </a:xfrm>
@@ -7832,12 +7974,12 @@
             </a:prstGeom>
           </p:spPr>
           <p:txBody>
-            <a:bodyPr anchor="t" rtlCol="false" tIns="0" lIns="0" bIns="0" rIns="0">
+            <a:bodyPr lIns="0" tIns="0" rIns="0" bIns="0" rtlCol="0" anchor="t">
               <a:spAutoFit/>
             </a:bodyPr>
             <a:lstStyle/>
             <a:p>
-              <a:pPr algn="l" marL="0" indent="0" lvl="0">
+              <a:pPr marL="0" lvl="0" indent="0" algn="l">
                 <a:lnSpc>
                   <a:spcPts val="3960"/>
                 </a:lnSpc>
@@ -7846,7 +7988,7 @@
                 </a:spcBef>
               </a:pPr>
               <a:r>
-                <a:rPr lang="en-US" b="true" sz="3600" strike="noStrike" u="none">
+                <a:rPr lang="en-US" sz="3600" b="1" u="none" strike="noStrike">
                   <a:solidFill>
                     <a:srgbClr val="004D40"/>
                   </a:solidFill>
@@ -7863,12 +8005,12 @@
       </p:grpSp>
       <p:grpSp>
         <p:nvGrpSpPr>
-          <p:cNvPr name="Group 6" id="6"/>
+          <p:cNvPr id="6" name="Group 6"/>
           <p:cNvGrpSpPr/>
           <p:nvPr/>
         </p:nvGrpSpPr>
         <p:grpSpPr>
-          <a:xfrm rot="0">
+          <a:xfrm>
             <a:off x="666750" y="6953250"/>
             <a:ext cx="5448300" cy="1771650"/>
             <a:chOff x="0" y="0"/>
@@ -7877,12 +8019,12 @@
         </p:grpSpPr>
         <p:sp>
           <p:nvSpPr>
-            <p:cNvPr name="TextBox 7" id="7"/>
-            <p:cNvSpPr txBox="true"/>
+            <p:cNvPr id="7" name="TextBox 7"/>
+            <p:cNvSpPr txBox="1"/>
             <p:nvPr/>
           </p:nvSpPr>
           <p:spPr>
-            <a:xfrm rot="0">
+            <a:xfrm>
               <a:off x="0" y="-9525"/>
               <a:ext cx="7264400" cy="743585"/>
             </a:xfrm>
@@ -7891,18 +8033,18 @@
             </a:prstGeom>
           </p:spPr>
           <p:txBody>
-            <a:bodyPr anchor="t" rtlCol="false" tIns="0" lIns="0" bIns="0" rIns="0">
+            <a:bodyPr lIns="0" tIns="0" rIns="0" bIns="0" rtlCol="0" anchor="t">
               <a:spAutoFit/>
             </a:bodyPr>
             <a:lstStyle/>
             <a:p>
-              <a:pPr algn="l" marL="0" indent="0" lvl="0">
+              <a:pPr marL="0" lvl="0" indent="0" algn="l">
                 <a:lnSpc>
                   <a:spcPts val="3960"/>
                 </a:lnSpc>
               </a:pPr>
               <a:r>
-                <a:rPr lang="en-US" b="true" sz="3600">
+                <a:rPr lang="en-US" sz="3600" b="1">
                   <a:solidFill>
                     <a:srgbClr val="004D40"/>
                   </a:solidFill>
@@ -7918,12 +8060,12 @@
         </p:sp>
         <p:sp>
           <p:nvSpPr>
-            <p:cNvPr name="TextBox 8" id="8"/>
-            <p:cNvSpPr txBox="true"/>
+            <p:cNvPr id="8" name="TextBox 8"/>
+            <p:cNvSpPr txBox="1"/>
             <p:nvPr/>
           </p:nvSpPr>
           <p:spPr>
-            <a:xfrm rot="0">
+            <a:xfrm>
               <a:off x="4570" y="1342390"/>
               <a:ext cx="7259830" cy="1019810"/>
             </a:xfrm>
@@ -7932,12 +8074,12 @@
             </a:prstGeom>
           </p:spPr>
           <p:txBody>
-            <a:bodyPr anchor="t" rtlCol="false" tIns="0" lIns="0" bIns="0" rIns="0">
+            <a:bodyPr lIns="0" tIns="0" rIns="0" bIns="0" rtlCol="0" anchor="t">
               <a:spAutoFit/>
             </a:bodyPr>
             <a:lstStyle/>
             <a:p>
-              <a:pPr algn="l" marL="0" indent="0" lvl="0">
+              <a:pPr marL="0" lvl="0" indent="0" algn="l">
                 <a:lnSpc>
                   <a:spcPts val="3120"/>
                 </a:lnSpc>
@@ -7946,7 +8088,7 @@
                 </a:spcBef>
               </a:pPr>
               <a:r>
-                <a:rPr lang="en-US" sz="2400" strike="noStrike" u="none">
+                <a:rPr lang="en-US" sz="2400" u="none" strike="noStrike">
                   <a:solidFill>
                     <a:srgbClr val="004D40"/>
                   </a:solidFill>
@@ -7963,12 +8105,12 @@
       </p:grpSp>
       <p:grpSp>
         <p:nvGrpSpPr>
-          <p:cNvPr name="Group 9" id="9"/>
+          <p:cNvPr id="9" name="Group 9"/>
           <p:cNvGrpSpPr/>
           <p:nvPr/>
         </p:nvGrpSpPr>
         <p:grpSpPr>
-          <a:xfrm rot="0">
+          <a:xfrm>
             <a:off x="6419850" y="6953250"/>
             <a:ext cx="5448300" cy="1771650"/>
             <a:chOff x="0" y="0"/>
@@ -7977,12 +8119,12 @@
         </p:grpSpPr>
         <p:sp>
           <p:nvSpPr>
-            <p:cNvPr name="TextBox 10" id="10"/>
-            <p:cNvSpPr txBox="true"/>
+            <p:cNvPr id="10" name="TextBox 10"/>
+            <p:cNvSpPr txBox="1"/>
             <p:nvPr/>
           </p:nvSpPr>
           <p:spPr>
-            <a:xfrm rot="0">
+            <a:xfrm>
               <a:off x="0" y="-9525"/>
               <a:ext cx="7264400" cy="743585"/>
             </a:xfrm>
@@ -7991,18 +8133,18 @@
             </a:prstGeom>
           </p:spPr>
           <p:txBody>
-            <a:bodyPr anchor="t" rtlCol="false" tIns="0" lIns="0" bIns="0" rIns="0">
+            <a:bodyPr lIns="0" tIns="0" rIns="0" bIns="0" rtlCol="0" anchor="t">
               <a:spAutoFit/>
             </a:bodyPr>
             <a:lstStyle/>
             <a:p>
-              <a:pPr algn="l" marL="0" indent="0" lvl="0">
+              <a:pPr marL="0" lvl="0" indent="0" algn="l">
                 <a:lnSpc>
                   <a:spcPts val="3960"/>
                 </a:lnSpc>
               </a:pPr>
               <a:r>
-                <a:rPr lang="en-US" b="true" sz="3600">
+                <a:rPr lang="en-US" sz="3600" b="1">
                   <a:solidFill>
                     <a:srgbClr val="004D40"/>
                   </a:solidFill>
@@ -8018,12 +8160,12 @@
         </p:sp>
         <p:sp>
           <p:nvSpPr>
-            <p:cNvPr name="TextBox 11" id="11"/>
-            <p:cNvSpPr txBox="true"/>
+            <p:cNvPr id="11" name="TextBox 11"/>
+            <p:cNvSpPr txBox="1"/>
             <p:nvPr/>
           </p:nvSpPr>
           <p:spPr>
-            <a:xfrm rot="0">
+            <a:xfrm>
               <a:off x="4570" y="1342390"/>
               <a:ext cx="7259830" cy="1019810"/>
             </a:xfrm>
@@ -8032,12 +8174,12 @@
             </a:prstGeom>
           </p:spPr>
           <p:txBody>
-            <a:bodyPr anchor="t" rtlCol="false" tIns="0" lIns="0" bIns="0" rIns="0">
+            <a:bodyPr lIns="0" tIns="0" rIns="0" bIns="0" rtlCol="0" anchor="t">
               <a:spAutoFit/>
             </a:bodyPr>
             <a:lstStyle/>
             <a:p>
-              <a:pPr algn="l" marL="0" indent="0" lvl="0">
+              <a:pPr marL="0" lvl="0" indent="0" algn="l">
                 <a:lnSpc>
                   <a:spcPts val="3120"/>
                 </a:lnSpc>
@@ -8046,7 +8188,7 @@
                 </a:spcBef>
               </a:pPr>
               <a:r>
-                <a:rPr lang="en-US" sz="2400" strike="noStrike" u="none">
+                <a:rPr lang="en-US" sz="2400" u="none" strike="noStrike">
                   <a:solidFill>
                     <a:srgbClr val="004D40"/>
                   </a:solidFill>
@@ -8063,12 +8205,12 @@
       </p:grpSp>
       <p:grpSp>
         <p:nvGrpSpPr>
-          <p:cNvPr name="Group 12" id="12"/>
+          <p:cNvPr id="12" name="Group 12"/>
           <p:cNvGrpSpPr/>
           <p:nvPr/>
         </p:nvGrpSpPr>
         <p:grpSpPr>
-          <a:xfrm rot="0">
+          <a:xfrm>
             <a:off x="12172950" y="6953250"/>
             <a:ext cx="5448300" cy="1771650"/>
             <a:chOff x="0" y="0"/>
@@ -8077,12 +8219,12 @@
         </p:grpSpPr>
         <p:sp>
           <p:nvSpPr>
-            <p:cNvPr name="TextBox 13" id="13"/>
-            <p:cNvSpPr txBox="true"/>
+            <p:cNvPr id="13" name="TextBox 13"/>
+            <p:cNvSpPr txBox="1"/>
             <p:nvPr/>
           </p:nvSpPr>
           <p:spPr>
-            <a:xfrm rot="0">
+            <a:xfrm>
               <a:off x="0" y="-9525"/>
               <a:ext cx="7264400" cy="743585"/>
             </a:xfrm>
@@ -8091,18 +8233,18 @@
             </a:prstGeom>
           </p:spPr>
           <p:txBody>
-            <a:bodyPr anchor="t" rtlCol="false" tIns="0" lIns="0" bIns="0" rIns="0">
+            <a:bodyPr lIns="0" tIns="0" rIns="0" bIns="0" rtlCol="0" anchor="t">
               <a:spAutoFit/>
             </a:bodyPr>
             <a:lstStyle/>
             <a:p>
-              <a:pPr algn="l" marL="0" indent="0" lvl="0">
+              <a:pPr marL="0" lvl="0" indent="0" algn="l">
                 <a:lnSpc>
                   <a:spcPts val="3960"/>
                 </a:lnSpc>
               </a:pPr>
               <a:r>
-                <a:rPr lang="en-US" b="true" sz="3600">
+                <a:rPr lang="en-US" sz="3600" b="1">
                   <a:solidFill>
                     <a:srgbClr val="004D40"/>
                   </a:solidFill>
@@ -8118,12 +8260,12 @@
         </p:sp>
         <p:sp>
           <p:nvSpPr>
-            <p:cNvPr name="TextBox 14" id="14"/>
-            <p:cNvSpPr txBox="true"/>
+            <p:cNvPr id="14" name="TextBox 14"/>
+            <p:cNvSpPr txBox="1"/>
             <p:nvPr/>
           </p:nvSpPr>
           <p:spPr>
-            <a:xfrm rot="0">
+            <a:xfrm>
               <a:off x="4570" y="1342390"/>
               <a:ext cx="7259830" cy="1019810"/>
             </a:xfrm>
@@ -8132,12 +8274,12 @@
             </a:prstGeom>
           </p:spPr>
           <p:txBody>
-            <a:bodyPr anchor="t" rtlCol="false" tIns="0" lIns="0" bIns="0" rIns="0">
+            <a:bodyPr lIns="0" tIns="0" rIns="0" bIns="0" rtlCol="0" anchor="t">
               <a:spAutoFit/>
             </a:bodyPr>
             <a:lstStyle/>
             <a:p>
-              <a:pPr algn="l" marL="0" indent="0" lvl="0">
+              <a:pPr marL="0" lvl="0" indent="0" algn="l">
                 <a:lnSpc>
                   <a:spcPts val="3120"/>
                 </a:lnSpc>
@@ -8146,7 +8288,7 @@
                 </a:spcBef>
               </a:pPr>
               <a:r>
-                <a:rPr lang="en-US" sz="2400" strike="noStrike" u="none">
+                <a:rPr lang="en-US" sz="2400" u="none" strike="noStrike">
                   <a:solidFill>
                     <a:srgbClr val="004D40"/>
                   </a:solidFill>
@@ -8170,13 +8312,14 @@
 </file>
 
 <file path=ppt/slides/slide9.xml><?xml version="1.0" encoding="utf-8"?>
-<p:sld xmlns:p="http://schemas.openxmlformats.org/presentationml/2006/main" xmlns:a="http://schemas.openxmlformats.org/drawingml/2006/main" xmlns:r="http://schemas.openxmlformats.org/officeDocument/2006/relationships">
+<p:sld xmlns:a="http://schemas.openxmlformats.org/drawingml/2006/main" xmlns:r="http://schemas.openxmlformats.org/officeDocument/2006/relationships" xmlns:p="http://schemas.openxmlformats.org/presentationml/2006/main">
   <p:cSld>
     <p:bg>
       <p:bgPr>
         <a:solidFill>
           <a:srgbClr val="004D40"/>
         </a:solidFill>
+        <a:effectLst/>
       </p:bgPr>
     </p:bg>
     <p:spTree>
@@ -8195,13 +8338,13 @@
       </p:grpSpPr>
       <p:grpSp>
         <p:nvGrpSpPr>
-          <p:cNvPr name="Group 2" id="2"/>
+          <p:cNvPr id="4" name="Group 4"/>
           <p:cNvGrpSpPr/>
           <p:nvPr/>
         </p:nvGrpSpPr>
         <p:grpSpPr>
-          <a:xfrm rot="0">
-            <a:off x="666750" y="2457450"/>
+          <a:xfrm>
+            <a:off x="6115050" y="2488640"/>
             <a:ext cx="5448300" cy="4470805"/>
             <a:chOff x="0" y="0"/>
             <a:chExt cx="1015061" cy="832946"/>
@@ -8209,12 +8352,12 @@
         </p:grpSpPr>
         <p:sp>
           <p:nvSpPr>
-            <p:cNvPr name="Freeform 3" id="3"/>
+            <p:cNvPr id="5" name="Freeform 5"/>
             <p:cNvSpPr/>
             <p:nvPr/>
           </p:nvSpPr>
           <p:spPr>
-            <a:xfrm flipH="false" flipV="false" rot="0">
+            <a:xfrm>
               <a:off x="0" y="0"/>
               <a:ext cx="1015061" cy="832946"/>
             </a:xfrm>
@@ -8223,9 +8366,9 @@
               <a:gdLst/>
               <a:ahLst/>
               <a:cxnLst/>
-              <a:rect r="r" b="b" t="t" l="l"/>
+              <a:rect l="l" t="t" r="r" b="b"/>
               <a:pathLst>
-                <a:path h="832946" w="1015061">
+                <a:path w="1015061" h="832946">
                   <a:moveTo>
                     <a:pt x="0" y="0"/>
                   </a:moveTo>
@@ -8245,7 +8388,7 @@
             <a:blipFill>
               <a:blip r:embed="rId2"/>
               <a:stretch>
-                <a:fillRect l="-265" t="0" r="-265" b="0"/>
+                <a:fillRect l="-265" r="-265"/>
               </a:stretch>
             </a:blipFill>
             <a:ln cap="sq">
@@ -8254,142 +8397,23 @@
               <a:miter/>
             </a:ln>
           </p:spPr>
+          <p:txBody>
+            <a:bodyPr/>
+            <a:lstStyle/>
+            <a:p>
+              <a:endParaRPr lang="en-ZA"/>
+            </a:p>
+          </p:txBody>
         </p:sp>
       </p:grpSp>
       <p:grpSp>
         <p:nvGrpSpPr>
-          <p:cNvPr name="Group 4" id="4"/>
+          <p:cNvPr id="8" name="Group 8"/>
           <p:cNvGrpSpPr/>
           <p:nvPr/>
         </p:nvGrpSpPr>
         <p:grpSpPr>
-          <a:xfrm rot="0">
-            <a:off x="6419850" y="2463395"/>
-            <a:ext cx="5448300" cy="4470805"/>
-            <a:chOff x="0" y="0"/>
-            <a:chExt cx="1015061" cy="832946"/>
-          </a:xfrm>
-        </p:grpSpPr>
-        <p:sp>
-          <p:nvSpPr>
-            <p:cNvPr name="Freeform 5" id="5"/>
-            <p:cNvSpPr/>
-            <p:nvPr/>
-          </p:nvSpPr>
-          <p:spPr>
-            <a:xfrm flipH="false" flipV="false" rot="0">
-              <a:off x="0" y="0"/>
-              <a:ext cx="1015061" cy="832946"/>
-            </a:xfrm>
-            <a:custGeom>
-              <a:avLst/>
-              <a:gdLst/>
-              <a:ahLst/>
-              <a:cxnLst/>
-              <a:rect r="r" b="b" t="t" l="l"/>
-              <a:pathLst>
-                <a:path h="832946" w="1015061">
-                  <a:moveTo>
-                    <a:pt x="0" y="0"/>
-                  </a:moveTo>
-                  <a:lnTo>
-                    <a:pt x="1015061" y="0"/>
-                  </a:lnTo>
-                  <a:lnTo>
-                    <a:pt x="1015061" y="832946"/>
-                  </a:lnTo>
-                  <a:lnTo>
-                    <a:pt x="0" y="832946"/>
-                  </a:lnTo>
-                  <a:close/>
-                </a:path>
-              </a:pathLst>
-            </a:custGeom>
-            <a:blipFill>
-              <a:blip r:embed="rId3"/>
-              <a:stretch>
-                <a:fillRect l="-265" t="0" r="-265" b="0"/>
-              </a:stretch>
-            </a:blipFill>
-            <a:ln cap="sq">
-              <a:noFill/>
-              <a:prstDash val="solid"/>
-              <a:miter/>
-            </a:ln>
-          </p:spPr>
-        </p:sp>
-      </p:grpSp>
-      <p:grpSp>
-        <p:nvGrpSpPr>
-          <p:cNvPr name="Group 6" id="6"/>
-          <p:cNvGrpSpPr/>
-          <p:nvPr/>
-        </p:nvGrpSpPr>
-        <p:grpSpPr>
-          <a:xfrm rot="0">
-            <a:off x="12172950" y="2475286"/>
-            <a:ext cx="5452633" cy="4458914"/>
-            <a:chOff x="0" y="0"/>
-            <a:chExt cx="1015868" cy="830731"/>
-          </a:xfrm>
-        </p:grpSpPr>
-        <p:sp>
-          <p:nvSpPr>
-            <p:cNvPr name="Freeform 7" id="7"/>
-            <p:cNvSpPr/>
-            <p:nvPr/>
-          </p:nvSpPr>
-          <p:spPr>
-            <a:xfrm flipH="false" flipV="false" rot="0">
-              <a:off x="0" y="0"/>
-              <a:ext cx="1015868" cy="830730"/>
-            </a:xfrm>
-            <a:custGeom>
-              <a:avLst/>
-              <a:gdLst/>
-              <a:ahLst/>
-              <a:cxnLst/>
-              <a:rect r="r" b="b" t="t" l="l"/>
-              <a:pathLst>
-                <a:path h="830730" w="1015868">
-                  <a:moveTo>
-                    <a:pt x="0" y="0"/>
-                  </a:moveTo>
-                  <a:lnTo>
-                    <a:pt x="1015868" y="0"/>
-                  </a:lnTo>
-                  <a:lnTo>
-                    <a:pt x="1015868" y="830730"/>
-                  </a:lnTo>
-                  <a:lnTo>
-                    <a:pt x="0" y="830730"/>
-                  </a:lnTo>
-                  <a:close/>
-                </a:path>
-              </a:pathLst>
-            </a:custGeom>
-            <a:blipFill>
-              <a:blip r:embed="rId4"/>
-              <a:stretch>
-                <a:fillRect l="-92" t="0" r="-92" b="0"/>
-              </a:stretch>
-            </a:blipFill>
-            <a:ln cap="sq">
-              <a:noFill/>
-              <a:prstDash val="solid"/>
-              <a:miter/>
-            </a:ln>
-          </p:spPr>
-        </p:sp>
-      </p:grpSp>
-      <p:grpSp>
-        <p:nvGrpSpPr>
-          <p:cNvPr name="Group 8" id="8"/>
-          <p:cNvGrpSpPr/>
-          <p:nvPr/>
-        </p:nvGrpSpPr>
-        <p:grpSpPr>
-          <a:xfrm rot="0">
+          <a:xfrm>
             <a:off x="666750" y="7829550"/>
             <a:ext cx="5448300" cy="1228725"/>
             <a:chOff x="0" y="0"/>
@@ -8398,12 +8422,12 @@
         </p:grpSpPr>
         <p:sp>
           <p:nvSpPr>
-            <p:cNvPr name="TextBox 9" id="9"/>
-            <p:cNvSpPr txBox="true"/>
+            <p:cNvPr id="9" name="TextBox 9"/>
+            <p:cNvSpPr txBox="1"/>
             <p:nvPr/>
           </p:nvSpPr>
           <p:spPr>
-            <a:xfrm rot="0">
+            <a:xfrm>
               <a:off x="0" y="1139190"/>
               <a:ext cx="7264400" cy="499110"/>
             </a:xfrm>
@@ -8412,12 +8436,12 @@
             </a:prstGeom>
           </p:spPr>
           <p:txBody>
-            <a:bodyPr anchor="t" rtlCol="false" tIns="0" lIns="0" bIns="0" rIns="0">
+            <a:bodyPr lIns="0" tIns="0" rIns="0" bIns="0" rtlCol="0" anchor="t">
               <a:spAutoFit/>
             </a:bodyPr>
             <a:lstStyle/>
             <a:p>
-              <a:pPr algn="l" marL="0" indent="0" lvl="0">
+              <a:pPr marL="0" lvl="0" indent="0" algn="l">
                 <a:lnSpc>
                   <a:spcPts val="3120"/>
                 </a:lnSpc>
@@ -8426,7 +8450,7 @@
                 </a:spcBef>
               </a:pPr>
               <a:r>
-                <a:rPr lang="en-US" b="true" sz="2400" strike="noStrike" u="none">
+                <a:rPr lang="en-US" sz="2400" b="1" u="none" strike="noStrike">
                   <a:solidFill>
                     <a:srgbClr val="A7D7CC"/>
                   </a:solidFill>
@@ -8442,12 +8466,12 @@
         </p:sp>
         <p:sp>
           <p:nvSpPr>
-            <p:cNvPr name="TextBox 10" id="10"/>
-            <p:cNvSpPr txBox="true"/>
+            <p:cNvPr id="10" name="TextBox 10"/>
+            <p:cNvSpPr txBox="1"/>
             <p:nvPr/>
           </p:nvSpPr>
           <p:spPr>
-            <a:xfrm rot="0">
+            <a:xfrm>
               <a:off x="0" y="-9525"/>
               <a:ext cx="7264400" cy="743585"/>
             </a:xfrm>
@@ -8456,18 +8480,18 @@
             </a:prstGeom>
           </p:spPr>
           <p:txBody>
-            <a:bodyPr anchor="t" rtlCol="false" tIns="0" lIns="0" bIns="0" rIns="0">
+            <a:bodyPr lIns="0" tIns="0" rIns="0" bIns="0" rtlCol="0" anchor="t">
               <a:spAutoFit/>
             </a:bodyPr>
             <a:lstStyle/>
             <a:p>
-              <a:pPr algn="l" marL="0" indent="0" lvl="0">
+              <a:pPr marL="0" lvl="0" indent="0" algn="l">
                 <a:lnSpc>
                   <a:spcPts val="3960"/>
                 </a:lnSpc>
               </a:pPr>
               <a:r>
-                <a:rPr lang="en-US" b="true" sz="3600" strike="noStrike" u="none">
+                <a:rPr lang="en-US" sz="3600" b="1" u="none" strike="noStrike">
                   <a:solidFill>
                     <a:srgbClr val="A7D7CC"/>
                   </a:solidFill>
@@ -8484,12 +8508,12 @@
       </p:grpSp>
       <p:grpSp>
         <p:nvGrpSpPr>
-          <p:cNvPr name="Group 11" id="11"/>
+          <p:cNvPr id="11" name="Group 11"/>
           <p:cNvGrpSpPr/>
           <p:nvPr/>
         </p:nvGrpSpPr>
         <p:grpSpPr>
-          <a:xfrm rot="0">
+          <a:xfrm>
             <a:off x="6419850" y="7829550"/>
             <a:ext cx="5448300" cy="1228725"/>
             <a:chOff x="0" y="0"/>
@@ -8498,12 +8522,12 @@
         </p:grpSpPr>
         <p:sp>
           <p:nvSpPr>
-            <p:cNvPr name="TextBox 12" id="12"/>
-            <p:cNvSpPr txBox="true"/>
+            <p:cNvPr id="12" name="TextBox 12"/>
+            <p:cNvSpPr txBox="1"/>
             <p:nvPr/>
           </p:nvSpPr>
           <p:spPr>
-            <a:xfrm rot="0">
+            <a:xfrm>
               <a:off x="0" y="1139190"/>
               <a:ext cx="7264400" cy="499110"/>
             </a:xfrm>
@@ -8512,12 +8536,12 @@
             </a:prstGeom>
           </p:spPr>
           <p:txBody>
-            <a:bodyPr anchor="t" rtlCol="false" tIns="0" lIns="0" bIns="0" rIns="0">
+            <a:bodyPr lIns="0" tIns="0" rIns="0" bIns="0" rtlCol="0" anchor="t">
               <a:spAutoFit/>
             </a:bodyPr>
             <a:lstStyle/>
             <a:p>
-              <a:pPr algn="l" marL="0" indent="0" lvl="0">
+              <a:pPr marL="0" lvl="0" indent="0" algn="l">
                 <a:lnSpc>
                   <a:spcPts val="3120"/>
                 </a:lnSpc>
@@ -8526,7 +8550,7 @@
                 </a:spcBef>
               </a:pPr>
               <a:r>
-                <a:rPr lang="en-US" b="true" sz="2400" strike="noStrike" u="none">
+                <a:rPr lang="en-US" sz="2400" b="1" u="none" strike="noStrike">
                   <a:solidFill>
                     <a:srgbClr val="A7D7CC"/>
                   </a:solidFill>
@@ -8542,12 +8566,12 @@
         </p:sp>
         <p:sp>
           <p:nvSpPr>
-            <p:cNvPr name="TextBox 13" id="13"/>
-            <p:cNvSpPr txBox="true"/>
+            <p:cNvPr id="13" name="TextBox 13"/>
+            <p:cNvSpPr txBox="1"/>
             <p:nvPr/>
           </p:nvSpPr>
           <p:spPr>
-            <a:xfrm rot="0">
+            <a:xfrm>
               <a:off x="0" y="-9525"/>
               <a:ext cx="7264400" cy="743585"/>
             </a:xfrm>
@@ -8556,18 +8580,18 @@
             </a:prstGeom>
           </p:spPr>
           <p:txBody>
-            <a:bodyPr anchor="t" rtlCol="false" tIns="0" lIns="0" bIns="0" rIns="0">
+            <a:bodyPr lIns="0" tIns="0" rIns="0" bIns="0" rtlCol="0" anchor="t">
               <a:spAutoFit/>
             </a:bodyPr>
             <a:lstStyle/>
             <a:p>
-              <a:pPr algn="l" marL="0" indent="0" lvl="0">
+              <a:pPr marL="0" lvl="0" indent="0" algn="l">
                 <a:lnSpc>
                   <a:spcPts val="3960"/>
                 </a:lnSpc>
               </a:pPr>
               <a:r>
-                <a:rPr lang="en-US" b="true" sz="3600" strike="noStrike" u="none">
+                <a:rPr lang="en-US" sz="3600" b="1" u="none" strike="noStrike">
                   <a:solidFill>
                     <a:srgbClr val="A7D7CC"/>
                   </a:solidFill>
@@ -8584,12 +8608,12 @@
       </p:grpSp>
       <p:grpSp>
         <p:nvGrpSpPr>
-          <p:cNvPr name="Group 14" id="14"/>
+          <p:cNvPr id="14" name="Group 14"/>
           <p:cNvGrpSpPr/>
           <p:nvPr/>
         </p:nvGrpSpPr>
         <p:grpSpPr>
-          <a:xfrm rot="0">
+          <a:xfrm>
             <a:off x="12172950" y="7829550"/>
             <a:ext cx="5448300" cy="1228725"/>
             <a:chOff x="0" y="0"/>
@@ -8598,12 +8622,12 @@
         </p:grpSpPr>
         <p:sp>
           <p:nvSpPr>
-            <p:cNvPr name="TextBox 15" id="15"/>
-            <p:cNvSpPr txBox="true"/>
+            <p:cNvPr id="15" name="TextBox 15"/>
+            <p:cNvSpPr txBox="1"/>
             <p:nvPr/>
           </p:nvSpPr>
           <p:spPr>
-            <a:xfrm rot="0">
+            <a:xfrm>
               <a:off x="0" y="1139190"/>
               <a:ext cx="7264400" cy="499110"/>
             </a:xfrm>
@@ -8612,12 +8636,12 @@
             </a:prstGeom>
           </p:spPr>
           <p:txBody>
-            <a:bodyPr anchor="t" rtlCol="false" tIns="0" lIns="0" bIns="0" rIns="0">
+            <a:bodyPr lIns="0" tIns="0" rIns="0" bIns="0" rtlCol="0" anchor="t">
               <a:spAutoFit/>
             </a:bodyPr>
             <a:lstStyle/>
             <a:p>
-              <a:pPr algn="l" marL="0" indent="0" lvl="0">
+              <a:pPr marL="0" lvl="0" indent="0" algn="l">
                 <a:lnSpc>
                   <a:spcPts val="3120"/>
                 </a:lnSpc>
@@ -8626,7 +8650,7 @@
                 </a:spcBef>
               </a:pPr>
               <a:r>
-                <a:rPr lang="en-US" b="true" sz="2400" strike="noStrike" u="none">
+                <a:rPr lang="en-US" sz="2400" b="1" u="none" strike="noStrike">
                   <a:solidFill>
                     <a:srgbClr val="A7D7CC"/>
                   </a:solidFill>
@@ -8642,12 +8666,12 @@
         </p:sp>
         <p:sp>
           <p:nvSpPr>
-            <p:cNvPr name="TextBox 16" id="16"/>
-            <p:cNvSpPr txBox="true"/>
+            <p:cNvPr id="16" name="TextBox 16"/>
+            <p:cNvSpPr txBox="1"/>
             <p:nvPr/>
           </p:nvSpPr>
           <p:spPr>
-            <a:xfrm rot="0">
+            <a:xfrm>
               <a:off x="0" y="-9525"/>
               <a:ext cx="7264400" cy="743585"/>
             </a:xfrm>
@@ -8656,18 +8680,18 @@
             </a:prstGeom>
           </p:spPr>
           <p:txBody>
-            <a:bodyPr anchor="t" rtlCol="false" tIns="0" lIns="0" bIns="0" rIns="0">
+            <a:bodyPr lIns="0" tIns="0" rIns="0" bIns="0" rtlCol="0" anchor="t">
               <a:spAutoFit/>
             </a:bodyPr>
             <a:lstStyle/>
             <a:p>
-              <a:pPr algn="l" marL="0" indent="0" lvl="0">
+              <a:pPr marL="0" lvl="0" indent="0" algn="l">
                 <a:lnSpc>
                   <a:spcPts val="3960"/>
                 </a:lnSpc>
               </a:pPr>
               <a:r>
-                <a:rPr lang="en-US" b="true" sz="3600" strike="noStrike" u="none">
+                <a:rPr lang="en-US" sz="3600" b="1" u="none" strike="noStrike">
                   <a:solidFill>
                     <a:srgbClr val="A7D7CC"/>
                   </a:solidFill>
@@ -8684,12 +8708,12 @@
       </p:grpSp>
       <p:sp>
         <p:nvSpPr>
-          <p:cNvPr name="TextBox 17" id="17"/>
-          <p:cNvSpPr txBox="true"/>
+          <p:cNvPr id="17" name="TextBox 17"/>
+          <p:cNvSpPr txBox="1"/>
           <p:nvPr/>
         </p:nvSpPr>
         <p:spPr>
-          <a:xfrm rot="0">
+          <a:xfrm>
             <a:off x="666750" y="714375"/>
             <a:ext cx="16954500" cy="1165229"/>
           </a:xfrm>
@@ -8698,12 +8722,12 @@
           </a:prstGeom>
         </p:spPr>
         <p:txBody>
-          <a:bodyPr anchor="t" rtlCol="false" tIns="0" lIns="0" bIns="0" rIns="0">
+          <a:bodyPr lIns="0" tIns="0" rIns="0" bIns="0" rtlCol="0" anchor="t">
             <a:spAutoFit/>
           </a:bodyPr>
           <a:lstStyle/>
           <a:p>
-            <a:pPr algn="l" marL="0" indent="0" lvl="0">
+            <a:pPr marL="0" lvl="0" indent="0" algn="l">
               <a:lnSpc>
                 <a:spcPts val="8000"/>
               </a:lnSpc>
@@ -8725,7 +8749,7 @@
       </p:sp>
       <p:sp>
         <p:nvSpPr>
-          <p:cNvPr name="AutoShape 18" id="18"/>
+          <p:cNvPr id="18" name="AutoShape 18"/>
           <p:cNvSpPr/>
           <p:nvPr/>
         </p:nvSpPr>
@@ -8737,16 +8761,131 @@
           <a:prstGeom prst="line">
             <a:avLst/>
           </a:prstGeom>
-          <a:ln cap="flat" w="28575">
+          <a:ln w="28575" cap="flat">
             <a:solidFill>
               <a:srgbClr val="A7D7CC"/>
             </a:solidFill>
             <a:prstDash val="solid"/>
-            <a:headEnd type="none" len="sm" w="sm"/>
-            <a:tailEnd type="none" len="sm" w="sm"/>
+            <a:headEnd type="none" w="sm" len="sm"/>
+            <a:tailEnd type="none" w="sm" len="sm"/>
           </a:ln>
         </p:spPr>
-      </p:sp>
+        <p:txBody>
+          <a:bodyPr/>
+          <a:lstStyle/>
+          <a:p>
+            <a:endParaRPr lang="en-ZA"/>
+          </a:p>
+        </p:txBody>
+      </p:sp>
+      <p:pic>
+        <p:nvPicPr>
+          <p:cNvPr id="22" name="Picture 21" descr="A graph showing the growth of a training&#10;&#10;AI-generated content may be incorrect.">
+            <a:extLst>
+              <a:ext uri="{FF2B5EF4-FFF2-40B4-BE49-F238E27FC236}">
+                <a16:creationId xmlns:a16="http://schemas.microsoft.com/office/drawing/2014/main" id="{11634001-6BBA-F8C1-9CD9-8872AB07F0E3}"/>
+              </a:ext>
+            </a:extLst>
+          </p:cNvPr>
+          <p:cNvPicPr>
+            <a:picLocks noChangeAspect="1"/>
+          </p:cNvPicPr>
+          <p:nvPr/>
+        </p:nvPicPr>
+        <p:blipFill>
+          <a:blip r:embed="rId3">
+            <a:extLst>
+              <a:ext uri="{28A0092B-C50C-407E-A947-70E740481C1C}">
+                <a14:useLocalDpi xmlns:a14="http://schemas.microsoft.com/office/drawing/2010/main" val="0"/>
+              </a:ext>
+            </a:extLst>
+          </a:blip>
+          <a:stretch>
+            <a:fillRect/>
+          </a:stretch>
+        </p:blipFill>
+        <p:spPr>
+          <a:xfrm>
+            <a:off x="804225" y="2231384"/>
+            <a:ext cx="4114800" cy="2688401"/>
+          </a:xfrm>
+          <a:prstGeom prst="rect">
+            <a:avLst/>
+          </a:prstGeom>
+        </p:spPr>
+      </p:pic>
+      <p:pic>
+        <p:nvPicPr>
+          <p:cNvPr id="24" name="Picture 23" descr="A graph showing the number of training examples&#10;&#10;AI-generated content may be incorrect.">
+            <a:extLst>
+              <a:ext uri="{FF2B5EF4-FFF2-40B4-BE49-F238E27FC236}">
+                <a16:creationId xmlns:a16="http://schemas.microsoft.com/office/drawing/2014/main" id="{8E2E030A-E2B5-B20E-6E86-1981DD377B63}"/>
+              </a:ext>
+            </a:extLst>
+          </p:cNvPr>
+          <p:cNvPicPr>
+            <a:picLocks noChangeAspect="1"/>
+          </p:cNvPicPr>
+          <p:nvPr/>
+        </p:nvPicPr>
+        <p:blipFill>
+          <a:blip r:embed="rId4">
+            <a:extLst>
+              <a:ext uri="{28A0092B-C50C-407E-A947-70E740481C1C}">
+                <a14:useLocalDpi xmlns:a14="http://schemas.microsoft.com/office/drawing/2010/main" val="0"/>
+              </a:ext>
+            </a:extLst>
+          </a:blip>
+          <a:stretch>
+            <a:fillRect/>
+          </a:stretch>
+        </p:blipFill>
+        <p:spPr>
+          <a:xfrm>
+            <a:off x="801330" y="5156204"/>
+            <a:ext cx="4080824" cy="2666202"/>
+          </a:xfrm>
+          <a:prstGeom prst="rect">
+            <a:avLst/>
+          </a:prstGeom>
+        </p:spPr>
+      </p:pic>
+      <p:pic>
+        <p:nvPicPr>
+          <p:cNvPr id="26" name="Picture 25" descr="A graph showing the results of a jobless job&#10;&#10;AI-generated content may be incorrect.">
+            <a:extLst>
+              <a:ext uri="{FF2B5EF4-FFF2-40B4-BE49-F238E27FC236}">
+                <a16:creationId xmlns:a16="http://schemas.microsoft.com/office/drawing/2014/main" id="{00593EA2-4633-A2D8-3010-CE358D5B9C25}"/>
+              </a:ext>
+            </a:extLst>
+          </p:cNvPr>
+          <p:cNvPicPr>
+            <a:picLocks noChangeAspect="1"/>
+          </p:cNvPicPr>
+          <p:nvPr/>
+        </p:nvPicPr>
+        <p:blipFill>
+          <a:blip r:embed="rId5">
+            <a:extLst>
+              <a:ext uri="{28A0092B-C50C-407E-A947-70E740481C1C}">
+                <a14:useLocalDpi xmlns:a14="http://schemas.microsoft.com/office/drawing/2010/main" val="0"/>
+              </a:ext>
+            </a:extLst>
+          </a:blip>
+          <a:stretch>
+            <a:fillRect/>
+          </a:stretch>
+        </p:blipFill>
+        <p:spPr>
+          <a:xfrm>
+            <a:off x="12172950" y="3049471"/>
+            <a:ext cx="5745497" cy="3740628"/>
+          </a:xfrm>
+          <a:prstGeom prst="rect">
+            <a:avLst/>
+          </a:prstGeom>
+        </p:spPr>
+      </p:pic>
     </p:spTree>
   </p:cSld>
   <p:clrMapOvr>
